--- a/LaTeX/MacOs系统/figure/all_figures.pptx
+++ b/LaTeX/MacOs系统/figure/all_figures.pptx
@@ -6,6 +6,7 @@
   </p:sldMasterIdLst>
   <p:sldIdLst>
     <p:sldId id="256" r:id="rId2"/>
+    <p:sldId id="257" r:id="rId3"/>
   </p:sldIdLst>
   <p:sldSz cx="12192000" cy="6858000"/>
   <p:notesSz cx="6858000" cy="9144000"/>
@@ -259,7 +260,7 @@
           <a:p>
             <a:fld id="{9860DD9F-B9F0-9442-B928-14853C54059E}" type="datetimeFigureOut">
               <a:rPr kumimoji="1" lang="zh-CN" altLang="en-US" smtClean="0"/>
-              <a:t>2020/2/11</a:t>
+              <a:t>2020/2/12</a:t>
             </a:fld>
             <a:endParaRPr kumimoji="1" lang="zh-CN" altLang="en-US"/>
           </a:p>
@@ -432,7 +433,7 @@
           <a:p>
             <a:fld id="{9860DD9F-B9F0-9442-B928-14853C54059E}" type="datetimeFigureOut">
               <a:rPr kumimoji="1" lang="zh-CN" altLang="en-US" smtClean="0"/>
-              <a:t>2020/2/11</a:t>
+              <a:t>2020/2/12</a:t>
             </a:fld>
             <a:endParaRPr kumimoji="1" lang="zh-CN" altLang="en-US"/>
           </a:p>
@@ -615,7 +616,7 @@
           <a:p>
             <a:fld id="{9860DD9F-B9F0-9442-B928-14853C54059E}" type="datetimeFigureOut">
               <a:rPr kumimoji="1" lang="zh-CN" altLang="en-US" smtClean="0"/>
-              <a:t>2020/2/11</a:t>
+              <a:t>2020/2/12</a:t>
             </a:fld>
             <a:endParaRPr kumimoji="1" lang="zh-CN" altLang="en-US"/>
           </a:p>
@@ -788,7 +789,7 @@
           <a:p>
             <a:fld id="{9860DD9F-B9F0-9442-B928-14853C54059E}" type="datetimeFigureOut">
               <a:rPr kumimoji="1" lang="zh-CN" altLang="en-US" smtClean="0"/>
-              <a:t>2020/2/11</a:t>
+              <a:t>2020/2/12</a:t>
             </a:fld>
             <a:endParaRPr kumimoji="1" lang="zh-CN" altLang="en-US"/>
           </a:p>
@@ -1066,7 +1067,7 @@
           <a:p>
             <a:fld id="{9860DD9F-B9F0-9442-B928-14853C54059E}" type="datetimeFigureOut">
               <a:rPr kumimoji="1" lang="zh-CN" altLang="en-US" smtClean="0"/>
-              <a:t>2020/2/11</a:t>
+              <a:t>2020/2/12</a:t>
             </a:fld>
             <a:endParaRPr kumimoji="1" lang="zh-CN" altLang="en-US"/>
           </a:p>
@@ -1281,7 +1282,7 @@
           <a:p>
             <a:fld id="{9860DD9F-B9F0-9442-B928-14853C54059E}" type="datetimeFigureOut">
               <a:rPr kumimoji="1" lang="zh-CN" altLang="en-US" smtClean="0"/>
-              <a:t>2020/2/11</a:t>
+              <a:t>2020/2/12</a:t>
             </a:fld>
             <a:endParaRPr kumimoji="1" lang="zh-CN" altLang="en-US"/>
           </a:p>
@@ -1649,7 +1650,7 @@
           <a:p>
             <a:fld id="{9860DD9F-B9F0-9442-B928-14853C54059E}" type="datetimeFigureOut">
               <a:rPr kumimoji="1" lang="zh-CN" altLang="en-US" smtClean="0"/>
-              <a:t>2020/2/11</a:t>
+              <a:t>2020/2/12</a:t>
             </a:fld>
             <a:endParaRPr kumimoji="1" lang="zh-CN" altLang="en-US"/>
           </a:p>
@@ -1790,7 +1791,7 @@
           <a:p>
             <a:fld id="{9860DD9F-B9F0-9442-B928-14853C54059E}" type="datetimeFigureOut">
               <a:rPr kumimoji="1" lang="zh-CN" altLang="en-US" smtClean="0"/>
-              <a:t>2020/2/11</a:t>
+              <a:t>2020/2/12</a:t>
             </a:fld>
             <a:endParaRPr kumimoji="1" lang="zh-CN" altLang="en-US"/>
           </a:p>
@@ -1903,7 +1904,7 @@
           <a:p>
             <a:fld id="{9860DD9F-B9F0-9442-B928-14853C54059E}" type="datetimeFigureOut">
               <a:rPr kumimoji="1" lang="zh-CN" altLang="en-US" smtClean="0"/>
-              <a:t>2020/2/11</a:t>
+              <a:t>2020/2/12</a:t>
             </a:fld>
             <a:endParaRPr kumimoji="1" lang="zh-CN" altLang="en-US"/>
           </a:p>
@@ -2192,7 +2193,7 @@
           <a:p>
             <a:fld id="{9860DD9F-B9F0-9442-B928-14853C54059E}" type="datetimeFigureOut">
               <a:rPr kumimoji="1" lang="zh-CN" altLang="en-US" smtClean="0"/>
-              <a:t>2020/2/11</a:t>
+              <a:t>2020/2/12</a:t>
             </a:fld>
             <a:endParaRPr kumimoji="1" lang="zh-CN" altLang="en-US"/>
           </a:p>
@@ -2483,7 +2484,7 @@
           <a:p>
             <a:fld id="{9860DD9F-B9F0-9442-B928-14853C54059E}" type="datetimeFigureOut">
               <a:rPr kumimoji="1" lang="zh-CN" altLang="en-US" smtClean="0"/>
-              <a:t>2020/2/11</a:t>
+              <a:t>2020/2/12</a:t>
             </a:fld>
             <a:endParaRPr kumimoji="1" lang="zh-CN" altLang="en-US"/>
           </a:p>
@@ -2699,7 +2700,7 @@
           <a:p>
             <a:fld id="{9860DD9F-B9F0-9442-B928-14853C54059E}" type="datetimeFigureOut">
               <a:rPr kumimoji="1" lang="zh-CN" altLang="en-US" smtClean="0"/>
-              <a:t>2020/2/11</a:t>
+              <a:t>2020/2/12</a:t>
             </a:fld>
             <a:endParaRPr kumimoji="1" lang="zh-CN" altLang="en-US"/>
           </a:p>
@@ -3219,6 +3220,126 @@
 </p:sld>
 </file>
 
+<file path=ppt/slides/slide2.xml><?xml version="1.0" encoding="utf-8"?>
+<p:sld xmlns:a="http://schemas.openxmlformats.org/drawingml/2006/main" xmlns:r="http://schemas.openxmlformats.org/officeDocument/2006/relationships" xmlns:p="http://schemas.openxmlformats.org/presentationml/2006/main">
+  <p:cSld>
+    <p:spTree>
+      <p:nvGrpSpPr>
+        <p:cNvPr id="1" name=""/>
+        <p:cNvGrpSpPr/>
+        <p:nvPr/>
+      </p:nvGrpSpPr>
+      <p:grpSpPr>
+        <a:xfrm>
+          <a:off x="0" y="0"/>
+          <a:ext cx="0" cy="0"/>
+          <a:chOff x="0" y="0"/>
+          <a:chExt cx="0" cy="0"/>
+        </a:xfrm>
+      </p:grpSpPr>
+      <p:pic>
+        <p:nvPicPr>
+          <p:cNvPr id="4" name="图片 3">
+            <a:extLst>
+              <a:ext uri="{FF2B5EF4-FFF2-40B4-BE49-F238E27FC236}">
+                <a16:creationId xmlns:a16="http://schemas.microsoft.com/office/drawing/2014/main" id="{7D1D7418-F35D-EE4B-B884-456753EFF1AF}"/>
+              </a:ext>
+            </a:extLst>
+          </p:cNvPr>
+          <p:cNvPicPr>
+            <a:picLocks noChangeAspect="1"/>
+          </p:cNvPicPr>
+          <p:nvPr/>
+        </p:nvPicPr>
+        <p:blipFill>
+          <a:blip r:embed="rId2"/>
+          <a:stretch>
+            <a:fillRect/>
+          </a:stretch>
+        </p:blipFill>
+        <p:spPr>
+          <a:xfrm>
+            <a:off x="6470130" y="1530350"/>
+            <a:ext cx="5676900" cy="3797300"/>
+          </a:xfrm>
+          <a:prstGeom prst="rect">
+            <a:avLst/>
+          </a:prstGeom>
+        </p:spPr>
+      </p:pic>
+      <p:pic>
+        <p:nvPicPr>
+          <p:cNvPr id="5" name="图片 4">
+            <a:extLst>
+              <a:ext uri="{FF2B5EF4-FFF2-40B4-BE49-F238E27FC236}">
+                <a16:creationId xmlns:a16="http://schemas.microsoft.com/office/drawing/2014/main" id="{1F40FC6A-94D5-F14D-ADF3-52929235073C}"/>
+              </a:ext>
+            </a:extLst>
+          </p:cNvPr>
+          <p:cNvPicPr>
+            <a:picLocks noChangeAspect="1"/>
+          </p:cNvPicPr>
+          <p:nvPr/>
+        </p:nvPicPr>
+        <p:blipFill>
+          <a:blip r:embed="rId3"/>
+          <a:stretch>
+            <a:fillRect/>
+          </a:stretch>
+        </p:blipFill>
+        <p:spPr>
+          <a:xfrm>
+            <a:off x="542039" y="1259174"/>
+            <a:ext cx="1931337" cy="4103621"/>
+          </a:xfrm>
+          <a:prstGeom prst="rect">
+            <a:avLst/>
+          </a:prstGeom>
+        </p:spPr>
+      </p:pic>
+      <p:pic>
+        <p:nvPicPr>
+          <p:cNvPr id="6" name="图片 5">
+            <a:extLst>
+              <a:ext uri="{FF2B5EF4-FFF2-40B4-BE49-F238E27FC236}">
+                <a16:creationId xmlns:a16="http://schemas.microsoft.com/office/drawing/2014/main" id="{507DD989-D54D-1640-A583-F2CC1F51682E}"/>
+              </a:ext>
+            </a:extLst>
+          </p:cNvPr>
+          <p:cNvPicPr>
+            <a:picLocks noChangeAspect="1"/>
+          </p:cNvPicPr>
+          <p:nvPr/>
+        </p:nvPicPr>
+        <p:blipFill>
+          <a:blip r:embed="rId4"/>
+          <a:stretch>
+            <a:fillRect/>
+          </a:stretch>
+        </p:blipFill>
+        <p:spPr>
+          <a:xfrm>
+            <a:off x="2631400" y="2438400"/>
+            <a:ext cx="3733800" cy="1981200"/>
+          </a:xfrm>
+          <a:prstGeom prst="rect">
+            <a:avLst/>
+          </a:prstGeom>
+        </p:spPr>
+      </p:pic>
+    </p:spTree>
+    <p:extLst>
+      <p:ext uri="{BB962C8B-B14F-4D97-AF65-F5344CB8AC3E}">
+        <p14:creationId xmlns:p14="http://schemas.microsoft.com/office/powerpoint/2010/main" val="2098949387"/>
+      </p:ext>
+    </p:extLst>
+  </p:cSld>
+  <p:clrMapOvr>
+    <a:masterClrMapping/>
+  </p:clrMapOvr>
+</p:sld>
+</file>
+
 <file path=ppt/theme/theme1.xml><?xml version="1.0" encoding="utf-8"?>
 <a:theme xmlns:a="http://schemas.openxmlformats.org/drawingml/2006/main" name="Office 主题​​">
   <a:themeElements>

--- a/LaTeX/MacOs系统/figure/all_figures.pptx
+++ b/LaTeX/MacOs系统/figure/all_figures.pptx
@@ -7,6 +7,7 @@
   <p:sldIdLst>
     <p:sldId id="256" r:id="rId2"/>
     <p:sldId id="257" r:id="rId3"/>
+    <p:sldId id="258" r:id="rId4"/>
   </p:sldIdLst>
   <p:sldSz cx="12192000" cy="6858000"/>
   <p:notesSz cx="6858000" cy="9144000"/>
@@ -260,7 +261,7 @@
           <a:p>
             <a:fld id="{9860DD9F-B9F0-9442-B928-14853C54059E}" type="datetimeFigureOut">
               <a:rPr kumimoji="1" lang="zh-CN" altLang="en-US" smtClean="0"/>
-              <a:t>2020/2/12</a:t>
+              <a:t>2020/2/13</a:t>
             </a:fld>
             <a:endParaRPr kumimoji="1" lang="zh-CN" altLang="en-US"/>
           </a:p>
@@ -433,7 +434,7 @@
           <a:p>
             <a:fld id="{9860DD9F-B9F0-9442-B928-14853C54059E}" type="datetimeFigureOut">
               <a:rPr kumimoji="1" lang="zh-CN" altLang="en-US" smtClean="0"/>
-              <a:t>2020/2/12</a:t>
+              <a:t>2020/2/13</a:t>
             </a:fld>
             <a:endParaRPr kumimoji="1" lang="zh-CN" altLang="en-US"/>
           </a:p>
@@ -616,7 +617,7 @@
           <a:p>
             <a:fld id="{9860DD9F-B9F0-9442-B928-14853C54059E}" type="datetimeFigureOut">
               <a:rPr kumimoji="1" lang="zh-CN" altLang="en-US" smtClean="0"/>
-              <a:t>2020/2/12</a:t>
+              <a:t>2020/2/13</a:t>
             </a:fld>
             <a:endParaRPr kumimoji="1" lang="zh-CN" altLang="en-US"/>
           </a:p>
@@ -789,7 +790,7 @@
           <a:p>
             <a:fld id="{9860DD9F-B9F0-9442-B928-14853C54059E}" type="datetimeFigureOut">
               <a:rPr kumimoji="1" lang="zh-CN" altLang="en-US" smtClean="0"/>
-              <a:t>2020/2/12</a:t>
+              <a:t>2020/2/13</a:t>
             </a:fld>
             <a:endParaRPr kumimoji="1" lang="zh-CN" altLang="en-US"/>
           </a:p>
@@ -1067,7 +1068,7 @@
           <a:p>
             <a:fld id="{9860DD9F-B9F0-9442-B928-14853C54059E}" type="datetimeFigureOut">
               <a:rPr kumimoji="1" lang="zh-CN" altLang="en-US" smtClean="0"/>
-              <a:t>2020/2/12</a:t>
+              <a:t>2020/2/13</a:t>
             </a:fld>
             <a:endParaRPr kumimoji="1" lang="zh-CN" altLang="en-US"/>
           </a:p>
@@ -1282,7 +1283,7 @@
           <a:p>
             <a:fld id="{9860DD9F-B9F0-9442-B928-14853C54059E}" type="datetimeFigureOut">
               <a:rPr kumimoji="1" lang="zh-CN" altLang="en-US" smtClean="0"/>
-              <a:t>2020/2/12</a:t>
+              <a:t>2020/2/13</a:t>
             </a:fld>
             <a:endParaRPr kumimoji="1" lang="zh-CN" altLang="en-US"/>
           </a:p>
@@ -1650,7 +1651,7 @@
           <a:p>
             <a:fld id="{9860DD9F-B9F0-9442-B928-14853C54059E}" type="datetimeFigureOut">
               <a:rPr kumimoji="1" lang="zh-CN" altLang="en-US" smtClean="0"/>
-              <a:t>2020/2/12</a:t>
+              <a:t>2020/2/13</a:t>
             </a:fld>
             <a:endParaRPr kumimoji="1" lang="zh-CN" altLang="en-US"/>
           </a:p>
@@ -1791,7 +1792,7 @@
           <a:p>
             <a:fld id="{9860DD9F-B9F0-9442-B928-14853C54059E}" type="datetimeFigureOut">
               <a:rPr kumimoji="1" lang="zh-CN" altLang="en-US" smtClean="0"/>
-              <a:t>2020/2/12</a:t>
+              <a:t>2020/2/13</a:t>
             </a:fld>
             <a:endParaRPr kumimoji="1" lang="zh-CN" altLang="en-US"/>
           </a:p>
@@ -1904,7 +1905,7 @@
           <a:p>
             <a:fld id="{9860DD9F-B9F0-9442-B928-14853C54059E}" type="datetimeFigureOut">
               <a:rPr kumimoji="1" lang="zh-CN" altLang="en-US" smtClean="0"/>
-              <a:t>2020/2/12</a:t>
+              <a:t>2020/2/13</a:t>
             </a:fld>
             <a:endParaRPr kumimoji="1" lang="zh-CN" altLang="en-US"/>
           </a:p>
@@ -2193,7 +2194,7 @@
           <a:p>
             <a:fld id="{9860DD9F-B9F0-9442-B928-14853C54059E}" type="datetimeFigureOut">
               <a:rPr kumimoji="1" lang="zh-CN" altLang="en-US" smtClean="0"/>
-              <a:t>2020/2/12</a:t>
+              <a:t>2020/2/13</a:t>
             </a:fld>
             <a:endParaRPr kumimoji="1" lang="zh-CN" altLang="en-US"/>
           </a:p>
@@ -2484,7 +2485,7 @@
           <a:p>
             <a:fld id="{9860DD9F-B9F0-9442-B928-14853C54059E}" type="datetimeFigureOut">
               <a:rPr kumimoji="1" lang="zh-CN" altLang="en-US" smtClean="0"/>
-              <a:t>2020/2/12</a:t>
+              <a:t>2020/2/13</a:t>
             </a:fld>
             <a:endParaRPr kumimoji="1" lang="zh-CN" altLang="en-US"/>
           </a:p>
@@ -2700,7 +2701,7 @@
           <a:p>
             <a:fld id="{9860DD9F-B9F0-9442-B928-14853C54059E}" type="datetimeFigureOut">
               <a:rPr kumimoji="1" lang="zh-CN" altLang="en-US" smtClean="0"/>
-              <a:t>2020/2/12</a:t>
+              <a:t>2020/2/13</a:t>
             </a:fld>
             <a:endParaRPr kumimoji="1" lang="zh-CN" altLang="en-US"/>
           </a:p>
@@ -3340,6 +3341,276 @@
 </p:sld>
 </file>
 
+<file path=ppt/slides/slide3.xml><?xml version="1.0" encoding="utf-8"?>
+<p:sld xmlns:a="http://schemas.openxmlformats.org/drawingml/2006/main" xmlns:r="http://schemas.openxmlformats.org/officeDocument/2006/relationships" xmlns:p="http://schemas.openxmlformats.org/presentationml/2006/main">
+  <p:cSld>
+    <p:spTree>
+      <p:nvGrpSpPr>
+        <p:cNvPr id="1" name=""/>
+        <p:cNvGrpSpPr/>
+        <p:nvPr/>
+      </p:nvGrpSpPr>
+      <p:grpSpPr>
+        <a:xfrm>
+          <a:off x="0" y="0"/>
+          <a:ext cx="0" cy="0"/>
+          <a:chOff x="0" y="0"/>
+          <a:chExt cx="0" cy="0"/>
+        </a:xfrm>
+      </p:grpSpPr>
+      <p:pic>
+        <p:nvPicPr>
+          <p:cNvPr id="6" name="图片 5">
+            <a:extLst>
+              <a:ext uri="{FF2B5EF4-FFF2-40B4-BE49-F238E27FC236}">
+                <a16:creationId xmlns:a16="http://schemas.microsoft.com/office/drawing/2014/main" id="{E42D647A-AE72-AF4E-BA1C-4946A769829E}"/>
+              </a:ext>
+            </a:extLst>
+          </p:cNvPr>
+          <p:cNvPicPr>
+            <a:picLocks noChangeAspect="1"/>
+          </p:cNvPicPr>
+          <p:nvPr/>
+        </p:nvPicPr>
+        <p:blipFill>
+          <a:blip r:embed="rId2"/>
+          <a:stretch>
+            <a:fillRect/>
+          </a:stretch>
+        </p:blipFill>
+        <p:spPr>
+          <a:xfrm>
+            <a:off x="3452005" y="2110500"/>
+            <a:ext cx="1135961" cy="1126800"/>
+          </a:xfrm>
+          <a:prstGeom prst="rect">
+            <a:avLst/>
+          </a:prstGeom>
+        </p:spPr>
+      </p:pic>
+      <p:pic>
+        <p:nvPicPr>
+          <p:cNvPr id="9" name="图片 8">
+            <a:extLst>
+              <a:ext uri="{FF2B5EF4-FFF2-40B4-BE49-F238E27FC236}">
+                <a16:creationId xmlns:a16="http://schemas.microsoft.com/office/drawing/2014/main" id="{66CA7E9C-23D1-FA43-B1E4-1B4073BBD27B}"/>
+              </a:ext>
+            </a:extLst>
+          </p:cNvPr>
+          <p:cNvPicPr>
+            <a:picLocks noChangeAspect="1"/>
+          </p:cNvPicPr>
+          <p:nvPr/>
+        </p:nvPicPr>
+        <p:blipFill>
+          <a:blip r:embed="rId3"/>
+          <a:stretch>
+            <a:fillRect/>
+          </a:stretch>
+        </p:blipFill>
+        <p:spPr>
+          <a:xfrm>
+            <a:off x="3443744" y="3215950"/>
+            <a:ext cx="1144694" cy="1126800"/>
+          </a:xfrm>
+          <a:prstGeom prst="rect">
+            <a:avLst/>
+          </a:prstGeom>
+        </p:spPr>
+      </p:pic>
+      <p:pic>
+        <p:nvPicPr>
+          <p:cNvPr id="10" name="图片 9">
+            <a:extLst>
+              <a:ext uri="{FF2B5EF4-FFF2-40B4-BE49-F238E27FC236}">
+                <a16:creationId xmlns:a16="http://schemas.microsoft.com/office/drawing/2014/main" id="{64DC1720-CC5B-F244-B9AC-B1E5DDBA397A}"/>
+              </a:ext>
+            </a:extLst>
+          </p:cNvPr>
+          <p:cNvPicPr>
+            <a:picLocks noChangeAspect="1"/>
+          </p:cNvPicPr>
+          <p:nvPr/>
+        </p:nvPicPr>
+        <p:blipFill>
+          <a:blip r:embed="rId4"/>
+          <a:stretch>
+            <a:fillRect/>
+          </a:stretch>
+        </p:blipFill>
+        <p:spPr>
+          <a:xfrm>
+            <a:off x="4586731" y="2105958"/>
+            <a:ext cx="1145272" cy="1126800"/>
+          </a:xfrm>
+          <a:prstGeom prst="rect">
+            <a:avLst/>
+          </a:prstGeom>
+        </p:spPr>
+      </p:pic>
+      <p:pic>
+        <p:nvPicPr>
+          <p:cNvPr id="11" name="图片 10">
+            <a:extLst>
+              <a:ext uri="{FF2B5EF4-FFF2-40B4-BE49-F238E27FC236}">
+                <a16:creationId xmlns:a16="http://schemas.microsoft.com/office/drawing/2014/main" id="{D46F51E3-3A64-9F44-852E-DAF857F72D1E}"/>
+              </a:ext>
+            </a:extLst>
+          </p:cNvPr>
+          <p:cNvPicPr>
+            <a:picLocks noChangeAspect="1"/>
+          </p:cNvPicPr>
+          <p:nvPr/>
+        </p:nvPicPr>
+        <p:blipFill>
+          <a:blip r:embed="rId5"/>
+          <a:stretch>
+            <a:fillRect/>
+          </a:stretch>
+        </p:blipFill>
+        <p:spPr>
+          <a:xfrm>
+            <a:off x="4588437" y="3229062"/>
+            <a:ext cx="1145271" cy="1126800"/>
+          </a:xfrm>
+          <a:prstGeom prst="rect">
+            <a:avLst/>
+          </a:prstGeom>
+        </p:spPr>
+      </p:pic>
+      <p:pic>
+        <p:nvPicPr>
+          <p:cNvPr id="13" name="图片 12">
+            <a:extLst>
+              <a:ext uri="{FF2B5EF4-FFF2-40B4-BE49-F238E27FC236}">
+                <a16:creationId xmlns:a16="http://schemas.microsoft.com/office/drawing/2014/main" id="{6206F4AE-1E6E-0245-9D61-95F85F1C5E27}"/>
+              </a:ext>
+            </a:extLst>
+          </p:cNvPr>
+          <p:cNvPicPr>
+            <a:picLocks noChangeAspect="1"/>
+          </p:cNvPicPr>
+          <p:nvPr/>
+        </p:nvPicPr>
+        <p:blipFill>
+          <a:blip r:embed="rId6"/>
+          <a:stretch>
+            <a:fillRect/>
+          </a:stretch>
+        </p:blipFill>
+        <p:spPr>
+          <a:xfrm>
+            <a:off x="5903819" y="2110500"/>
+            <a:ext cx="1126800" cy="1126800"/>
+          </a:xfrm>
+          <a:prstGeom prst="rect">
+            <a:avLst/>
+          </a:prstGeom>
+        </p:spPr>
+      </p:pic>
+      <p:pic>
+        <p:nvPicPr>
+          <p:cNvPr id="14" name="图片 13">
+            <a:extLst>
+              <a:ext uri="{FF2B5EF4-FFF2-40B4-BE49-F238E27FC236}">
+                <a16:creationId xmlns:a16="http://schemas.microsoft.com/office/drawing/2014/main" id="{A2E74022-1DC6-A642-ADAC-907835BB79DF}"/>
+              </a:ext>
+            </a:extLst>
+          </p:cNvPr>
+          <p:cNvPicPr>
+            <a:picLocks noChangeAspect="1"/>
+          </p:cNvPicPr>
+          <p:nvPr/>
+        </p:nvPicPr>
+        <p:blipFill>
+          <a:blip r:embed="rId7"/>
+          <a:stretch>
+            <a:fillRect/>
+          </a:stretch>
+        </p:blipFill>
+        <p:spPr>
+          <a:xfrm>
+            <a:off x="5876111" y="3215950"/>
+            <a:ext cx="1155086" cy="1139912"/>
+          </a:xfrm>
+          <a:prstGeom prst="rect">
+            <a:avLst/>
+          </a:prstGeom>
+        </p:spPr>
+      </p:pic>
+      <p:pic>
+        <p:nvPicPr>
+          <p:cNvPr id="15" name="图片 14">
+            <a:extLst>
+              <a:ext uri="{FF2B5EF4-FFF2-40B4-BE49-F238E27FC236}">
+                <a16:creationId xmlns:a16="http://schemas.microsoft.com/office/drawing/2014/main" id="{057326E3-63FB-2A4C-8EC0-2367BB17069C}"/>
+              </a:ext>
+            </a:extLst>
+          </p:cNvPr>
+          <p:cNvPicPr>
+            <a:picLocks noChangeAspect="1"/>
+          </p:cNvPicPr>
+          <p:nvPr/>
+        </p:nvPicPr>
+        <p:blipFill>
+          <a:blip r:embed="rId8"/>
+          <a:stretch>
+            <a:fillRect/>
+          </a:stretch>
+        </p:blipFill>
+        <p:spPr>
+          <a:xfrm>
+            <a:off x="7023919" y="2090386"/>
+            <a:ext cx="1126800" cy="1126800"/>
+          </a:xfrm>
+          <a:prstGeom prst="rect">
+            <a:avLst/>
+          </a:prstGeom>
+        </p:spPr>
+      </p:pic>
+      <p:pic>
+        <p:nvPicPr>
+          <p:cNvPr id="16" name="图片 15">
+            <a:extLst>
+              <a:ext uri="{FF2B5EF4-FFF2-40B4-BE49-F238E27FC236}">
+                <a16:creationId xmlns:a16="http://schemas.microsoft.com/office/drawing/2014/main" id="{B21DCC1A-1542-BD4E-9233-C9008670184D}"/>
+              </a:ext>
+            </a:extLst>
+          </p:cNvPr>
+          <p:cNvPicPr>
+            <a:picLocks noChangeAspect="1"/>
+          </p:cNvPicPr>
+          <p:nvPr/>
+        </p:nvPicPr>
+        <p:blipFill>
+          <a:blip r:embed="rId9"/>
+          <a:stretch>
+            <a:fillRect/>
+          </a:stretch>
+        </p:blipFill>
+        <p:spPr>
+          <a:xfrm>
+            <a:off x="7019917" y="3215950"/>
+            <a:ext cx="1139269" cy="1148400"/>
+          </a:xfrm>
+          <a:prstGeom prst="rect">
+            <a:avLst/>
+          </a:prstGeom>
+        </p:spPr>
+      </p:pic>
+    </p:spTree>
+    <p:extLst>
+      <p:ext uri="{BB962C8B-B14F-4D97-AF65-F5344CB8AC3E}">
+        <p14:creationId xmlns:p14="http://schemas.microsoft.com/office/powerpoint/2010/main" val="3669084980"/>
+      </p:ext>
+    </p:extLst>
+  </p:cSld>
+  <p:clrMapOvr>
+    <a:masterClrMapping/>
+  </p:clrMapOvr>
+</p:sld>
+</file>
+
 <file path=ppt/theme/theme1.xml><?xml version="1.0" encoding="utf-8"?>
 <a:theme xmlns:a="http://schemas.openxmlformats.org/drawingml/2006/main" name="Office 主题​​">
   <a:themeElements>

--- a/LaTeX/MacOs系统/figure/all_figures.pptx
+++ b/LaTeX/MacOs系统/figure/all_figures.pptx
@@ -5,7 +5,7 @@
     <p:sldMasterId id="2147483660" r:id="rId1"/>
   </p:sldMasterIdLst>
   <p:notesMasterIdLst>
-    <p:notesMasterId r:id="rId8"/>
+    <p:notesMasterId r:id="rId12"/>
   </p:notesMasterIdLst>
   <p:sldIdLst>
     <p:sldId id="256" r:id="rId2"/>
@@ -14,6 +14,10 @@
     <p:sldId id="260" r:id="rId5"/>
     <p:sldId id="261" r:id="rId6"/>
     <p:sldId id="262" r:id="rId7"/>
+    <p:sldId id="263" r:id="rId8"/>
+    <p:sldId id="401" r:id="rId9"/>
+    <p:sldId id="402" r:id="rId10"/>
+    <p:sldId id="403" r:id="rId11"/>
   </p:sldIdLst>
   <p:sldSz cx="12192000" cy="7937500"/>
   <p:notesSz cx="6858000" cy="9144000"/>
@@ -202,7 +206,7 @@
           <a:p>
             <a:fld id="{D2A48B96-639E-45A3-A0BA-2464DFDB1FAA}" type="datetimeFigureOut">
               <a:rPr lang="zh-CN" altLang="en-US" smtClean="0"/>
-              <a:t>2020/2/17</a:t>
+              <a:t>2020/2/20</a:t>
             </a:fld>
             <a:endParaRPr lang="zh-CN" altLang="en-US"/>
           </a:p>
@@ -739,6 +743,333 @@
 </p:notes>
 </file>
 
+<file path=ppt/notesSlides/notesSlide4.xml><?xml version="1.0" encoding="utf-8"?>
+<p:notes xmlns:a="http://schemas.openxmlformats.org/drawingml/2006/main" xmlns:r="http://schemas.openxmlformats.org/officeDocument/2006/relationships" xmlns:p="http://schemas.openxmlformats.org/presentationml/2006/main">
+  <p:cSld>
+    <p:spTree>
+      <p:nvGrpSpPr>
+        <p:cNvPr id="1" name=""/>
+        <p:cNvGrpSpPr/>
+        <p:nvPr/>
+      </p:nvGrpSpPr>
+      <p:grpSpPr>
+        <a:xfrm>
+          <a:off x="0" y="0"/>
+          <a:ext cx="0" cy="0"/>
+          <a:chOff x="0" y="0"/>
+          <a:chExt cx="0" cy="0"/>
+        </a:xfrm>
+      </p:grpSpPr>
+      <p:sp>
+        <p:nvSpPr>
+          <p:cNvPr id="2" name="幻灯片图像占位符 1"/>
+          <p:cNvSpPr>
+            <a:spLocks noGrp="1" noRot="1" noChangeAspect="1"/>
+          </p:cNvSpPr>
+          <p:nvPr>
+            <p:ph type="sldImg"/>
+          </p:nvPr>
+        </p:nvSpPr>
+        <p:spPr/>
+      </p:sp>
+      <p:sp>
+        <p:nvSpPr>
+          <p:cNvPr id="3" name="备注占位符 2"/>
+          <p:cNvSpPr>
+            <a:spLocks noGrp="1"/>
+          </p:cNvSpPr>
+          <p:nvPr>
+            <p:ph type="body" idx="1"/>
+          </p:nvPr>
+        </p:nvSpPr>
+        <p:spPr/>
+        <p:txBody>
+          <a:bodyPr/>
+          <a:lstStyle/>
+          <a:p>
+            <a:r>
+              <a:rPr kumimoji="1" lang="en-US" altLang="zh-CN" dirty="0"/>
+              <a:t>17.7 </a:t>
+            </a:r>
+            <a:r>
+              <a:rPr kumimoji="1" lang="zh-CN" altLang="en-US" dirty="0"/>
+              <a:t>厘米</a:t>
+            </a:r>
+            <a:endParaRPr kumimoji="1" lang="en-US" altLang="zh-CN" dirty="0"/>
+          </a:p>
+          <a:p>
+            <a:endParaRPr kumimoji="1" lang="en-US" altLang="zh-CN" dirty="0"/>
+          </a:p>
+          <a:p>
+            <a:r>
+              <a:rPr kumimoji="1" lang="en-US" altLang="zh-CN" dirty="0"/>
+              <a:t>2.96 </a:t>
+            </a:r>
+            <a:r>
+              <a:rPr kumimoji="1" lang="zh-CN" altLang="en-US" dirty="0"/>
+              <a:t>厘米</a:t>
+            </a:r>
+            <a:endParaRPr kumimoji="1" lang="en-US" altLang="zh-CN" dirty="0"/>
+          </a:p>
+          <a:p>
+            <a:endParaRPr kumimoji="1" lang="zh-CN" altLang="en-US" dirty="0"/>
+          </a:p>
+        </p:txBody>
+      </p:sp>
+      <p:sp>
+        <p:nvSpPr>
+          <p:cNvPr id="4" name="灯片编号占位符 3"/>
+          <p:cNvSpPr>
+            <a:spLocks noGrp="1"/>
+          </p:cNvSpPr>
+          <p:nvPr>
+            <p:ph type="sldNum" sz="quarter" idx="10"/>
+          </p:nvPr>
+        </p:nvSpPr>
+        <p:spPr/>
+        <p:txBody>
+          <a:bodyPr/>
+          <a:lstStyle/>
+          <a:p>
+            <a:fld id="{EE39EB0A-2AAA-B042-87F6-BCFBC8F145D4}" type="slidenum">
+              <a:rPr lang="en-US" smtClean="0"/>
+              <a:t>8</a:t>
+            </a:fld>
+            <a:endParaRPr lang="en-US"/>
+          </a:p>
+        </p:txBody>
+      </p:sp>
+    </p:spTree>
+    <p:extLst>
+      <p:ext uri="{BB962C8B-B14F-4D97-AF65-F5344CB8AC3E}">
+        <p14:creationId xmlns:p14="http://schemas.microsoft.com/office/powerpoint/2010/main" val="2773857035"/>
+      </p:ext>
+    </p:extLst>
+  </p:cSld>
+  <p:clrMapOvr>
+    <a:masterClrMapping/>
+  </p:clrMapOvr>
+</p:notes>
+</file>
+
+<file path=ppt/notesSlides/notesSlide5.xml><?xml version="1.0" encoding="utf-8"?>
+<p:notes xmlns:a="http://schemas.openxmlformats.org/drawingml/2006/main" xmlns:r="http://schemas.openxmlformats.org/officeDocument/2006/relationships" xmlns:p="http://schemas.openxmlformats.org/presentationml/2006/main">
+  <p:cSld>
+    <p:spTree>
+      <p:nvGrpSpPr>
+        <p:cNvPr id="1" name=""/>
+        <p:cNvGrpSpPr/>
+        <p:nvPr/>
+      </p:nvGrpSpPr>
+      <p:grpSpPr>
+        <a:xfrm>
+          <a:off x="0" y="0"/>
+          <a:ext cx="0" cy="0"/>
+          <a:chOff x="0" y="0"/>
+          <a:chExt cx="0" cy="0"/>
+        </a:xfrm>
+      </p:grpSpPr>
+      <p:sp>
+        <p:nvSpPr>
+          <p:cNvPr id="2" name="幻灯片图像占位符 1"/>
+          <p:cNvSpPr>
+            <a:spLocks noGrp="1" noRot="1" noChangeAspect="1"/>
+          </p:cNvSpPr>
+          <p:nvPr>
+            <p:ph type="sldImg"/>
+          </p:nvPr>
+        </p:nvSpPr>
+        <p:spPr/>
+      </p:sp>
+      <p:sp>
+        <p:nvSpPr>
+          <p:cNvPr id="3" name="备注占位符 2"/>
+          <p:cNvSpPr>
+            <a:spLocks noGrp="1"/>
+          </p:cNvSpPr>
+          <p:nvPr>
+            <p:ph type="body" idx="1"/>
+          </p:nvPr>
+        </p:nvSpPr>
+        <p:spPr/>
+        <p:txBody>
+          <a:bodyPr/>
+          <a:lstStyle/>
+          <a:p>
+            <a:r>
+              <a:rPr kumimoji="1" lang="en-US" altLang="zh-CN" dirty="0"/>
+              <a:t>17.7 </a:t>
+            </a:r>
+            <a:r>
+              <a:rPr kumimoji="1" lang="zh-CN" altLang="en-US" dirty="0"/>
+              <a:t>厘米</a:t>
+            </a:r>
+            <a:endParaRPr kumimoji="1" lang="en-US" altLang="zh-CN" dirty="0"/>
+          </a:p>
+          <a:p>
+            <a:endParaRPr kumimoji="1" lang="en-US" altLang="zh-CN" dirty="0"/>
+          </a:p>
+          <a:p>
+            <a:r>
+              <a:rPr kumimoji="1" lang="en-US" altLang="zh-CN" dirty="0"/>
+              <a:t>2.96 </a:t>
+            </a:r>
+            <a:r>
+              <a:rPr kumimoji="1" lang="zh-CN" altLang="en-US" dirty="0"/>
+              <a:t>厘米</a:t>
+            </a:r>
+            <a:endParaRPr kumimoji="1" lang="en-US" altLang="zh-CN" dirty="0"/>
+          </a:p>
+          <a:p>
+            <a:endParaRPr kumimoji="1" lang="zh-CN" altLang="en-US" dirty="0"/>
+          </a:p>
+        </p:txBody>
+      </p:sp>
+      <p:sp>
+        <p:nvSpPr>
+          <p:cNvPr id="4" name="灯片编号占位符 3"/>
+          <p:cNvSpPr>
+            <a:spLocks noGrp="1"/>
+          </p:cNvSpPr>
+          <p:nvPr>
+            <p:ph type="sldNum" sz="quarter" idx="10"/>
+          </p:nvPr>
+        </p:nvSpPr>
+        <p:spPr/>
+        <p:txBody>
+          <a:bodyPr/>
+          <a:lstStyle/>
+          <a:p>
+            <a:fld id="{EE39EB0A-2AAA-B042-87F6-BCFBC8F145D4}" type="slidenum">
+              <a:rPr lang="en-US" smtClean="0"/>
+              <a:t>9</a:t>
+            </a:fld>
+            <a:endParaRPr lang="en-US"/>
+          </a:p>
+        </p:txBody>
+      </p:sp>
+    </p:spTree>
+    <p:extLst>
+      <p:ext uri="{BB962C8B-B14F-4D97-AF65-F5344CB8AC3E}">
+        <p14:creationId xmlns:p14="http://schemas.microsoft.com/office/powerpoint/2010/main" val="3233063311"/>
+      </p:ext>
+    </p:extLst>
+  </p:cSld>
+  <p:clrMapOvr>
+    <a:masterClrMapping/>
+  </p:clrMapOvr>
+</p:notes>
+</file>
+
+<file path=ppt/notesSlides/notesSlide6.xml><?xml version="1.0" encoding="utf-8"?>
+<p:notes xmlns:a="http://schemas.openxmlformats.org/drawingml/2006/main" xmlns:r="http://schemas.openxmlformats.org/officeDocument/2006/relationships" xmlns:p="http://schemas.openxmlformats.org/presentationml/2006/main">
+  <p:cSld>
+    <p:spTree>
+      <p:nvGrpSpPr>
+        <p:cNvPr id="1" name=""/>
+        <p:cNvGrpSpPr/>
+        <p:nvPr/>
+      </p:nvGrpSpPr>
+      <p:grpSpPr>
+        <a:xfrm>
+          <a:off x="0" y="0"/>
+          <a:ext cx="0" cy="0"/>
+          <a:chOff x="0" y="0"/>
+          <a:chExt cx="0" cy="0"/>
+        </a:xfrm>
+      </p:grpSpPr>
+      <p:sp>
+        <p:nvSpPr>
+          <p:cNvPr id="2" name="幻灯片图像占位符 1"/>
+          <p:cNvSpPr>
+            <a:spLocks noGrp="1" noRot="1" noChangeAspect="1"/>
+          </p:cNvSpPr>
+          <p:nvPr>
+            <p:ph type="sldImg"/>
+          </p:nvPr>
+        </p:nvSpPr>
+        <p:spPr/>
+      </p:sp>
+      <p:sp>
+        <p:nvSpPr>
+          <p:cNvPr id="3" name="备注占位符 2"/>
+          <p:cNvSpPr>
+            <a:spLocks noGrp="1"/>
+          </p:cNvSpPr>
+          <p:nvPr>
+            <p:ph type="body" idx="1"/>
+          </p:nvPr>
+        </p:nvSpPr>
+        <p:spPr/>
+        <p:txBody>
+          <a:bodyPr/>
+          <a:lstStyle/>
+          <a:p>
+            <a:r>
+              <a:rPr kumimoji="1" lang="en-US" altLang="zh-CN" dirty="0"/>
+              <a:t>17.7 </a:t>
+            </a:r>
+            <a:r>
+              <a:rPr kumimoji="1" lang="zh-CN" altLang="en-US" dirty="0"/>
+              <a:t>厘米</a:t>
+            </a:r>
+            <a:endParaRPr kumimoji="1" lang="en-US" altLang="zh-CN" dirty="0"/>
+          </a:p>
+          <a:p>
+            <a:endParaRPr kumimoji="1" lang="en-US" altLang="zh-CN" dirty="0"/>
+          </a:p>
+          <a:p>
+            <a:r>
+              <a:rPr kumimoji="1" lang="en-US" altLang="zh-CN" dirty="0"/>
+              <a:t>2.96 </a:t>
+            </a:r>
+            <a:r>
+              <a:rPr kumimoji="1" lang="zh-CN" altLang="en-US" dirty="0"/>
+              <a:t>厘米</a:t>
+            </a:r>
+            <a:endParaRPr kumimoji="1" lang="en-US" altLang="zh-CN" dirty="0"/>
+          </a:p>
+          <a:p>
+            <a:endParaRPr kumimoji="1" lang="zh-CN" altLang="en-US" dirty="0"/>
+          </a:p>
+        </p:txBody>
+      </p:sp>
+      <p:sp>
+        <p:nvSpPr>
+          <p:cNvPr id="4" name="灯片编号占位符 3"/>
+          <p:cNvSpPr>
+            <a:spLocks noGrp="1"/>
+          </p:cNvSpPr>
+          <p:nvPr>
+            <p:ph type="sldNum" sz="quarter" idx="10"/>
+          </p:nvPr>
+        </p:nvSpPr>
+        <p:spPr/>
+        <p:txBody>
+          <a:bodyPr/>
+          <a:lstStyle/>
+          <a:p>
+            <a:fld id="{EE39EB0A-2AAA-B042-87F6-BCFBC8F145D4}" type="slidenum">
+              <a:rPr lang="en-US" smtClean="0"/>
+              <a:t>10</a:t>
+            </a:fld>
+            <a:endParaRPr lang="en-US"/>
+          </a:p>
+        </p:txBody>
+      </p:sp>
+    </p:spTree>
+    <p:extLst>
+      <p:ext uri="{BB962C8B-B14F-4D97-AF65-F5344CB8AC3E}">
+        <p14:creationId xmlns:p14="http://schemas.microsoft.com/office/powerpoint/2010/main" val="3811688626"/>
+      </p:ext>
+    </p:extLst>
+  </p:cSld>
+  <p:clrMapOvr>
+    <a:masterClrMapping/>
+  </p:clrMapOvr>
+</p:notes>
+</file>
+
 <file path=ppt/slideLayouts/slideLayout1.xml><?xml version="1.0" encoding="utf-8"?>
 <p:sldLayout xmlns:a="http://schemas.openxmlformats.org/drawingml/2006/main" xmlns:r="http://schemas.openxmlformats.org/officeDocument/2006/relationships" xmlns:p="http://schemas.openxmlformats.org/presentationml/2006/main" type="title" preserve="1">
   <p:cSld name="标题幻灯片">
@@ -870,7 +1201,7 @@
           <a:p>
             <a:fld id="{9860DD9F-B9F0-9442-B928-14853C54059E}" type="datetimeFigureOut">
               <a:rPr kumimoji="1" lang="zh-CN" altLang="en-US" smtClean="0"/>
-              <a:t>2020/2/17</a:t>
+              <a:t>2020/2/20</a:t>
             </a:fld>
             <a:endParaRPr kumimoji="1" lang="zh-CN" altLang="en-US"/>
           </a:p>
@@ -1016,7 +1347,7 @@
           <a:p>
             <a:fld id="{9860DD9F-B9F0-9442-B928-14853C54059E}" type="datetimeFigureOut">
               <a:rPr kumimoji="1" lang="zh-CN" altLang="en-US" smtClean="0"/>
-              <a:t>2020/2/17</a:t>
+              <a:t>2020/2/20</a:t>
             </a:fld>
             <a:endParaRPr kumimoji="1" lang="zh-CN" altLang="en-US"/>
           </a:p>
@@ -1172,7 +1503,7 @@
           <a:p>
             <a:fld id="{9860DD9F-B9F0-9442-B928-14853C54059E}" type="datetimeFigureOut">
               <a:rPr kumimoji="1" lang="zh-CN" altLang="en-US" smtClean="0"/>
-              <a:t>2020/2/17</a:t>
+              <a:t>2020/2/20</a:t>
             </a:fld>
             <a:endParaRPr kumimoji="1" lang="zh-CN" altLang="en-US"/>
           </a:p>
@@ -1318,7 +1649,7 @@
           <a:p>
             <a:fld id="{9860DD9F-B9F0-9442-B928-14853C54059E}" type="datetimeFigureOut">
               <a:rPr kumimoji="1" lang="zh-CN" altLang="en-US" smtClean="0"/>
-              <a:t>2020/2/17</a:t>
+              <a:t>2020/2/20</a:t>
             </a:fld>
             <a:endParaRPr kumimoji="1" lang="zh-CN" altLang="en-US"/>
           </a:p>
@@ -1567,7 +1898,7 @@
           <a:p>
             <a:fld id="{9860DD9F-B9F0-9442-B928-14853C54059E}" type="datetimeFigureOut">
               <a:rPr kumimoji="1" lang="zh-CN" altLang="en-US" smtClean="0"/>
-              <a:t>2020/2/17</a:t>
+              <a:t>2020/2/20</a:t>
             </a:fld>
             <a:endParaRPr kumimoji="1" lang="zh-CN" altLang="en-US"/>
           </a:p>
@@ -1751,7 +2082,7 @@
           <a:p>
             <a:fld id="{9860DD9F-B9F0-9442-B928-14853C54059E}" type="datetimeFigureOut">
               <a:rPr kumimoji="1" lang="zh-CN" altLang="en-US" smtClean="0"/>
-              <a:t>2020/2/17</a:t>
+              <a:t>2020/2/20</a:t>
             </a:fld>
             <a:endParaRPr kumimoji="1" lang="zh-CN" altLang="en-US"/>
           </a:p>
@@ -2080,7 +2411,7 @@
           <a:p>
             <a:fld id="{9860DD9F-B9F0-9442-B928-14853C54059E}" type="datetimeFigureOut">
               <a:rPr kumimoji="1" lang="zh-CN" altLang="en-US" smtClean="0"/>
-              <a:t>2020/2/17</a:t>
+              <a:t>2020/2/20</a:t>
             </a:fld>
             <a:endParaRPr kumimoji="1" lang="zh-CN" altLang="en-US"/>
           </a:p>
@@ -2198,7 +2529,7 @@
           <a:p>
             <a:fld id="{9860DD9F-B9F0-9442-B928-14853C54059E}" type="datetimeFigureOut">
               <a:rPr kumimoji="1" lang="zh-CN" altLang="en-US" smtClean="0"/>
-              <a:t>2020/2/17</a:t>
+              <a:t>2020/2/20</a:t>
             </a:fld>
             <a:endParaRPr kumimoji="1" lang="zh-CN" altLang="en-US"/>
           </a:p>
@@ -2293,7 +2624,7 @@
           <a:p>
             <a:fld id="{9860DD9F-B9F0-9442-B928-14853C54059E}" type="datetimeFigureOut">
               <a:rPr kumimoji="1" lang="zh-CN" altLang="en-US" smtClean="0"/>
-              <a:t>2020/2/17</a:t>
+              <a:t>2020/2/20</a:t>
             </a:fld>
             <a:endParaRPr kumimoji="1" lang="zh-CN" altLang="en-US"/>
           </a:p>
@@ -2551,7 +2882,7 @@
           <a:p>
             <a:fld id="{9860DD9F-B9F0-9442-B928-14853C54059E}" type="datetimeFigureOut">
               <a:rPr kumimoji="1" lang="zh-CN" altLang="en-US" smtClean="0"/>
-              <a:t>2020/2/17</a:t>
+              <a:t>2020/2/20</a:t>
             </a:fld>
             <a:endParaRPr kumimoji="1" lang="zh-CN" altLang="en-US"/>
           </a:p>
@@ -2813,7 +3144,7 @@
           <a:p>
             <a:fld id="{9860DD9F-B9F0-9442-B928-14853C54059E}" type="datetimeFigureOut">
               <a:rPr kumimoji="1" lang="zh-CN" altLang="en-US" smtClean="0"/>
-              <a:t>2020/2/17</a:t>
+              <a:t>2020/2/20</a:t>
             </a:fld>
             <a:endParaRPr kumimoji="1" lang="zh-CN" altLang="en-US"/>
           </a:p>
@@ -3002,7 +3333,7 @@
           <a:p>
             <a:fld id="{9860DD9F-B9F0-9442-B928-14853C54059E}" type="datetimeFigureOut">
               <a:rPr kumimoji="1" lang="zh-CN" altLang="en-US" smtClean="0"/>
-              <a:t>2020/2/17</a:t>
+              <a:t>2020/2/20</a:t>
             </a:fld>
             <a:endParaRPr kumimoji="1" lang="zh-CN" altLang="en-US"/>
           </a:p>
@@ -3487,6 +3818,722 @@
 </p:sld>
 </file>
 
+<file path=ppt/slides/slide10.xml><?xml version="1.0" encoding="utf-8"?>
+<p:sld xmlns:a="http://schemas.openxmlformats.org/drawingml/2006/main" xmlns:r="http://schemas.openxmlformats.org/officeDocument/2006/relationships" xmlns:p="http://schemas.openxmlformats.org/presentationml/2006/main">
+  <p:cSld>
+    <p:spTree>
+      <p:nvGrpSpPr>
+        <p:cNvPr id="1" name=""/>
+        <p:cNvGrpSpPr/>
+        <p:nvPr/>
+      </p:nvGrpSpPr>
+      <p:grpSpPr>
+        <a:xfrm>
+          <a:off x="0" y="0"/>
+          <a:ext cx="0" cy="0"/>
+          <a:chOff x="0" y="0"/>
+          <a:chExt cx="0" cy="0"/>
+        </a:xfrm>
+      </p:grpSpPr>
+      <p:cxnSp>
+        <p:nvCxnSpPr>
+          <p:cNvPr id="58" name="Straight Arrow Connector 9">
+            <a:extLst>
+              <a:ext uri="{FF2B5EF4-FFF2-40B4-BE49-F238E27FC236}">
+                <a16:creationId xmlns:a16="http://schemas.microsoft.com/office/drawing/2014/main" id="{473E9081-C3CE-0D4D-BC66-D384095F59CF}"/>
+              </a:ext>
+            </a:extLst>
+          </p:cNvPr>
+          <p:cNvCxnSpPr>
+            <a:cxnSpLocks/>
+          </p:cNvCxnSpPr>
+          <p:nvPr/>
+        </p:nvCxnSpPr>
+        <p:spPr>
+          <a:xfrm flipV="1">
+            <a:off x="8895264" y="4229751"/>
+            <a:ext cx="1638000" cy="6257"/>
+          </a:xfrm>
+          <a:prstGeom prst="straightConnector1">
+            <a:avLst/>
+          </a:prstGeom>
+          <a:ln w="41275">
+            <a:solidFill>
+              <a:schemeClr val="accent6">
+                <a:lumMod val="75000"/>
+              </a:schemeClr>
+            </a:solidFill>
+            <a:tailEnd type="triangle"/>
+          </a:ln>
+        </p:spPr>
+        <p:style>
+          <a:lnRef idx="1">
+            <a:schemeClr val="accent1"/>
+          </a:lnRef>
+          <a:fillRef idx="0">
+            <a:schemeClr val="accent1"/>
+          </a:fillRef>
+          <a:effectRef idx="0">
+            <a:schemeClr val="accent1"/>
+          </a:effectRef>
+          <a:fontRef idx="minor">
+            <a:schemeClr val="tx1"/>
+          </a:fontRef>
+        </p:style>
+      </p:cxnSp>
+      <p:cxnSp>
+        <p:nvCxnSpPr>
+          <p:cNvPr id="57" name="Straight Arrow Connector 9">
+            <a:extLst>
+              <a:ext uri="{FF2B5EF4-FFF2-40B4-BE49-F238E27FC236}">
+                <a16:creationId xmlns:a16="http://schemas.microsoft.com/office/drawing/2014/main" id="{3097995C-1FA8-BE45-88A7-85551D99F5BD}"/>
+              </a:ext>
+            </a:extLst>
+          </p:cNvPr>
+          <p:cNvCxnSpPr>
+            <a:cxnSpLocks/>
+          </p:cNvCxnSpPr>
+          <p:nvPr/>
+        </p:nvCxnSpPr>
+        <p:spPr>
+          <a:xfrm flipV="1">
+            <a:off x="5665721" y="3509751"/>
+            <a:ext cx="1494000" cy="6257"/>
+          </a:xfrm>
+          <a:prstGeom prst="straightConnector1">
+            <a:avLst/>
+          </a:prstGeom>
+          <a:ln w="41275">
+            <a:solidFill>
+              <a:schemeClr val="accent6">
+                <a:lumMod val="75000"/>
+              </a:schemeClr>
+            </a:solidFill>
+            <a:tailEnd type="triangle"/>
+          </a:ln>
+        </p:spPr>
+        <p:style>
+          <a:lnRef idx="1">
+            <a:schemeClr val="accent1"/>
+          </a:lnRef>
+          <a:fillRef idx="0">
+            <a:schemeClr val="accent1"/>
+          </a:fillRef>
+          <a:effectRef idx="0">
+            <a:schemeClr val="accent1"/>
+          </a:effectRef>
+          <a:fontRef idx="minor">
+            <a:schemeClr val="tx1"/>
+          </a:fontRef>
+        </p:style>
+      </p:cxnSp>
+      <p:grpSp>
+        <p:nvGrpSpPr>
+          <p:cNvPr id="50" name="Group 49"/>
+          <p:cNvGrpSpPr/>
+          <p:nvPr/>
+        </p:nvGrpSpPr>
+        <p:grpSpPr>
+          <a:xfrm>
+            <a:off x="606683" y="3185750"/>
+            <a:ext cx="8328516" cy="2047433"/>
+            <a:chOff x="2871699" y="4506084"/>
+            <a:chExt cx="8328516" cy="2046996"/>
+          </a:xfrm>
+        </p:grpSpPr>
+        <p:cxnSp>
+          <p:nvCxnSpPr>
+            <p:cNvPr id="12" name="Straight Arrow Connector 11"/>
+            <p:cNvCxnSpPr>
+              <a:cxnSpLocks/>
+            </p:cNvCxnSpPr>
+            <p:nvPr/>
+          </p:nvCxnSpPr>
+          <p:spPr>
+            <a:xfrm>
+              <a:off x="6415242" y="4842040"/>
+              <a:ext cx="770400" cy="0"/>
+            </a:xfrm>
+            <a:prstGeom prst="straightConnector1">
+              <a:avLst/>
+            </a:prstGeom>
+            <a:ln w="41275">
+              <a:solidFill>
+                <a:schemeClr val="accent6">
+                  <a:lumMod val="75000"/>
+                </a:schemeClr>
+              </a:solidFill>
+              <a:tailEnd type="triangle"/>
+            </a:ln>
+          </p:spPr>
+          <p:style>
+            <a:lnRef idx="1">
+              <a:schemeClr val="accent1"/>
+            </a:lnRef>
+            <a:fillRef idx="0">
+              <a:schemeClr val="accent1"/>
+            </a:fillRef>
+            <a:effectRef idx="0">
+              <a:schemeClr val="accent1"/>
+            </a:effectRef>
+            <a:fontRef idx="minor">
+              <a:schemeClr val="tx1"/>
+            </a:fontRef>
+          </p:style>
+        </p:cxnSp>
+        <p:sp>
+          <p:nvSpPr>
+            <p:cNvPr id="4" name="Rectangle 3"/>
+            <p:cNvSpPr/>
+            <p:nvPr/>
+          </p:nvSpPr>
+          <p:spPr>
+            <a:xfrm>
+              <a:off x="4756207" y="4550502"/>
+              <a:ext cx="1973366" cy="582626"/>
+            </a:xfrm>
+            <a:prstGeom prst="rect">
+              <a:avLst/>
+            </a:prstGeom>
+            <a:solidFill>
+              <a:schemeClr val="accent6">
+                <a:lumMod val="20000"/>
+                <a:lumOff val="80000"/>
+              </a:schemeClr>
+            </a:solidFill>
+            <a:ln>
+              <a:solidFill>
+                <a:schemeClr val="tx1"/>
+              </a:solidFill>
+            </a:ln>
+          </p:spPr>
+          <p:style>
+            <a:lnRef idx="2">
+              <a:schemeClr val="accent1">
+                <a:shade val="50000"/>
+              </a:schemeClr>
+            </a:lnRef>
+            <a:fillRef idx="1">
+              <a:schemeClr val="accent1"/>
+            </a:fillRef>
+            <a:effectRef idx="0">
+              <a:schemeClr val="accent1"/>
+            </a:effectRef>
+            <a:fontRef idx="minor">
+              <a:schemeClr val="lt1"/>
+            </a:fontRef>
+          </p:style>
+          <p:txBody>
+            <a:bodyPr rtlCol="0" anchor="ctr"/>
+            <a:lstStyle/>
+            <a:p>
+              <a:pPr algn="ctr"/>
+              <a:r>
+                <a:rPr lang="en-US" altLang="zh-CN" b="1" dirty="0">
+                  <a:solidFill>
+                    <a:schemeClr val="tx1"/>
+                  </a:solidFill>
+                  <a:latin typeface="Times" pitchFamily="2" charset="0"/>
+                </a:rPr>
+                <a:t>Generator</a:t>
+              </a:r>
+              <a:endParaRPr lang="en-GB" b="1" dirty="0">
+                <a:solidFill>
+                  <a:schemeClr val="tx1"/>
+                </a:solidFill>
+                <a:latin typeface="Times" pitchFamily="2" charset="0"/>
+              </a:endParaRPr>
+            </a:p>
+          </p:txBody>
+        </p:sp>
+        <p:sp>
+          <p:nvSpPr>
+            <p:cNvPr id="6" name="Rectangle 5"/>
+            <p:cNvSpPr/>
+            <p:nvPr/>
+          </p:nvSpPr>
+          <p:spPr>
+            <a:xfrm>
+              <a:off x="9432615" y="4506084"/>
+              <a:ext cx="1767600" cy="1907593"/>
+            </a:xfrm>
+            <a:prstGeom prst="rect">
+              <a:avLst/>
+            </a:prstGeom>
+            <a:solidFill>
+              <a:schemeClr val="accent6">
+                <a:lumMod val="20000"/>
+                <a:lumOff val="80000"/>
+              </a:schemeClr>
+            </a:solidFill>
+            <a:ln>
+              <a:solidFill>
+                <a:schemeClr val="tx1"/>
+              </a:solidFill>
+            </a:ln>
+          </p:spPr>
+          <p:style>
+            <a:lnRef idx="2">
+              <a:schemeClr val="accent1">
+                <a:shade val="50000"/>
+              </a:schemeClr>
+            </a:lnRef>
+            <a:fillRef idx="1">
+              <a:schemeClr val="accent1"/>
+            </a:fillRef>
+            <a:effectRef idx="0">
+              <a:schemeClr val="accent1"/>
+            </a:effectRef>
+            <a:fontRef idx="minor">
+              <a:schemeClr val="lt1"/>
+            </a:fontRef>
+          </p:style>
+          <p:txBody>
+            <a:bodyPr rtlCol="0" anchor="ctr"/>
+            <a:lstStyle/>
+            <a:p>
+              <a:pPr algn="ctr"/>
+              <a:r>
+                <a:rPr lang="en-US" b="1" dirty="0">
+                  <a:solidFill>
+                    <a:schemeClr val="tx1"/>
+                  </a:solidFill>
+                  <a:latin typeface="Times" pitchFamily="2" charset="0"/>
+                </a:rPr>
+                <a:t>Discriminator</a:t>
+              </a:r>
+              <a:r>
+                <a:rPr lang="zh-CN" altLang="en-US" b="1" dirty="0">
+                  <a:solidFill>
+                    <a:schemeClr val="tx1"/>
+                  </a:solidFill>
+                  <a:latin typeface="Times" pitchFamily="2" charset="0"/>
+                </a:rPr>
+                <a:t> </a:t>
+              </a:r>
+              <a:r>
+                <a:rPr lang="en-US" altLang="zh-CN" b="1" dirty="0">
+                  <a:solidFill>
+                    <a:schemeClr val="tx1"/>
+                  </a:solidFill>
+                  <a:latin typeface="Times" pitchFamily="2" charset="0"/>
+                </a:rPr>
+                <a:t>Network</a:t>
+              </a:r>
+              <a:endParaRPr lang="en-GB" b="1" dirty="0">
+                <a:solidFill>
+                  <a:schemeClr val="tx1"/>
+                </a:solidFill>
+                <a:latin typeface="Times" pitchFamily="2" charset="0"/>
+              </a:endParaRPr>
+            </a:p>
+          </p:txBody>
+        </p:sp>
+        <p:cxnSp>
+          <p:nvCxnSpPr>
+            <p:cNvPr id="9" name="Straight Arrow Connector 8"/>
+            <p:cNvCxnSpPr>
+              <a:cxnSpLocks/>
+            </p:cNvCxnSpPr>
+            <p:nvPr/>
+          </p:nvCxnSpPr>
+          <p:spPr>
+            <a:xfrm>
+              <a:off x="3513762" y="4842040"/>
+              <a:ext cx="1242445" cy="0"/>
+            </a:xfrm>
+            <a:prstGeom prst="straightConnector1">
+              <a:avLst/>
+            </a:prstGeom>
+            <a:ln w="41275">
+              <a:solidFill>
+                <a:schemeClr val="accent6">
+                  <a:lumMod val="75000"/>
+                </a:schemeClr>
+              </a:solidFill>
+              <a:tailEnd type="triangle"/>
+            </a:ln>
+          </p:spPr>
+          <p:style>
+            <a:lnRef idx="1">
+              <a:schemeClr val="accent1"/>
+            </a:lnRef>
+            <a:fillRef idx="0">
+              <a:schemeClr val="accent1"/>
+            </a:fillRef>
+            <a:effectRef idx="0">
+              <a:schemeClr val="accent1"/>
+            </a:effectRef>
+            <a:fontRef idx="minor">
+              <a:schemeClr val="tx1"/>
+            </a:fontRef>
+          </p:style>
+        </p:cxnSp>
+        <p:cxnSp>
+          <p:nvCxnSpPr>
+            <p:cNvPr id="10" name="Straight Arrow Connector 9"/>
+            <p:cNvCxnSpPr/>
+            <p:nvPr/>
+          </p:nvCxnSpPr>
+          <p:spPr>
+            <a:xfrm flipV="1">
+              <a:off x="7939837" y="6086967"/>
+              <a:ext cx="1494000" cy="6256"/>
+            </a:xfrm>
+            <a:prstGeom prst="straightConnector1">
+              <a:avLst/>
+            </a:prstGeom>
+            <a:ln w="41275">
+              <a:solidFill>
+                <a:schemeClr val="accent6">
+                  <a:lumMod val="75000"/>
+                </a:schemeClr>
+              </a:solidFill>
+              <a:tailEnd type="triangle"/>
+            </a:ln>
+          </p:spPr>
+          <p:style>
+            <a:lnRef idx="1">
+              <a:schemeClr val="accent1"/>
+            </a:lnRef>
+            <a:fillRef idx="0">
+              <a:schemeClr val="accent1"/>
+            </a:fillRef>
+            <a:effectRef idx="0">
+              <a:schemeClr val="accent1"/>
+            </a:effectRef>
+            <a:fontRef idx="minor">
+              <a:schemeClr val="tx1"/>
+            </a:fontRef>
+          </p:style>
+        </p:cxnSp>
+        <p:pic>
+          <p:nvPicPr>
+            <p:cNvPr id="38" name="Picture 37"/>
+            <p:cNvPicPr>
+              <a:picLocks noChangeAspect="1"/>
+            </p:cNvPicPr>
+            <p:nvPr/>
+          </p:nvPicPr>
+          <p:blipFill>
+            <a:blip r:embed="rId3"/>
+            <a:stretch>
+              <a:fillRect/>
+            </a:stretch>
+          </p:blipFill>
+          <p:spPr>
+            <a:xfrm>
+              <a:off x="7263822" y="5731050"/>
+              <a:ext cx="813599" cy="822030"/>
+            </a:xfrm>
+            <a:prstGeom prst="rect">
+              <a:avLst/>
+            </a:prstGeom>
+          </p:spPr>
+        </p:pic>
+        <p:sp>
+          <p:nvSpPr>
+            <p:cNvPr id="46" name="Rectangle 45"/>
+            <p:cNvSpPr/>
+            <p:nvPr/>
+          </p:nvSpPr>
+          <p:spPr>
+            <a:xfrm>
+              <a:off x="2871699" y="5258237"/>
+              <a:ext cx="1638000" cy="584775"/>
+            </a:xfrm>
+            <a:prstGeom prst="rect">
+              <a:avLst/>
+            </a:prstGeom>
+          </p:spPr>
+          <p:txBody>
+            <a:bodyPr wrap="square">
+              <a:spAutoFit/>
+            </a:bodyPr>
+            <a:lstStyle/>
+            <a:p>
+              <a:pPr algn="ctr"/>
+              <a:r>
+                <a:rPr lang="en-GB" sz="1600" dirty="0">
+                  <a:latin typeface="Times" pitchFamily="2" charset="0"/>
+                </a:rPr>
+                <a:t>Normal and abnormal images</a:t>
+              </a:r>
+            </a:p>
+          </p:txBody>
+        </p:sp>
+        <p:sp>
+          <p:nvSpPr>
+            <p:cNvPr id="47" name="Rectangle 46"/>
+            <p:cNvSpPr/>
+            <p:nvPr/>
+          </p:nvSpPr>
+          <p:spPr>
+            <a:xfrm>
+              <a:off x="6815416" y="5243927"/>
+              <a:ext cx="1638996" cy="338554"/>
+            </a:xfrm>
+            <a:prstGeom prst="rect">
+              <a:avLst/>
+            </a:prstGeom>
+          </p:spPr>
+          <p:txBody>
+            <a:bodyPr wrap="square">
+              <a:spAutoFit/>
+            </a:bodyPr>
+            <a:lstStyle/>
+            <a:p>
+              <a:pPr algn="ctr"/>
+              <a:r>
+                <a:rPr lang="en-GB" sz="1600" dirty="0">
+                  <a:latin typeface="Times" pitchFamily="2" charset="0"/>
+                </a:rPr>
+                <a:t>Fake normal</a:t>
+              </a:r>
+            </a:p>
+          </p:txBody>
+        </p:sp>
+      </p:grpSp>
+      <p:sp>
+        <p:nvSpPr>
+          <p:cNvPr id="30" name="Rectangle 29">
+            <a:extLst>
+              <a:ext uri="{FF2B5EF4-FFF2-40B4-BE49-F238E27FC236}">
+                <a16:creationId xmlns:a16="http://schemas.microsoft.com/office/drawing/2014/main" id="{8423836B-5652-DB41-A546-D27577F9A282}"/>
+              </a:ext>
+            </a:extLst>
+          </p:cNvPr>
+          <p:cNvSpPr/>
+          <p:nvPr/>
+        </p:nvSpPr>
+        <p:spPr>
+          <a:xfrm>
+            <a:off x="10011791" y="4031560"/>
+            <a:ext cx="1900335" cy="369332"/>
+          </a:xfrm>
+          <a:prstGeom prst="rect">
+            <a:avLst/>
+          </a:prstGeom>
+        </p:spPr>
+        <p:txBody>
+          <a:bodyPr wrap="square">
+            <a:spAutoFit/>
+          </a:bodyPr>
+          <a:lstStyle/>
+          <a:p>
+            <a:pPr algn="ctr"/>
+            <a:r>
+              <a:rPr lang="en-US" altLang="zh-CN" dirty="0">
+                <a:latin typeface="Times" pitchFamily="2" charset="0"/>
+              </a:rPr>
+              <a:t>real/fake</a:t>
+            </a:r>
+            <a:endParaRPr lang="en-GB" dirty="0">
+              <a:latin typeface="Times" pitchFamily="2" charset="0"/>
+            </a:endParaRPr>
+          </a:p>
+        </p:txBody>
+      </p:sp>
+      <p:pic>
+        <p:nvPicPr>
+          <p:cNvPr id="18" name="图片 17">
+            <a:extLst>
+              <a:ext uri="{FF2B5EF4-FFF2-40B4-BE49-F238E27FC236}">
+                <a16:creationId xmlns:a16="http://schemas.microsoft.com/office/drawing/2014/main" id="{B6479EB0-6306-E040-8F7C-7C0922B4E206}"/>
+              </a:ext>
+            </a:extLst>
+          </p:cNvPr>
+          <p:cNvPicPr>
+            <a:picLocks noChangeAspect="1"/>
+          </p:cNvPicPr>
+          <p:nvPr/>
+        </p:nvPicPr>
+        <p:blipFill>
+          <a:blip r:embed="rId4"/>
+          <a:stretch>
+            <a:fillRect/>
+          </a:stretch>
+        </p:blipFill>
+        <p:spPr>
+          <a:xfrm>
+            <a:off x="1095054" y="3096978"/>
+            <a:ext cx="812800" cy="812800"/>
+          </a:xfrm>
+          <a:prstGeom prst="rect">
+            <a:avLst/>
+          </a:prstGeom>
+        </p:spPr>
+      </p:pic>
+      <p:pic>
+        <p:nvPicPr>
+          <p:cNvPr id="11" name="图片 10">
+            <a:extLst>
+              <a:ext uri="{FF2B5EF4-FFF2-40B4-BE49-F238E27FC236}">
+                <a16:creationId xmlns:a16="http://schemas.microsoft.com/office/drawing/2014/main" id="{EAFEC114-D2CB-8642-8AD9-05047A46B4C1}"/>
+              </a:ext>
+            </a:extLst>
+          </p:cNvPr>
+          <p:cNvPicPr>
+            <a:picLocks noChangeAspect="1"/>
+          </p:cNvPicPr>
+          <p:nvPr/>
+        </p:nvPicPr>
+        <p:blipFill>
+          <a:blip r:embed="rId5"/>
+          <a:stretch>
+            <a:fillRect/>
+          </a:stretch>
+        </p:blipFill>
+        <p:spPr>
+          <a:xfrm>
+            <a:off x="1019283" y="3168978"/>
+            <a:ext cx="812800" cy="812800"/>
+          </a:xfrm>
+          <a:prstGeom prst="rect">
+            <a:avLst/>
+          </a:prstGeom>
+        </p:spPr>
+      </p:pic>
+      <p:pic>
+        <p:nvPicPr>
+          <p:cNvPr id="24" name="图片 23">
+            <a:extLst>
+              <a:ext uri="{FF2B5EF4-FFF2-40B4-BE49-F238E27FC236}">
+                <a16:creationId xmlns:a16="http://schemas.microsoft.com/office/drawing/2014/main" id="{E09D94D6-DBE9-CC48-91AF-CAA79529D573}"/>
+              </a:ext>
+            </a:extLst>
+          </p:cNvPr>
+          <p:cNvPicPr>
+            <a:picLocks noChangeAspect="1"/>
+          </p:cNvPicPr>
+          <p:nvPr/>
+        </p:nvPicPr>
+        <p:blipFill>
+          <a:blip r:embed="rId6"/>
+          <a:stretch>
+            <a:fillRect/>
+          </a:stretch>
+        </p:blipFill>
+        <p:spPr>
+          <a:xfrm>
+            <a:off x="4912937" y="4500978"/>
+            <a:ext cx="812800" cy="812800"/>
+          </a:xfrm>
+          <a:prstGeom prst="rect">
+            <a:avLst/>
+          </a:prstGeom>
+        </p:spPr>
+      </p:pic>
+      <p:pic>
+        <p:nvPicPr>
+          <p:cNvPr id="45" name="图片 44">
+            <a:extLst>
+              <a:ext uri="{FF2B5EF4-FFF2-40B4-BE49-F238E27FC236}">
+                <a16:creationId xmlns:a16="http://schemas.microsoft.com/office/drawing/2014/main" id="{468DC2DA-955A-4146-8FDD-85396C0C2E11}"/>
+              </a:ext>
+            </a:extLst>
+          </p:cNvPr>
+          <p:cNvPicPr>
+            <a:picLocks noChangeAspect="1"/>
+          </p:cNvPicPr>
+          <p:nvPr/>
+        </p:nvPicPr>
+        <p:blipFill>
+          <a:blip r:embed="rId7"/>
+          <a:stretch>
+            <a:fillRect/>
+          </a:stretch>
+        </p:blipFill>
+        <p:spPr>
+          <a:xfrm>
+            <a:off x="4985955" y="3064578"/>
+            <a:ext cx="812800" cy="812800"/>
+          </a:xfrm>
+          <a:prstGeom prst="rect">
+            <a:avLst/>
+          </a:prstGeom>
+        </p:spPr>
+      </p:pic>
+      <p:pic>
+        <p:nvPicPr>
+          <p:cNvPr id="34" name="图片 33">
+            <a:extLst>
+              <a:ext uri="{FF2B5EF4-FFF2-40B4-BE49-F238E27FC236}">
+                <a16:creationId xmlns:a16="http://schemas.microsoft.com/office/drawing/2014/main" id="{C4156051-231D-0740-AB30-5A5B114E1D0F}"/>
+              </a:ext>
+            </a:extLst>
+          </p:cNvPr>
+          <p:cNvPicPr>
+            <a:picLocks noChangeAspect="1"/>
+          </p:cNvPicPr>
+          <p:nvPr/>
+        </p:nvPicPr>
+        <p:blipFill>
+          <a:blip r:embed="rId8"/>
+          <a:stretch>
+            <a:fillRect/>
+          </a:stretch>
+        </p:blipFill>
+        <p:spPr>
+          <a:xfrm>
+            <a:off x="4911236" y="3154578"/>
+            <a:ext cx="812800" cy="812800"/>
+          </a:xfrm>
+          <a:prstGeom prst="rect">
+            <a:avLst/>
+          </a:prstGeom>
+        </p:spPr>
+      </p:pic>
+      <p:sp>
+        <p:nvSpPr>
+          <p:cNvPr id="62" name="Rectangle 46">
+            <a:extLst>
+              <a:ext uri="{FF2B5EF4-FFF2-40B4-BE49-F238E27FC236}">
+                <a16:creationId xmlns:a16="http://schemas.microsoft.com/office/drawing/2014/main" id="{1C501251-3BAA-CB42-BD16-C8C0EBB1E330}"/>
+              </a:ext>
+            </a:extLst>
+          </p:cNvPr>
+          <p:cNvSpPr/>
+          <p:nvPr/>
+        </p:nvSpPr>
+        <p:spPr>
+          <a:xfrm>
+            <a:off x="4550400" y="5275314"/>
+            <a:ext cx="1638996" cy="338626"/>
+          </a:xfrm>
+          <a:prstGeom prst="rect">
+            <a:avLst/>
+          </a:prstGeom>
+        </p:spPr>
+        <p:txBody>
+          <a:bodyPr wrap="square">
+            <a:spAutoFit/>
+          </a:bodyPr>
+          <a:lstStyle/>
+          <a:p>
+            <a:pPr algn="ctr"/>
+            <a:r>
+              <a:rPr lang="en-GB" sz="1600" dirty="0">
+                <a:latin typeface="Times" pitchFamily="2" charset="0"/>
+              </a:rPr>
+              <a:t>Real normal</a:t>
+            </a:r>
+          </a:p>
+        </p:txBody>
+      </p:sp>
+    </p:spTree>
+    <p:extLst>
+      <p:ext uri="{BB962C8B-B14F-4D97-AF65-F5344CB8AC3E}">
+        <p14:creationId xmlns:p14="http://schemas.microsoft.com/office/powerpoint/2010/main" val="2796986759"/>
+      </p:ext>
+    </p:extLst>
+  </p:cSld>
+  <p:clrMapOvr>
+    <a:masterClrMapping/>
+  </p:clrMapOvr>
+</p:sld>
+</file>
+
 <file path=ppt/slides/slide2.xml><?xml version="1.0" encoding="utf-8"?>
 <p:sld xmlns:a="http://schemas.openxmlformats.org/drawingml/2006/main" xmlns:r="http://schemas.openxmlformats.org/officeDocument/2006/relationships" xmlns:p="http://schemas.openxmlformats.org/presentationml/2006/main">
   <p:cSld>
@@ -3818,16 +4865,1036 @@
           <a:chExt cx="0" cy="0"/>
         </a:xfrm>
       </p:grpSpPr>
+      <mc:AlternateContent xmlns:mc="http://schemas.openxmlformats.org/markup-compatibility/2006" xmlns:a14="http://schemas.microsoft.com/office/drawing/2010/main">
+        <mc:Choice Requires="a14">
+          <p:sp>
+            <p:nvSpPr>
+              <p:cNvPr id="3" name="Rectangle 2"/>
+              <p:cNvSpPr/>
+              <p:nvPr/>
+            </p:nvSpPr>
+            <p:spPr>
+              <a:xfrm>
+                <a:off x="7458617" y="1050200"/>
+                <a:ext cx="3240000" cy="384313"/>
+              </a:xfrm>
+              <a:prstGeom prst="rect">
+                <a:avLst/>
+              </a:prstGeom>
+              <a:solidFill>
+                <a:schemeClr val="bg1"/>
+              </a:solidFill>
+            </p:spPr>
+            <p:style>
+              <a:lnRef idx="2">
+                <a:schemeClr val="accent1">
+                  <a:shade val="50000"/>
+                </a:schemeClr>
+              </a:lnRef>
+              <a:fillRef idx="1">
+                <a:schemeClr val="accent1"/>
+              </a:fillRef>
+              <a:effectRef idx="0">
+                <a:schemeClr val="accent1"/>
+              </a:effectRef>
+              <a:fontRef idx="minor">
+                <a:schemeClr val="lt1"/>
+              </a:fontRef>
+            </p:style>
+            <p:txBody>
+              <a:bodyPr rtlCol="0" anchor="ctr"/>
+              <a:lstStyle/>
+              <a:p>
+                <a:pPr algn="ctr"/>
+                <a:r>
+                  <a:rPr lang="en-US" altLang="zh-CN" dirty="0">
+                    <a:solidFill>
+                      <a:schemeClr val="tx1"/>
+                    </a:solidFill>
+                    <a:latin typeface="Times" panose="00000500000000020000" pitchFamily="2" charset="0"/>
+                  </a:rPr>
+                  <a:t>DownConv2d</a:t>
+                </a:r>
+                <a:r>
+                  <a:rPr lang="zh-CN" altLang="en-US" dirty="0">
+                    <a:solidFill>
+                      <a:schemeClr val="tx1"/>
+                    </a:solidFill>
+                    <a:latin typeface="Times" panose="00000500000000020000" pitchFamily="2" charset="0"/>
+                  </a:rPr>
+                  <a:t> </a:t>
+                </a:r>
+                <a14:m>
+                  <m:oMath xmlns:m="http://schemas.openxmlformats.org/officeDocument/2006/math">
+                    <m:r>
+                      <a:rPr lang="en-US" altLang="zh-CN" i="1" dirty="0" smtClean="0">
+                        <a:solidFill>
+                          <a:schemeClr val="tx1"/>
+                        </a:solidFill>
+                        <a:latin typeface="Cambria Math" panose="02040503050406030204" pitchFamily="18" charset="0"/>
+                      </a:rPr>
+                      <m:t>1</m:t>
+                    </m:r>
+                  </m:oMath>
+                </a14:m>
+                <a:endParaRPr lang="en-US" dirty="0">
+                  <a:solidFill>
+                    <a:schemeClr val="tx1"/>
+                  </a:solidFill>
+                  <a:latin typeface="Times" panose="00000500000000020000" pitchFamily="2" charset="0"/>
+                </a:endParaRPr>
+              </a:p>
+            </p:txBody>
+          </p:sp>
+        </mc:Choice>
+        <mc:Fallback xmlns="">
+          <p:sp>
+            <p:nvSpPr>
+              <p:cNvPr id="3" name="Rectangle 2"/>
+              <p:cNvSpPr>
+                <a:spLocks noRot="1" noChangeAspect="1" noMove="1" noResize="1" noEditPoints="1" noAdjustHandles="1" noChangeArrowheads="1" noChangeShapeType="1" noTextEdit="1"/>
+              </p:cNvSpPr>
+              <p:nvPr/>
+            </p:nvSpPr>
+            <p:spPr>
+              <a:xfrm>
+                <a:off x="7458617" y="1050200"/>
+                <a:ext cx="3240000" cy="384313"/>
+              </a:xfrm>
+              <a:prstGeom prst="rect">
+                <a:avLst/>
+              </a:prstGeom>
+              <a:blipFill>
+                <a:blip r:embed="rId3"/>
+                <a:stretch>
+                  <a:fillRect t="-3125" b="-15625"/>
+                </a:stretch>
+              </a:blipFill>
+            </p:spPr>
+            <p:txBody>
+              <a:bodyPr/>
+              <a:lstStyle/>
+              <a:p>
+                <a:r>
+                  <a:rPr lang="zh-CN" altLang="en-US">
+                    <a:noFill/>
+                  </a:rPr>
+                  <a:t> </a:t>
+                </a:r>
+              </a:p>
+            </p:txBody>
+          </p:sp>
+        </mc:Fallback>
+      </mc:AlternateContent>
+      <p:cxnSp>
+        <p:nvCxnSpPr>
+          <p:cNvPr id="17" name="Straight Arrow Connector 16"/>
+          <p:cNvCxnSpPr/>
+          <p:nvPr/>
+        </p:nvCxnSpPr>
+        <p:spPr>
+          <a:xfrm>
+            <a:off x="9124023" y="846153"/>
+            <a:ext cx="0" cy="221974"/>
+          </a:xfrm>
+          <a:prstGeom prst="straightConnector1">
+            <a:avLst/>
+          </a:prstGeom>
+          <a:ln>
+            <a:tailEnd type="triangle"/>
+          </a:ln>
+        </p:spPr>
+        <p:style>
+          <a:lnRef idx="1">
+            <a:schemeClr val="accent1"/>
+          </a:lnRef>
+          <a:fillRef idx="0">
+            <a:schemeClr val="accent1"/>
+          </a:fillRef>
+          <a:effectRef idx="0">
+            <a:schemeClr val="accent1"/>
+          </a:effectRef>
+          <a:fontRef idx="minor">
+            <a:schemeClr val="tx1"/>
+          </a:fontRef>
+        </p:style>
+      </p:cxnSp>
+      <mc:AlternateContent xmlns:mc="http://schemas.openxmlformats.org/markup-compatibility/2006" xmlns:a14="http://schemas.microsoft.com/office/drawing/2010/main">
+        <mc:Choice Requires="a14">
+          <p:sp>
+            <p:nvSpPr>
+              <p:cNvPr id="24" name="Rectangle 23"/>
+              <p:cNvSpPr/>
+              <p:nvPr/>
+            </p:nvSpPr>
+            <p:spPr>
+              <a:xfrm>
+                <a:off x="7458617" y="1633588"/>
+                <a:ext cx="3240000" cy="384313"/>
+              </a:xfrm>
+              <a:prstGeom prst="rect">
+                <a:avLst/>
+              </a:prstGeom>
+              <a:solidFill>
+                <a:schemeClr val="bg1"/>
+              </a:solidFill>
+            </p:spPr>
+            <p:style>
+              <a:lnRef idx="2">
+                <a:schemeClr val="accent1">
+                  <a:shade val="50000"/>
+                </a:schemeClr>
+              </a:lnRef>
+              <a:fillRef idx="1">
+                <a:schemeClr val="accent1"/>
+              </a:fillRef>
+              <a:effectRef idx="0">
+                <a:schemeClr val="accent1"/>
+              </a:effectRef>
+              <a:fontRef idx="minor">
+                <a:schemeClr val="lt1"/>
+              </a:fontRef>
+            </p:style>
+            <p:txBody>
+              <a:bodyPr rtlCol="0" anchor="ctr"/>
+              <a:lstStyle/>
+              <a:p>
+                <a:pPr algn="ctr"/>
+                <a:r>
+                  <a:rPr lang="en-US" altLang="zh-CN" dirty="0">
+                    <a:solidFill>
+                      <a:schemeClr val="tx1"/>
+                    </a:solidFill>
+                    <a:latin typeface="Times" panose="00000500000000020000" pitchFamily="2" charset="0"/>
+                  </a:rPr>
+                  <a:t>DownConv2d</a:t>
+                </a:r>
+                <a:r>
+                  <a:rPr lang="zh-CN" altLang="en-US" dirty="0">
+                    <a:solidFill>
+                      <a:schemeClr val="tx1"/>
+                    </a:solidFill>
+                    <a:latin typeface="Times" panose="00000500000000020000" pitchFamily="2" charset="0"/>
+                  </a:rPr>
+                  <a:t> </a:t>
+                </a:r>
+                <a14:m>
+                  <m:oMath xmlns:m="http://schemas.openxmlformats.org/officeDocument/2006/math">
+                    <m:r>
+                      <a:rPr lang="en-US" altLang="zh-CN" b="0" i="1" smtClean="0">
+                        <a:solidFill>
+                          <a:schemeClr val="tx1"/>
+                        </a:solidFill>
+                        <a:latin typeface="Cambria Math" panose="02040503050406030204" pitchFamily="18" charset="0"/>
+                      </a:rPr>
+                      <m:t>2</m:t>
+                    </m:r>
+                  </m:oMath>
+                </a14:m>
+                <a:endParaRPr lang="en-US" dirty="0">
+                  <a:solidFill>
+                    <a:schemeClr val="tx1"/>
+                  </a:solidFill>
+                  <a:latin typeface="Times" panose="00000500000000020000" pitchFamily="2" charset="0"/>
+                </a:endParaRPr>
+              </a:p>
+            </p:txBody>
+          </p:sp>
+        </mc:Choice>
+        <mc:Fallback xmlns="">
+          <p:sp>
+            <p:nvSpPr>
+              <p:cNvPr id="24" name="Rectangle 23"/>
+              <p:cNvSpPr>
+                <a:spLocks noRot="1" noChangeAspect="1" noMove="1" noResize="1" noEditPoints="1" noAdjustHandles="1" noChangeArrowheads="1" noChangeShapeType="1" noTextEdit="1"/>
+              </p:cNvSpPr>
+              <p:nvPr/>
+            </p:nvSpPr>
+            <p:spPr>
+              <a:xfrm>
+                <a:off x="7458617" y="1633588"/>
+                <a:ext cx="3240000" cy="384313"/>
+              </a:xfrm>
+              <a:prstGeom prst="rect">
+                <a:avLst/>
+              </a:prstGeom>
+              <a:blipFill>
+                <a:blip r:embed="rId4"/>
+                <a:stretch>
+                  <a:fillRect t="-3125" b="-15625"/>
+                </a:stretch>
+              </a:blipFill>
+            </p:spPr>
+            <p:txBody>
+              <a:bodyPr/>
+              <a:lstStyle/>
+              <a:p>
+                <a:r>
+                  <a:rPr lang="zh-CN" altLang="en-US">
+                    <a:noFill/>
+                  </a:rPr>
+                  <a:t> </a:t>
+                </a:r>
+              </a:p>
+            </p:txBody>
+          </p:sp>
+        </mc:Fallback>
+      </mc:AlternateContent>
+      <p:cxnSp>
+        <p:nvCxnSpPr>
+          <p:cNvPr id="25" name="Straight Arrow Connector 24"/>
+          <p:cNvCxnSpPr/>
+          <p:nvPr/>
+        </p:nvCxnSpPr>
+        <p:spPr>
+          <a:xfrm>
+            <a:off x="9124023" y="1429541"/>
+            <a:ext cx="0" cy="221974"/>
+          </a:xfrm>
+          <a:prstGeom prst="straightConnector1">
+            <a:avLst/>
+          </a:prstGeom>
+          <a:ln>
+            <a:tailEnd type="triangle"/>
+          </a:ln>
+        </p:spPr>
+        <p:style>
+          <a:lnRef idx="1">
+            <a:schemeClr val="accent1"/>
+          </a:lnRef>
+          <a:fillRef idx="0">
+            <a:schemeClr val="accent1"/>
+          </a:fillRef>
+          <a:effectRef idx="0">
+            <a:schemeClr val="accent1"/>
+          </a:effectRef>
+          <a:fontRef idx="minor">
+            <a:schemeClr val="tx1"/>
+          </a:fontRef>
+        </p:style>
+      </p:cxnSp>
+      <p:cxnSp>
+        <p:nvCxnSpPr>
+          <p:cNvPr id="27" name="Straight Arrow Connector 26"/>
+          <p:cNvCxnSpPr/>
+          <p:nvPr/>
+        </p:nvCxnSpPr>
+        <p:spPr>
+          <a:xfrm>
+            <a:off x="9124023" y="2022431"/>
+            <a:ext cx="0" cy="221974"/>
+          </a:xfrm>
+          <a:prstGeom prst="straightConnector1">
+            <a:avLst/>
+          </a:prstGeom>
+          <a:ln>
+            <a:tailEnd type="triangle"/>
+          </a:ln>
+        </p:spPr>
+        <p:style>
+          <a:lnRef idx="1">
+            <a:schemeClr val="accent1"/>
+          </a:lnRef>
+          <a:fillRef idx="0">
+            <a:schemeClr val="accent1"/>
+          </a:fillRef>
+          <a:effectRef idx="0">
+            <a:schemeClr val="accent1"/>
+          </a:effectRef>
+          <a:fontRef idx="minor">
+            <a:schemeClr val="tx1"/>
+          </a:fontRef>
+        </p:style>
+      </p:cxnSp>
+      <mc:AlternateContent xmlns:mc="http://schemas.openxmlformats.org/markup-compatibility/2006" xmlns:a14="http://schemas.microsoft.com/office/drawing/2010/main">
+        <mc:Choice Requires="a14">
+          <p:sp>
+            <p:nvSpPr>
+              <p:cNvPr id="28" name="Rectangle 27"/>
+              <p:cNvSpPr/>
+              <p:nvPr/>
+            </p:nvSpPr>
+            <p:spPr>
+              <a:xfrm>
+                <a:off x="7486681" y="2698955"/>
+                <a:ext cx="3240000" cy="385200"/>
+              </a:xfrm>
+              <a:prstGeom prst="rect">
+                <a:avLst/>
+              </a:prstGeom>
+              <a:solidFill>
+                <a:schemeClr val="bg1"/>
+              </a:solidFill>
+            </p:spPr>
+            <p:style>
+              <a:lnRef idx="2">
+                <a:schemeClr val="accent1">
+                  <a:shade val="50000"/>
+                </a:schemeClr>
+              </a:lnRef>
+              <a:fillRef idx="1">
+                <a:schemeClr val="accent1"/>
+              </a:fillRef>
+              <a:effectRef idx="0">
+                <a:schemeClr val="accent1"/>
+              </a:effectRef>
+              <a:fontRef idx="minor">
+                <a:schemeClr val="lt1"/>
+              </a:fontRef>
+            </p:style>
+            <p:txBody>
+              <a:bodyPr rtlCol="0" anchor="ctr"/>
+              <a:lstStyle/>
+              <a:p>
+                <a:pPr algn="ctr"/>
+                <a:r>
+                  <a:rPr lang="en-US" altLang="zh-CN" dirty="0">
+                    <a:solidFill>
+                      <a:schemeClr val="tx1"/>
+                    </a:solidFill>
+                    <a:latin typeface="Times" panose="00000500000000020000" pitchFamily="2" charset="0"/>
+                  </a:rPr>
+                  <a:t>DownConv2d</a:t>
+                </a:r>
+                <a:r>
+                  <a:rPr lang="zh-CN" altLang="en-US" dirty="0">
+                    <a:solidFill>
+                      <a:schemeClr val="tx1"/>
+                    </a:solidFill>
+                    <a:latin typeface="Times" panose="00000500000000020000" pitchFamily="2" charset="0"/>
+                  </a:rPr>
+                  <a:t> </a:t>
+                </a:r>
+                <a14:m>
+                  <m:oMath xmlns:m="http://schemas.openxmlformats.org/officeDocument/2006/math">
+                    <m:r>
+                      <a:rPr lang="en-US" altLang="zh-CN" b="0" i="1" smtClean="0">
+                        <a:solidFill>
+                          <a:schemeClr val="tx1"/>
+                        </a:solidFill>
+                        <a:latin typeface="Cambria Math" panose="02040503050406030204" pitchFamily="18" charset="0"/>
+                      </a:rPr>
+                      <m:t>𝑚</m:t>
+                    </m:r>
+                  </m:oMath>
+                </a14:m>
+                <a:endParaRPr lang="en-US" dirty="0">
+                  <a:solidFill>
+                    <a:schemeClr val="tx1"/>
+                  </a:solidFill>
+                  <a:latin typeface="Times" panose="00000500000000020000" pitchFamily="2" charset="0"/>
+                </a:endParaRPr>
+              </a:p>
+            </p:txBody>
+          </p:sp>
+        </mc:Choice>
+        <mc:Fallback xmlns="">
+          <p:sp>
+            <p:nvSpPr>
+              <p:cNvPr id="28" name="Rectangle 27"/>
+              <p:cNvSpPr>
+                <a:spLocks noRot="1" noChangeAspect="1" noMove="1" noResize="1" noEditPoints="1" noAdjustHandles="1" noChangeArrowheads="1" noChangeShapeType="1" noTextEdit="1"/>
+              </p:cNvSpPr>
+              <p:nvPr/>
+            </p:nvSpPr>
+            <p:spPr>
+              <a:xfrm>
+                <a:off x="7486681" y="2698955"/>
+                <a:ext cx="3240000" cy="385200"/>
+              </a:xfrm>
+              <a:prstGeom prst="rect">
+                <a:avLst/>
+              </a:prstGeom>
+              <a:blipFill>
+                <a:blip r:embed="rId5"/>
+                <a:stretch>
+                  <a:fillRect t="-3125" b="-15625"/>
+                </a:stretch>
+              </a:blipFill>
+            </p:spPr>
+            <p:txBody>
+              <a:bodyPr/>
+              <a:lstStyle/>
+              <a:p>
+                <a:r>
+                  <a:rPr lang="zh-CN" altLang="en-US">
+                    <a:noFill/>
+                  </a:rPr>
+                  <a:t> </a:t>
+                </a:r>
+              </a:p>
+            </p:txBody>
+          </p:sp>
+        </mc:Fallback>
+      </mc:AlternateContent>
+      <p:cxnSp>
+        <p:nvCxnSpPr>
+          <p:cNvPr id="29" name="Straight Arrow Connector 28"/>
+          <p:cNvCxnSpPr/>
+          <p:nvPr/>
+        </p:nvCxnSpPr>
+        <p:spPr>
+          <a:xfrm>
+            <a:off x="9124023" y="2456809"/>
+            <a:ext cx="0" cy="221974"/>
+          </a:xfrm>
+          <a:prstGeom prst="straightConnector1">
+            <a:avLst/>
+          </a:prstGeom>
+          <a:ln>
+            <a:tailEnd type="triangle"/>
+          </a:ln>
+        </p:spPr>
+        <p:style>
+          <a:lnRef idx="1">
+            <a:schemeClr val="accent1"/>
+          </a:lnRef>
+          <a:fillRef idx="0">
+            <a:schemeClr val="accent1"/>
+          </a:fillRef>
+          <a:effectRef idx="0">
+            <a:schemeClr val="accent1"/>
+          </a:effectRef>
+          <a:fontRef idx="minor">
+            <a:schemeClr val="tx1"/>
+          </a:fontRef>
+        </p:style>
+      </p:cxnSp>
+      <mc:AlternateContent xmlns:mc="http://schemas.openxmlformats.org/markup-compatibility/2006" xmlns:a14="http://schemas.microsoft.com/office/drawing/2010/main">
+        <mc:Choice Requires="a14">
+          <p:sp>
+            <p:nvSpPr>
+              <p:cNvPr id="31" name="Rectangle 30"/>
+              <p:cNvSpPr/>
+              <p:nvPr/>
+            </p:nvSpPr>
+            <p:spPr>
+              <a:xfrm>
+                <a:off x="7486681" y="3341698"/>
+                <a:ext cx="3240000" cy="384313"/>
+              </a:xfrm>
+              <a:prstGeom prst="rect">
+                <a:avLst/>
+              </a:prstGeom>
+              <a:solidFill>
+                <a:schemeClr val="bg1"/>
+              </a:solidFill>
+            </p:spPr>
+            <p:style>
+              <a:lnRef idx="2">
+                <a:schemeClr val="accent1">
+                  <a:shade val="50000"/>
+                </a:schemeClr>
+              </a:lnRef>
+              <a:fillRef idx="1">
+                <a:schemeClr val="accent1"/>
+              </a:fillRef>
+              <a:effectRef idx="0">
+                <a:schemeClr val="accent1"/>
+              </a:effectRef>
+              <a:fontRef idx="minor">
+                <a:schemeClr val="lt1"/>
+              </a:fontRef>
+            </p:style>
+            <p:txBody>
+              <a:bodyPr rtlCol="0" anchor="ctr"/>
+              <a:lstStyle/>
+              <a:p>
+                <a:pPr algn="ctr"/>
+                <a:r>
+                  <a:rPr lang="en-US" altLang="zh-CN" dirty="0">
+                    <a:solidFill>
+                      <a:schemeClr val="tx1"/>
+                    </a:solidFill>
+                    <a:latin typeface="Times" panose="00000500000000020000" pitchFamily="2" charset="0"/>
+                  </a:rPr>
+                  <a:t>Conv2dBlock</a:t>
+                </a:r>
+                <a:r>
+                  <a:rPr lang="zh-CN" altLang="en-US" dirty="0">
+                    <a:solidFill>
+                      <a:schemeClr val="tx1"/>
+                    </a:solidFill>
+                    <a:latin typeface="Times" panose="00000500000000020000" pitchFamily="2" charset="0"/>
+                  </a:rPr>
+                  <a:t> </a:t>
+                </a:r>
+                <a14:m>
+                  <m:oMath xmlns:m="http://schemas.openxmlformats.org/officeDocument/2006/math">
+                    <m:r>
+                      <a:rPr lang="en-US" altLang="zh-CN" b="0" i="1" smtClean="0">
+                        <a:solidFill>
+                          <a:schemeClr val="tx1"/>
+                        </a:solidFill>
+                        <a:latin typeface="Cambria Math" panose="02040503050406030204" pitchFamily="18" charset="0"/>
+                      </a:rPr>
+                      <m:t>(</m:t>
+                    </m:r>
+                    <m:r>
+                      <a:rPr lang="en-US" altLang="zh-CN" b="0" i="1" smtClean="0">
+                        <a:solidFill>
+                          <a:schemeClr val="tx1"/>
+                        </a:solidFill>
+                        <a:latin typeface="Cambria Math" panose="02040503050406030204" pitchFamily="18" charset="0"/>
+                      </a:rPr>
+                      <m:t>𝑚</m:t>
+                    </m:r>
+                    <m:r>
+                      <a:rPr lang="en-US" altLang="zh-CN" b="0" i="1" smtClean="0">
+                        <a:solidFill>
+                          <a:schemeClr val="tx1"/>
+                        </a:solidFill>
+                        <a:latin typeface="Cambria Math" panose="02040503050406030204" pitchFamily="18" charset="0"/>
+                      </a:rPr>
+                      <m:t>+1)</m:t>
+                    </m:r>
+                  </m:oMath>
+                </a14:m>
+                <a:endParaRPr lang="en-US" dirty="0">
+                  <a:solidFill>
+                    <a:schemeClr val="tx1"/>
+                  </a:solidFill>
+                  <a:latin typeface="Times" panose="00000500000000020000" pitchFamily="2" charset="0"/>
+                </a:endParaRPr>
+              </a:p>
+            </p:txBody>
+          </p:sp>
+        </mc:Choice>
+        <mc:Fallback xmlns="">
+          <p:sp>
+            <p:nvSpPr>
+              <p:cNvPr id="31" name="Rectangle 30"/>
+              <p:cNvSpPr>
+                <a:spLocks noRot="1" noChangeAspect="1" noMove="1" noResize="1" noEditPoints="1" noAdjustHandles="1" noChangeArrowheads="1" noChangeShapeType="1" noTextEdit="1"/>
+              </p:cNvSpPr>
+              <p:nvPr/>
+            </p:nvSpPr>
+            <p:spPr>
+              <a:xfrm>
+                <a:off x="7486681" y="3341698"/>
+                <a:ext cx="3240000" cy="384313"/>
+              </a:xfrm>
+              <a:prstGeom prst="rect">
+                <a:avLst/>
+              </a:prstGeom>
+              <a:blipFill>
+                <a:blip r:embed="rId6"/>
+                <a:stretch>
+                  <a:fillRect t="-3125" b="-15625"/>
+                </a:stretch>
+              </a:blipFill>
+            </p:spPr>
+            <p:txBody>
+              <a:bodyPr/>
+              <a:lstStyle/>
+              <a:p>
+                <a:r>
+                  <a:rPr lang="zh-CN" altLang="en-US">
+                    <a:noFill/>
+                  </a:rPr>
+                  <a:t> </a:t>
+                </a:r>
+              </a:p>
+            </p:txBody>
+          </p:sp>
+        </mc:Fallback>
+      </mc:AlternateContent>
+      <p:cxnSp>
+        <p:nvCxnSpPr>
+          <p:cNvPr id="32" name="Straight Arrow Connector 31"/>
+          <p:cNvCxnSpPr/>
+          <p:nvPr/>
+        </p:nvCxnSpPr>
+        <p:spPr>
+          <a:xfrm>
+            <a:off x="9124023" y="3118601"/>
+            <a:ext cx="0" cy="221974"/>
+          </a:xfrm>
+          <a:prstGeom prst="straightConnector1">
+            <a:avLst/>
+          </a:prstGeom>
+          <a:ln>
+            <a:tailEnd type="triangle"/>
+          </a:ln>
+        </p:spPr>
+        <p:style>
+          <a:lnRef idx="1">
+            <a:schemeClr val="accent1"/>
+          </a:lnRef>
+          <a:fillRef idx="0">
+            <a:schemeClr val="accent1"/>
+          </a:fillRef>
+          <a:effectRef idx="0">
+            <a:schemeClr val="accent1"/>
+          </a:effectRef>
+          <a:fontRef idx="minor">
+            <a:schemeClr val="tx1"/>
+          </a:fontRef>
+        </p:style>
+      </p:cxnSp>
+      <mc:AlternateContent xmlns:mc="http://schemas.openxmlformats.org/markup-compatibility/2006" xmlns:a14="http://schemas.microsoft.com/office/drawing/2010/main">
+        <mc:Choice Requires="a14">
+          <p:sp>
+            <p:nvSpPr>
+              <p:cNvPr id="33" name="Rectangle 32"/>
+              <p:cNvSpPr/>
+              <p:nvPr/>
+            </p:nvSpPr>
+            <p:spPr>
+              <a:xfrm>
+                <a:off x="7486681" y="4232090"/>
+                <a:ext cx="3240000" cy="384313"/>
+              </a:xfrm>
+              <a:prstGeom prst="rect">
+                <a:avLst/>
+              </a:prstGeom>
+              <a:solidFill>
+                <a:schemeClr val="bg1"/>
+              </a:solidFill>
+            </p:spPr>
+            <p:style>
+              <a:lnRef idx="2">
+                <a:schemeClr val="accent1">
+                  <a:shade val="50000"/>
+                </a:schemeClr>
+              </a:lnRef>
+              <a:fillRef idx="1">
+                <a:schemeClr val="accent1"/>
+              </a:fillRef>
+              <a:effectRef idx="0">
+                <a:schemeClr val="accent1"/>
+              </a:effectRef>
+              <a:fontRef idx="minor">
+                <a:schemeClr val="lt1"/>
+              </a:fontRef>
+            </p:style>
+            <p:txBody>
+              <a:bodyPr rtlCol="0" anchor="ctr"/>
+              <a:lstStyle/>
+              <a:p>
+                <a:pPr algn="ctr"/>
+                <a:r>
+                  <a:rPr lang="en-US" altLang="zh-CN" dirty="0">
+                    <a:solidFill>
+                      <a:schemeClr val="tx1"/>
+                    </a:solidFill>
+                    <a:latin typeface="Times" panose="00000500000000020000" pitchFamily="2" charset="0"/>
+                  </a:rPr>
+                  <a:t>Conv2dBlock</a:t>
+                </a:r>
+                <a:r>
+                  <a:rPr lang="zh-CN" altLang="en-US" dirty="0">
+                    <a:solidFill>
+                      <a:schemeClr val="tx1"/>
+                    </a:solidFill>
+                    <a:latin typeface="Times" panose="00000500000000020000" pitchFamily="2" charset="0"/>
+                  </a:rPr>
+                  <a:t> </a:t>
+                </a:r>
+                <a14:m>
+                  <m:oMath xmlns:m="http://schemas.openxmlformats.org/officeDocument/2006/math">
+                    <m:r>
+                      <a:rPr lang="en-US" altLang="zh-CN" b="0" i="1" smtClean="0">
+                        <a:solidFill>
+                          <a:schemeClr val="tx1"/>
+                        </a:solidFill>
+                        <a:latin typeface="Cambria Math" panose="02040503050406030204" pitchFamily="18" charset="0"/>
+                      </a:rPr>
+                      <m:t>𝑗</m:t>
+                    </m:r>
+                    <m:r>
+                      <a:rPr lang="en-US" altLang="zh-CN" b="0" i="1" smtClean="0">
+                        <a:solidFill>
+                          <a:schemeClr val="tx1"/>
+                        </a:solidFill>
+                        <a:latin typeface="Cambria Math" panose="02040503050406030204" pitchFamily="18" charset="0"/>
+                      </a:rPr>
+                      <m:t>&gt;</m:t>
+                    </m:r>
+                    <m:r>
+                      <a:rPr lang="en-US" altLang="zh-CN" b="0" i="1" smtClean="0">
+                        <a:solidFill>
+                          <a:schemeClr val="tx1"/>
+                        </a:solidFill>
+                        <a:latin typeface="Cambria Math" panose="02040503050406030204" pitchFamily="18" charset="0"/>
+                      </a:rPr>
+                      <m:t>𝑚</m:t>
+                    </m:r>
+                    <m:r>
+                      <a:rPr lang="en-US" altLang="zh-CN" b="0" i="1" smtClean="0">
+                        <a:solidFill>
+                          <a:schemeClr val="tx1"/>
+                        </a:solidFill>
+                        <a:latin typeface="Cambria Math" panose="02040503050406030204" pitchFamily="18" charset="0"/>
+                      </a:rPr>
+                      <m:t>+1</m:t>
+                    </m:r>
+                  </m:oMath>
+                </a14:m>
+                <a:endParaRPr lang="en-US" dirty="0">
+                  <a:solidFill>
+                    <a:schemeClr val="tx1"/>
+                  </a:solidFill>
+                  <a:latin typeface="Times" panose="00000500000000020000" pitchFamily="2" charset="0"/>
+                </a:endParaRPr>
+              </a:p>
+            </p:txBody>
+          </p:sp>
+        </mc:Choice>
+        <mc:Fallback xmlns="">
+          <p:sp>
+            <p:nvSpPr>
+              <p:cNvPr id="33" name="Rectangle 32"/>
+              <p:cNvSpPr>
+                <a:spLocks noRot="1" noChangeAspect="1" noMove="1" noResize="1" noEditPoints="1" noAdjustHandles="1" noChangeArrowheads="1" noChangeShapeType="1" noTextEdit="1"/>
+              </p:cNvSpPr>
+              <p:nvPr/>
+            </p:nvSpPr>
+            <p:spPr>
+              <a:xfrm>
+                <a:off x="7486681" y="4232090"/>
+                <a:ext cx="3240000" cy="384313"/>
+              </a:xfrm>
+              <a:prstGeom prst="rect">
+                <a:avLst/>
+              </a:prstGeom>
+              <a:blipFill>
+                <a:blip r:embed="rId7"/>
+                <a:stretch>
+                  <a:fillRect t="-3125" b="-15625"/>
+                </a:stretch>
+              </a:blipFill>
+            </p:spPr>
+            <p:txBody>
+              <a:bodyPr/>
+              <a:lstStyle/>
+              <a:p>
+                <a:r>
+                  <a:rPr lang="zh-CN" altLang="en-US">
+                    <a:noFill/>
+                  </a:rPr>
+                  <a:t> </a:t>
+                </a:r>
+              </a:p>
+            </p:txBody>
+          </p:sp>
+        </mc:Fallback>
+      </mc:AlternateContent>
+      <p:cxnSp>
+        <p:nvCxnSpPr>
+          <p:cNvPr id="34" name="Straight Arrow Connector 33"/>
+          <p:cNvCxnSpPr/>
+          <p:nvPr/>
+        </p:nvCxnSpPr>
+        <p:spPr>
+          <a:xfrm>
+            <a:off x="9124023" y="4028043"/>
+            <a:ext cx="0" cy="221974"/>
+          </a:xfrm>
+          <a:prstGeom prst="straightConnector1">
+            <a:avLst/>
+          </a:prstGeom>
+          <a:ln>
+            <a:tailEnd type="triangle"/>
+          </a:ln>
+        </p:spPr>
+        <p:style>
+          <a:lnRef idx="1">
+            <a:schemeClr val="accent1"/>
+          </a:lnRef>
+          <a:fillRef idx="0">
+            <a:schemeClr val="accent1"/>
+          </a:fillRef>
+          <a:effectRef idx="0">
+            <a:schemeClr val="accent1"/>
+          </a:effectRef>
+          <a:fontRef idx="minor">
+            <a:schemeClr val="tx1"/>
+          </a:fontRef>
+        </p:style>
+      </p:cxnSp>
+      <mc:AlternateContent xmlns:mc="http://schemas.openxmlformats.org/markup-compatibility/2006" xmlns:a14="http://schemas.microsoft.com/office/drawing/2010/main">
+        <mc:Choice Requires="a14">
+          <p:sp>
+            <p:nvSpPr>
+              <p:cNvPr id="35" name="Rectangle 34"/>
+              <p:cNvSpPr/>
+              <p:nvPr/>
+            </p:nvSpPr>
+            <p:spPr>
+              <a:xfrm>
+                <a:off x="7486681" y="4901130"/>
+                <a:ext cx="3240000" cy="384313"/>
+              </a:xfrm>
+              <a:prstGeom prst="rect">
+                <a:avLst/>
+              </a:prstGeom>
+              <a:solidFill>
+                <a:schemeClr val="bg1"/>
+              </a:solidFill>
+            </p:spPr>
+            <p:style>
+              <a:lnRef idx="2">
+                <a:schemeClr val="accent1">
+                  <a:shade val="50000"/>
+                </a:schemeClr>
+              </a:lnRef>
+              <a:fillRef idx="1">
+                <a:schemeClr val="accent1"/>
+              </a:fillRef>
+              <a:effectRef idx="0">
+                <a:schemeClr val="accent1"/>
+              </a:effectRef>
+              <a:fontRef idx="minor">
+                <a:schemeClr val="lt1"/>
+              </a:fontRef>
+            </p:style>
+            <p:txBody>
+              <a:bodyPr rtlCol="0" anchor="ctr"/>
+              <a:lstStyle/>
+              <a:p>
+                <a:pPr algn="ctr"/>
+                <a:r>
+                  <a:rPr lang="en-US" altLang="zh-CN" dirty="0">
+                    <a:solidFill>
+                      <a:schemeClr val="tx1"/>
+                    </a:solidFill>
+                    <a:latin typeface="Times" panose="00000500000000020000" pitchFamily="2" charset="0"/>
+                  </a:rPr>
+                  <a:t>Conv2dBlock</a:t>
+                </a:r>
+                <a:r>
+                  <a:rPr lang="zh-CN" altLang="en-US" dirty="0">
+                    <a:solidFill>
+                      <a:schemeClr val="tx1"/>
+                    </a:solidFill>
+                    <a:latin typeface="Times" panose="00000500000000020000" pitchFamily="2" charset="0"/>
+                  </a:rPr>
+                  <a:t> </a:t>
+                </a:r>
+                <a14:m>
+                  <m:oMath xmlns:m="http://schemas.openxmlformats.org/officeDocument/2006/math">
+                    <m:r>
+                      <a:rPr lang="en-US" altLang="zh-CN" b="0" i="1" smtClean="0">
+                        <a:solidFill>
+                          <a:schemeClr val="tx1"/>
+                        </a:solidFill>
+                        <a:latin typeface="Cambria Math" panose="02040503050406030204" pitchFamily="18" charset="0"/>
+                      </a:rPr>
+                      <m:t>(</m:t>
+                    </m:r>
+                    <m:r>
+                      <a:rPr lang="en-US" altLang="zh-CN" b="0" i="1" smtClean="0">
+                        <a:solidFill>
+                          <a:schemeClr val="tx1"/>
+                        </a:solidFill>
+                        <a:latin typeface="Cambria Math" panose="02040503050406030204" pitchFamily="18" charset="0"/>
+                      </a:rPr>
+                      <m:t>𝑗</m:t>
+                    </m:r>
+                    <m:r>
+                      <a:rPr lang="en-US" altLang="zh-CN" b="0" i="1" smtClean="0">
+                        <a:solidFill>
+                          <a:schemeClr val="tx1"/>
+                        </a:solidFill>
+                        <a:latin typeface="Cambria Math" panose="02040503050406030204" pitchFamily="18" charset="0"/>
+                      </a:rPr>
+                      <m:t>+1)</m:t>
+                    </m:r>
+                  </m:oMath>
+                </a14:m>
+                <a:endParaRPr lang="en-US" dirty="0">
+                  <a:solidFill>
+                    <a:schemeClr val="tx1"/>
+                  </a:solidFill>
+                  <a:latin typeface="Times" panose="00000500000000020000" pitchFamily="2" charset="0"/>
+                </a:endParaRPr>
+              </a:p>
+            </p:txBody>
+          </p:sp>
+        </mc:Choice>
+        <mc:Fallback xmlns="">
+          <p:sp>
+            <p:nvSpPr>
+              <p:cNvPr id="35" name="Rectangle 34"/>
+              <p:cNvSpPr>
+                <a:spLocks noRot="1" noChangeAspect="1" noMove="1" noResize="1" noEditPoints="1" noAdjustHandles="1" noChangeArrowheads="1" noChangeShapeType="1" noTextEdit="1"/>
+              </p:cNvSpPr>
+              <p:nvPr/>
+            </p:nvSpPr>
+            <p:spPr>
+              <a:xfrm>
+                <a:off x="7486681" y="4901130"/>
+                <a:ext cx="3240000" cy="384313"/>
+              </a:xfrm>
+              <a:prstGeom prst="rect">
+                <a:avLst/>
+              </a:prstGeom>
+              <a:blipFill>
+                <a:blip r:embed="rId8"/>
+                <a:stretch>
+                  <a:fillRect t="-3125" b="-15625"/>
+                </a:stretch>
+              </a:blipFill>
+            </p:spPr>
+            <p:txBody>
+              <a:bodyPr/>
+              <a:lstStyle/>
+              <a:p>
+                <a:r>
+                  <a:rPr lang="zh-CN" altLang="en-US">
+                    <a:noFill/>
+                  </a:rPr>
+                  <a:t> </a:t>
+                </a:r>
+              </a:p>
+            </p:txBody>
+          </p:sp>
+        </mc:Fallback>
+      </mc:AlternateContent>
+      <p:cxnSp>
+        <p:nvCxnSpPr>
+          <p:cNvPr id="36" name="Straight Arrow Connector 35"/>
+          <p:cNvCxnSpPr/>
+          <p:nvPr/>
+        </p:nvCxnSpPr>
+        <p:spPr>
+          <a:xfrm>
+            <a:off x="9124023" y="4658983"/>
+            <a:ext cx="0" cy="221974"/>
+          </a:xfrm>
+          <a:prstGeom prst="straightConnector1">
+            <a:avLst/>
+          </a:prstGeom>
+          <a:ln>
+            <a:tailEnd type="triangle"/>
+          </a:ln>
+        </p:spPr>
+        <p:style>
+          <a:lnRef idx="1">
+            <a:schemeClr val="accent1"/>
+          </a:lnRef>
+          <a:fillRef idx="0">
+            <a:schemeClr val="accent1"/>
+          </a:fillRef>
+          <a:effectRef idx="0">
+            <a:schemeClr val="accent1"/>
+          </a:effectRef>
+          <a:fontRef idx="minor">
+            <a:schemeClr val="tx1"/>
+          </a:fontRef>
+        </p:style>
+      </p:cxnSp>
       <p:sp>
         <p:nvSpPr>
-          <p:cNvPr id="3" name="Rectangle 2"/>
+          <p:cNvPr id="37" name="Rectangle 36"/>
           <p:cNvSpPr/>
           <p:nvPr/>
         </p:nvSpPr>
         <p:spPr>
           <a:xfrm>
-            <a:off x="4069974" y="601969"/>
-            <a:ext cx="2386950" cy="384313"/>
+            <a:off x="7458617" y="5763274"/>
+            <a:ext cx="3240000" cy="384313"/>
           </a:xfrm>
           <a:prstGeom prst="rect">
             <a:avLst/>
@@ -3864,7 +5931,25 @@
                 </a:solidFill>
                 <a:latin typeface="Times" panose="00000500000000020000" pitchFamily="2" charset="0"/>
               </a:rPr>
-              <a:t>Layer</a:t>
+              <a:t>Global</a:t>
+            </a:r>
+            <a:r>
+              <a:rPr lang="zh-CN" altLang="en-US" dirty="0">
+                <a:solidFill>
+                  <a:schemeClr val="tx1"/>
+                </a:solidFill>
+                <a:latin typeface="Times" panose="00000500000000020000" pitchFamily="2" charset="0"/>
+              </a:rPr>
+              <a:t> </a:t>
+            </a:r>
+            <a:r>
+              <a:rPr lang="en-US" altLang="zh-CN" dirty="0" err="1">
+                <a:solidFill>
+                  <a:schemeClr val="tx1"/>
+                </a:solidFill>
+                <a:latin typeface="Times" panose="00000500000000020000" pitchFamily="2" charset="0"/>
+              </a:rPr>
+              <a:t>Average</a:t>
             </a:r>
             <a:r>
               <a:rPr lang="zh-CN" altLang="en-US" dirty="0">
@@ -3882,867 +5967,9 @@
                 </a:solidFill>
                 <a:latin typeface="Times" panose="00000500000000020000" pitchFamily="2" charset="0"/>
               </a:rPr>
-              <a:t>1,</a:t>
-            </a:r>
-            <a:r>
-              <a:rPr lang="zh-CN" altLang="en-US" dirty="0">
-                <a:solidFill>
-                  <a:schemeClr val="tx1"/>
-                </a:solidFill>
-                <a:latin typeface="Times" panose="00000500000000020000" pitchFamily="2" charset="0"/>
-              </a:rPr>
-              <a:t> </a:t>
-            </a:r>
-            <a:r>
-              <a:rPr lang="en-US" altLang="zh-CN" dirty="0">
-                <a:solidFill>
-                  <a:schemeClr val="tx1"/>
-                </a:solidFill>
-                <a:latin typeface="Times" panose="00000500000000020000" pitchFamily="2" charset="0"/>
-              </a:rPr>
-              <a:t>stride=2</a:t>
+              <a:t>Pooling</a:t>
             </a:r>
             <a:endParaRPr lang="en-US" dirty="0">
-              <a:solidFill>
-                <a:schemeClr val="tx1"/>
-              </a:solidFill>
-              <a:latin typeface="Times" panose="00000500000000020000" pitchFamily="2" charset="0"/>
-            </a:endParaRPr>
-          </a:p>
-        </p:txBody>
-      </p:sp>
-      <p:cxnSp>
-        <p:nvCxnSpPr>
-          <p:cNvPr id="17" name="Straight Arrow Connector 16"/>
-          <p:cNvCxnSpPr/>
-          <p:nvPr/>
-        </p:nvCxnSpPr>
-        <p:spPr>
-          <a:xfrm>
-            <a:off x="5252400" y="397922"/>
-            <a:ext cx="0" cy="221974"/>
-          </a:xfrm>
-          <a:prstGeom prst="straightConnector1">
-            <a:avLst/>
-          </a:prstGeom>
-          <a:ln>
-            <a:tailEnd type="triangle"/>
-          </a:ln>
-        </p:spPr>
-        <p:style>
-          <a:lnRef idx="1">
-            <a:schemeClr val="accent1"/>
-          </a:lnRef>
-          <a:fillRef idx="0">
-            <a:schemeClr val="accent1"/>
-          </a:fillRef>
-          <a:effectRef idx="0">
-            <a:schemeClr val="accent1"/>
-          </a:effectRef>
-          <a:fontRef idx="minor">
-            <a:schemeClr val="tx1"/>
-          </a:fontRef>
-        </p:style>
-      </p:cxnSp>
-      <p:sp>
-        <p:nvSpPr>
-          <p:cNvPr id="24" name="Rectangle 23"/>
-          <p:cNvSpPr/>
-          <p:nvPr/>
-        </p:nvSpPr>
-        <p:spPr>
-          <a:xfrm>
-            <a:off x="4069974" y="1185357"/>
-            <a:ext cx="2386950" cy="384313"/>
-          </a:xfrm>
-          <a:prstGeom prst="rect">
-            <a:avLst/>
-          </a:prstGeom>
-          <a:solidFill>
-            <a:schemeClr val="bg1"/>
-          </a:solidFill>
-        </p:spPr>
-        <p:style>
-          <a:lnRef idx="2">
-            <a:schemeClr val="accent1">
-              <a:shade val="50000"/>
-            </a:schemeClr>
-          </a:lnRef>
-          <a:fillRef idx="1">
-            <a:schemeClr val="accent1"/>
-          </a:fillRef>
-          <a:effectRef idx="0">
-            <a:schemeClr val="accent1"/>
-          </a:effectRef>
-          <a:fontRef idx="minor">
-            <a:schemeClr val="lt1"/>
-          </a:fontRef>
-        </p:style>
-        <p:txBody>
-          <a:bodyPr rtlCol="0" anchor="ctr"/>
-          <a:lstStyle/>
-          <a:p>
-            <a:pPr algn="ctr"/>
-            <a:r>
-              <a:rPr lang="en-US" altLang="zh-CN" dirty="0">
-                <a:solidFill>
-                  <a:schemeClr val="tx1"/>
-                </a:solidFill>
-                <a:latin typeface="Times" panose="00000500000000020000" pitchFamily="2" charset="0"/>
-              </a:rPr>
-              <a:t>Layer</a:t>
-            </a:r>
-            <a:r>
-              <a:rPr lang="zh-CN" altLang="en-US" dirty="0">
-                <a:solidFill>
-                  <a:schemeClr val="tx1"/>
-                </a:solidFill>
-                <a:latin typeface="Times" panose="00000500000000020000" pitchFamily="2" charset="0"/>
-              </a:rPr>
-              <a:t> </a:t>
-            </a:r>
-            <a:r>
-              <a:rPr lang="en-US" altLang="zh-CN" dirty="0">
-                <a:solidFill>
-                  <a:schemeClr val="tx1"/>
-                </a:solidFill>
-                <a:latin typeface="Times" panose="00000500000000020000" pitchFamily="2" charset="0"/>
-              </a:rPr>
-              <a:t>2,</a:t>
-            </a:r>
-            <a:r>
-              <a:rPr lang="zh-CN" altLang="en-US" dirty="0">
-                <a:solidFill>
-                  <a:schemeClr val="tx1"/>
-                </a:solidFill>
-                <a:latin typeface="Times" panose="00000500000000020000" pitchFamily="2" charset="0"/>
-              </a:rPr>
-              <a:t> </a:t>
-            </a:r>
-            <a:r>
-              <a:rPr lang="en-US" altLang="zh-CN" dirty="0">
-                <a:solidFill>
-                  <a:schemeClr val="tx1"/>
-                </a:solidFill>
-                <a:latin typeface="Times" panose="00000500000000020000" pitchFamily="2" charset="0"/>
-              </a:rPr>
-              <a:t>stride=2</a:t>
-            </a:r>
-            <a:endParaRPr lang="en-US" dirty="0">
-              <a:solidFill>
-                <a:schemeClr val="tx1"/>
-              </a:solidFill>
-              <a:latin typeface="Times" panose="00000500000000020000" pitchFamily="2" charset="0"/>
-            </a:endParaRPr>
-          </a:p>
-        </p:txBody>
-      </p:sp>
-      <p:cxnSp>
-        <p:nvCxnSpPr>
-          <p:cNvPr id="25" name="Straight Arrow Connector 24"/>
-          <p:cNvCxnSpPr/>
-          <p:nvPr/>
-        </p:nvCxnSpPr>
-        <p:spPr>
-          <a:xfrm>
-            <a:off x="5252400" y="981310"/>
-            <a:ext cx="0" cy="221974"/>
-          </a:xfrm>
-          <a:prstGeom prst="straightConnector1">
-            <a:avLst/>
-          </a:prstGeom>
-          <a:ln>
-            <a:tailEnd type="triangle"/>
-          </a:ln>
-        </p:spPr>
-        <p:style>
-          <a:lnRef idx="1">
-            <a:schemeClr val="accent1"/>
-          </a:lnRef>
-          <a:fillRef idx="0">
-            <a:schemeClr val="accent1"/>
-          </a:fillRef>
-          <a:effectRef idx="0">
-            <a:schemeClr val="accent1"/>
-          </a:effectRef>
-          <a:fontRef idx="minor">
-            <a:schemeClr val="tx1"/>
-          </a:fontRef>
-        </p:style>
-      </p:cxnSp>
-      <p:sp>
-        <p:nvSpPr>
-          <p:cNvPr id="26" name="Rectangle 25"/>
-          <p:cNvSpPr/>
-          <p:nvPr/>
-        </p:nvSpPr>
-        <p:spPr>
-          <a:xfrm>
-            <a:off x="4069974" y="1796176"/>
-            <a:ext cx="2386950" cy="384313"/>
-          </a:xfrm>
-          <a:prstGeom prst="rect">
-            <a:avLst/>
-          </a:prstGeom>
-          <a:solidFill>
-            <a:schemeClr val="bg1"/>
-          </a:solidFill>
-        </p:spPr>
-        <p:style>
-          <a:lnRef idx="2">
-            <a:schemeClr val="accent1">
-              <a:shade val="50000"/>
-            </a:schemeClr>
-          </a:lnRef>
-          <a:fillRef idx="1">
-            <a:schemeClr val="accent1"/>
-          </a:fillRef>
-          <a:effectRef idx="0">
-            <a:schemeClr val="accent1"/>
-          </a:effectRef>
-          <a:fontRef idx="minor">
-            <a:schemeClr val="lt1"/>
-          </a:fontRef>
-        </p:style>
-        <p:txBody>
-          <a:bodyPr rtlCol="0" anchor="ctr"/>
-          <a:lstStyle/>
-          <a:p>
-            <a:pPr algn="ctr"/>
-            <a:r>
-              <a:rPr lang="en-US" altLang="zh-CN" dirty="0">
-                <a:solidFill>
-                  <a:schemeClr val="tx1"/>
-                </a:solidFill>
-                <a:latin typeface="Times" panose="00000500000000020000" pitchFamily="2" charset="0"/>
-              </a:rPr>
-              <a:t>Layer</a:t>
-            </a:r>
-            <a:r>
-              <a:rPr lang="zh-CN" altLang="en-US" dirty="0">
-                <a:solidFill>
-                  <a:schemeClr val="tx1"/>
-                </a:solidFill>
-                <a:latin typeface="Times" panose="00000500000000020000" pitchFamily="2" charset="0"/>
-              </a:rPr>
-              <a:t> </a:t>
-            </a:r>
-            <a:r>
-              <a:rPr lang="en-US" altLang="zh-CN" dirty="0">
-                <a:solidFill>
-                  <a:schemeClr val="tx1"/>
-                </a:solidFill>
-                <a:latin typeface="Times" panose="00000500000000020000" pitchFamily="2" charset="0"/>
-              </a:rPr>
-              <a:t>i,</a:t>
-            </a:r>
-            <a:r>
-              <a:rPr lang="zh-CN" altLang="en-US" dirty="0">
-                <a:solidFill>
-                  <a:schemeClr val="tx1"/>
-                </a:solidFill>
-                <a:latin typeface="Times" panose="00000500000000020000" pitchFamily="2" charset="0"/>
-              </a:rPr>
-              <a:t> </a:t>
-            </a:r>
-            <a:r>
-              <a:rPr lang="en-US" altLang="zh-CN" dirty="0">
-                <a:solidFill>
-                  <a:schemeClr val="tx1"/>
-                </a:solidFill>
-                <a:latin typeface="Times" panose="00000500000000020000" pitchFamily="2" charset="0"/>
-              </a:rPr>
-              <a:t>stride=2</a:t>
-            </a:r>
-          </a:p>
-        </p:txBody>
-      </p:sp>
-      <p:cxnSp>
-        <p:nvCxnSpPr>
-          <p:cNvPr id="27" name="Straight Arrow Connector 26"/>
-          <p:cNvCxnSpPr/>
-          <p:nvPr/>
-        </p:nvCxnSpPr>
-        <p:spPr>
-          <a:xfrm>
-            <a:off x="5252400" y="1592129"/>
-            <a:ext cx="0" cy="221974"/>
-          </a:xfrm>
-          <a:prstGeom prst="straightConnector1">
-            <a:avLst/>
-          </a:prstGeom>
-          <a:ln>
-            <a:tailEnd type="triangle"/>
-          </a:ln>
-        </p:spPr>
-        <p:style>
-          <a:lnRef idx="1">
-            <a:schemeClr val="accent1"/>
-          </a:lnRef>
-          <a:fillRef idx="0">
-            <a:schemeClr val="accent1"/>
-          </a:fillRef>
-          <a:effectRef idx="0">
-            <a:schemeClr val="accent1"/>
-          </a:effectRef>
-          <a:fontRef idx="minor">
-            <a:schemeClr val="tx1"/>
-          </a:fontRef>
-        </p:style>
-      </p:cxnSp>
-      <p:sp>
-        <p:nvSpPr>
-          <p:cNvPr id="28" name="Rectangle 27"/>
-          <p:cNvSpPr/>
-          <p:nvPr/>
-        </p:nvSpPr>
-        <p:spPr>
-          <a:xfrm>
-            <a:off x="4098039" y="2698955"/>
-            <a:ext cx="2358887" cy="385200"/>
-          </a:xfrm>
-          <a:prstGeom prst="rect">
-            <a:avLst/>
-          </a:prstGeom>
-          <a:solidFill>
-            <a:schemeClr val="bg1"/>
-          </a:solidFill>
-        </p:spPr>
-        <p:style>
-          <a:lnRef idx="2">
-            <a:schemeClr val="accent1">
-              <a:shade val="50000"/>
-            </a:schemeClr>
-          </a:lnRef>
-          <a:fillRef idx="1">
-            <a:schemeClr val="accent1"/>
-          </a:fillRef>
-          <a:effectRef idx="0">
-            <a:schemeClr val="accent1"/>
-          </a:effectRef>
-          <a:fontRef idx="minor">
-            <a:schemeClr val="lt1"/>
-          </a:fontRef>
-        </p:style>
-        <p:txBody>
-          <a:bodyPr rtlCol="0" anchor="ctr"/>
-          <a:lstStyle/>
-          <a:p>
-            <a:pPr algn="ctr"/>
-            <a:r>
-              <a:rPr lang="en-US" altLang="zh-CN" dirty="0">
-                <a:solidFill>
-                  <a:schemeClr val="tx1"/>
-                </a:solidFill>
-                <a:latin typeface="Times" panose="00000500000000020000" pitchFamily="2" charset="0"/>
-              </a:rPr>
-              <a:t>Layer</a:t>
-            </a:r>
-            <a:r>
-              <a:rPr lang="zh-CN" altLang="en-US" dirty="0">
-                <a:solidFill>
-                  <a:schemeClr val="tx1"/>
-                </a:solidFill>
-                <a:latin typeface="Times" panose="00000500000000020000" pitchFamily="2" charset="0"/>
-              </a:rPr>
-              <a:t> </a:t>
-            </a:r>
-            <a:r>
-              <a:rPr lang="en-US" altLang="zh-CN" dirty="0">
-                <a:solidFill>
-                  <a:schemeClr val="tx1"/>
-                </a:solidFill>
-                <a:latin typeface="Times" panose="00000500000000020000" pitchFamily="2" charset="0"/>
-              </a:rPr>
-              <a:t>m,</a:t>
-            </a:r>
-            <a:r>
-              <a:rPr lang="zh-CN" altLang="en-US" dirty="0">
-                <a:solidFill>
-                  <a:schemeClr val="tx1"/>
-                </a:solidFill>
-                <a:latin typeface="Times" panose="00000500000000020000" pitchFamily="2" charset="0"/>
-              </a:rPr>
-              <a:t> </a:t>
-            </a:r>
-            <a:r>
-              <a:rPr lang="en-US" altLang="zh-CN" dirty="0">
-                <a:solidFill>
-                  <a:schemeClr val="tx1"/>
-                </a:solidFill>
-                <a:latin typeface="Times" panose="00000500000000020000" pitchFamily="2" charset="0"/>
-              </a:rPr>
-              <a:t>stride=2</a:t>
-            </a:r>
-            <a:endParaRPr lang="en-US" dirty="0">
-              <a:solidFill>
-                <a:schemeClr val="tx1"/>
-              </a:solidFill>
-              <a:latin typeface="Times" panose="00000500000000020000" pitchFamily="2" charset="0"/>
-            </a:endParaRPr>
-          </a:p>
-        </p:txBody>
-      </p:sp>
-      <p:cxnSp>
-        <p:nvCxnSpPr>
-          <p:cNvPr id="29" name="Straight Arrow Connector 28"/>
-          <p:cNvCxnSpPr/>
-          <p:nvPr/>
-        </p:nvCxnSpPr>
-        <p:spPr>
-          <a:xfrm>
-            <a:off x="5252400" y="2456809"/>
-            <a:ext cx="0" cy="221974"/>
-          </a:xfrm>
-          <a:prstGeom prst="straightConnector1">
-            <a:avLst/>
-          </a:prstGeom>
-          <a:ln>
-            <a:tailEnd type="triangle"/>
-          </a:ln>
-        </p:spPr>
-        <p:style>
-          <a:lnRef idx="1">
-            <a:schemeClr val="accent1"/>
-          </a:lnRef>
-          <a:fillRef idx="0">
-            <a:schemeClr val="accent1"/>
-          </a:fillRef>
-          <a:effectRef idx="0">
-            <a:schemeClr val="accent1"/>
-          </a:effectRef>
-          <a:fontRef idx="minor">
-            <a:schemeClr val="tx1"/>
-          </a:fontRef>
-        </p:style>
-      </p:cxnSp>
-      <p:sp>
-        <p:nvSpPr>
-          <p:cNvPr id="31" name="Rectangle 30"/>
-          <p:cNvSpPr/>
-          <p:nvPr/>
-        </p:nvSpPr>
-        <p:spPr>
-          <a:xfrm>
-            <a:off x="4098039" y="3341698"/>
-            <a:ext cx="2358887" cy="384313"/>
-          </a:xfrm>
-          <a:prstGeom prst="rect">
-            <a:avLst/>
-          </a:prstGeom>
-          <a:solidFill>
-            <a:schemeClr val="bg1"/>
-          </a:solidFill>
-        </p:spPr>
-        <p:style>
-          <a:lnRef idx="2">
-            <a:schemeClr val="accent1">
-              <a:shade val="50000"/>
-            </a:schemeClr>
-          </a:lnRef>
-          <a:fillRef idx="1">
-            <a:schemeClr val="accent1"/>
-          </a:fillRef>
-          <a:effectRef idx="0">
-            <a:schemeClr val="accent1"/>
-          </a:effectRef>
-          <a:fontRef idx="minor">
-            <a:schemeClr val="lt1"/>
-          </a:fontRef>
-        </p:style>
-        <p:txBody>
-          <a:bodyPr rtlCol="0" anchor="ctr"/>
-          <a:lstStyle/>
-          <a:p>
-            <a:pPr algn="ctr"/>
-            <a:r>
-              <a:rPr lang="en-US" altLang="zh-CN" dirty="0">
-                <a:solidFill>
-                  <a:schemeClr val="tx1"/>
-                </a:solidFill>
-                <a:latin typeface="Times" panose="00000500000000020000" pitchFamily="2" charset="0"/>
-              </a:rPr>
-              <a:t>Layer</a:t>
-            </a:r>
-            <a:r>
-              <a:rPr lang="zh-CN" altLang="en-US" dirty="0">
-                <a:solidFill>
-                  <a:schemeClr val="tx1"/>
-                </a:solidFill>
-                <a:latin typeface="Times" panose="00000500000000020000" pitchFamily="2" charset="0"/>
-              </a:rPr>
-              <a:t> </a:t>
-            </a:r>
-            <a:r>
-              <a:rPr lang="en-US" altLang="zh-CN" dirty="0">
-                <a:solidFill>
-                  <a:schemeClr val="tx1"/>
-                </a:solidFill>
-                <a:latin typeface="Times" panose="00000500000000020000" pitchFamily="2" charset="0"/>
-              </a:rPr>
-              <a:t>(m+1),</a:t>
-            </a:r>
-            <a:r>
-              <a:rPr lang="zh-CN" altLang="en-US" dirty="0">
-                <a:solidFill>
-                  <a:schemeClr val="tx1"/>
-                </a:solidFill>
-                <a:latin typeface="Times" panose="00000500000000020000" pitchFamily="2" charset="0"/>
-              </a:rPr>
-              <a:t> </a:t>
-            </a:r>
-            <a:r>
-              <a:rPr lang="en-US" altLang="zh-CN" dirty="0">
-                <a:solidFill>
-                  <a:schemeClr val="tx1"/>
-                </a:solidFill>
-                <a:latin typeface="Times" panose="00000500000000020000" pitchFamily="2" charset="0"/>
-              </a:rPr>
-              <a:t>stride=1</a:t>
-            </a:r>
-            <a:endParaRPr lang="en-US" dirty="0">
-              <a:solidFill>
-                <a:schemeClr val="tx1"/>
-              </a:solidFill>
-              <a:latin typeface="Times" panose="00000500000000020000" pitchFamily="2" charset="0"/>
-            </a:endParaRPr>
-          </a:p>
-        </p:txBody>
-      </p:sp>
-      <p:cxnSp>
-        <p:nvCxnSpPr>
-          <p:cNvPr id="32" name="Straight Arrow Connector 31"/>
-          <p:cNvCxnSpPr/>
-          <p:nvPr/>
-        </p:nvCxnSpPr>
-        <p:spPr>
-          <a:xfrm>
-            <a:off x="5252400" y="3118601"/>
-            <a:ext cx="0" cy="221974"/>
-          </a:xfrm>
-          <a:prstGeom prst="straightConnector1">
-            <a:avLst/>
-          </a:prstGeom>
-          <a:ln>
-            <a:tailEnd type="triangle"/>
-          </a:ln>
-        </p:spPr>
-        <p:style>
-          <a:lnRef idx="1">
-            <a:schemeClr val="accent1"/>
-          </a:lnRef>
-          <a:fillRef idx="0">
-            <a:schemeClr val="accent1"/>
-          </a:fillRef>
-          <a:effectRef idx="0">
-            <a:schemeClr val="accent1"/>
-          </a:effectRef>
-          <a:fontRef idx="minor">
-            <a:schemeClr val="tx1"/>
-          </a:fontRef>
-        </p:style>
-      </p:cxnSp>
-      <p:sp>
-        <p:nvSpPr>
-          <p:cNvPr id="33" name="Rectangle 32"/>
-          <p:cNvSpPr/>
-          <p:nvPr/>
-        </p:nvSpPr>
-        <p:spPr>
-          <a:xfrm>
-            <a:off x="4098039" y="4232090"/>
-            <a:ext cx="2358887" cy="384313"/>
-          </a:xfrm>
-          <a:prstGeom prst="rect">
-            <a:avLst/>
-          </a:prstGeom>
-          <a:solidFill>
-            <a:schemeClr val="bg1"/>
-          </a:solidFill>
-        </p:spPr>
-        <p:style>
-          <a:lnRef idx="2">
-            <a:schemeClr val="accent1">
-              <a:shade val="50000"/>
-            </a:schemeClr>
-          </a:lnRef>
-          <a:fillRef idx="1">
-            <a:schemeClr val="accent1"/>
-          </a:fillRef>
-          <a:effectRef idx="0">
-            <a:schemeClr val="accent1"/>
-          </a:effectRef>
-          <a:fontRef idx="minor">
-            <a:schemeClr val="lt1"/>
-          </a:fontRef>
-        </p:style>
-        <p:txBody>
-          <a:bodyPr rtlCol="0" anchor="ctr"/>
-          <a:lstStyle/>
-          <a:p>
-            <a:pPr algn="ctr"/>
-            <a:r>
-              <a:rPr lang="en-US" altLang="zh-CN" dirty="0">
-                <a:solidFill>
-                  <a:schemeClr val="tx1"/>
-                </a:solidFill>
-                <a:latin typeface="Times" panose="00000500000000020000" pitchFamily="2" charset="0"/>
-              </a:rPr>
-              <a:t>Layer</a:t>
-            </a:r>
-            <a:r>
-              <a:rPr lang="zh-CN" altLang="en-US" dirty="0">
-                <a:solidFill>
-                  <a:schemeClr val="tx1"/>
-                </a:solidFill>
-                <a:latin typeface="Times" panose="00000500000000020000" pitchFamily="2" charset="0"/>
-              </a:rPr>
-              <a:t> </a:t>
-            </a:r>
-            <a:r>
-              <a:rPr lang="en-US" altLang="zh-CN" dirty="0">
-                <a:solidFill>
-                  <a:schemeClr val="tx1"/>
-                </a:solidFill>
-                <a:latin typeface="Times" panose="00000500000000020000" pitchFamily="2" charset="0"/>
-              </a:rPr>
-              <a:t>j</a:t>
-            </a:r>
-            <a:endParaRPr lang="en-US" dirty="0">
-              <a:solidFill>
-                <a:schemeClr val="tx1"/>
-              </a:solidFill>
-              <a:latin typeface="Times" panose="00000500000000020000" pitchFamily="2" charset="0"/>
-            </a:endParaRPr>
-          </a:p>
-        </p:txBody>
-      </p:sp>
-      <p:cxnSp>
-        <p:nvCxnSpPr>
-          <p:cNvPr id="34" name="Straight Arrow Connector 33"/>
-          <p:cNvCxnSpPr/>
-          <p:nvPr/>
-        </p:nvCxnSpPr>
-        <p:spPr>
-          <a:xfrm>
-            <a:off x="5233350" y="4028043"/>
-            <a:ext cx="0" cy="221974"/>
-          </a:xfrm>
-          <a:prstGeom prst="straightConnector1">
-            <a:avLst/>
-          </a:prstGeom>
-          <a:ln>
-            <a:tailEnd type="triangle"/>
-          </a:ln>
-        </p:spPr>
-        <p:style>
-          <a:lnRef idx="1">
-            <a:schemeClr val="accent1"/>
-          </a:lnRef>
-          <a:fillRef idx="0">
-            <a:schemeClr val="accent1"/>
-          </a:fillRef>
-          <a:effectRef idx="0">
-            <a:schemeClr val="accent1"/>
-          </a:effectRef>
-          <a:fontRef idx="minor">
-            <a:schemeClr val="tx1"/>
-          </a:fontRef>
-        </p:style>
-      </p:cxnSp>
-      <p:sp>
-        <p:nvSpPr>
-          <p:cNvPr id="35" name="Rectangle 34"/>
-          <p:cNvSpPr/>
-          <p:nvPr/>
-        </p:nvSpPr>
-        <p:spPr>
-          <a:xfrm>
-            <a:off x="4098039" y="4901130"/>
-            <a:ext cx="2358887" cy="384313"/>
-          </a:xfrm>
-          <a:prstGeom prst="rect">
-            <a:avLst/>
-          </a:prstGeom>
-          <a:solidFill>
-            <a:schemeClr val="bg1"/>
-          </a:solidFill>
-        </p:spPr>
-        <p:style>
-          <a:lnRef idx="2">
-            <a:schemeClr val="accent1">
-              <a:shade val="50000"/>
-            </a:schemeClr>
-          </a:lnRef>
-          <a:fillRef idx="1">
-            <a:schemeClr val="accent1"/>
-          </a:fillRef>
-          <a:effectRef idx="0">
-            <a:schemeClr val="accent1"/>
-          </a:effectRef>
-          <a:fontRef idx="minor">
-            <a:schemeClr val="lt1"/>
-          </a:fontRef>
-        </p:style>
-        <p:txBody>
-          <a:bodyPr rtlCol="0" anchor="ctr"/>
-          <a:lstStyle/>
-          <a:p>
-            <a:pPr algn="ctr"/>
-            <a:r>
-              <a:rPr lang="en-US" dirty="0">
-                <a:solidFill>
-                  <a:schemeClr val="tx1"/>
-                </a:solidFill>
-                <a:latin typeface="Times" panose="00000500000000020000" pitchFamily="2" charset="0"/>
-              </a:rPr>
-              <a:t>Layer</a:t>
-            </a:r>
-            <a:r>
-              <a:rPr lang="zh-CN" altLang="en-US" dirty="0">
-                <a:solidFill>
-                  <a:schemeClr val="tx1"/>
-                </a:solidFill>
-                <a:latin typeface="Times" panose="00000500000000020000" pitchFamily="2" charset="0"/>
-              </a:rPr>
-              <a:t> </a:t>
-            </a:r>
-            <a:r>
-              <a:rPr lang="en-US" altLang="zh-CN" dirty="0">
-                <a:solidFill>
-                  <a:schemeClr val="tx1"/>
-                </a:solidFill>
-                <a:latin typeface="Times" panose="00000500000000020000" pitchFamily="2" charset="0"/>
-              </a:rPr>
-              <a:t>7</a:t>
-            </a:r>
-            <a:endParaRPr lang="en-US" dirty="0">
-              <a:solidFill>
-                <a:schemeClr val="tx1"/>
-              </a:solidFill>
-              <a:latin typeface="Times" panose="00000500000000020000" pitchFamily="2" charset="0"/>
-            </a:endParaRPr>
-          </a:p>
-        </p:txBody>
-      </p:sp>
-      <p:cxnSp>
-        <p:nvCxnSpPr>
-          <p:cNvPr id="36" name="Straight Arrow Connector 35"/>
-          <p:cNvCxnSpPr/>
-          <p:nvPr/>
-        </p:nvCxnSpPr>
-        <p:spPr>
-          <a:xfrm>
-            <a:off x="5252400" y="4658983"/>
-            <a:ext cx="0" cy="221974"/>
-          </a:xfrm>
-          <a:prstGeom prst="straightConnector1">
-            <a:avLst/>
-          </a:prstGeom>
-          <a:ln>
-            <a:tailEnd type="triangle"/>
-          </a:ln>
-        </p:spPr>
-        <p:style>
-          <a:lnRef idx="1">
-            <a:schemeClr val="accent1"/>
-          </a:lnRef>
-          <a:fillRef idx="0">
-            <a:schemeClr val="accent1"/>
-          </a:fillRef>
-          <a:effectRef idx="0">
-            <a:schemeClr val="accent1"/>
-          </a:effectRef>
-          <a:fontRef idx="minor">
-            <a:schemeClr val="tx1"/>
-          </a:fontRef>
-        </p:style>
-      </p:cxnSp>
-      <p:sp>
-        <p:nvSpPr>
-          <p:cNvPr id="37" name="Rectangle 36"/>
-          <p:cNvSpPr/>
-          <p:nvPr/>
-        </p:nvSpPr>
-        <p:spPr>
-          <a:xfrm>
-            <a:off x="4069975" y="5763274"/>
-            <a:ext cx="2358887" cy="384313"/>
-          </a:xfrm>
-          <a:prstGeom prst="rect">
-            <a:avLst/>
-          </a:prstGeom>
-          <a:solidFill>
-            <a:schemeClr val="bg1"/>
-          </a:solidFill>
-        </p:spPr>
-        <p:style>
-          <a:lnRef idx="2">
-            <a:schemeClr val="accent1">
-              <a:shade val="50000"/>
-            </a:schemeClr>
-          </a:lnRef>
-          <a:fillRef idx="1">
-            <a:schemeClr val="accent1"/>
-          </a:fillRef>
-          <a:effectRef idx="0">
-            <a:schemeClr val="accent1"/>
-          </a:effectRef>
-          <a:fontRef idx="minor">
-            <a:schemeClr val="lt1"/>
-          </a:fontRef>
-        </p:style>
-        <p:txBody>
-          <a:bodyPr rtlCol="0" anchor="ctr"/>
-          <a:lstStyle/>
-          <a:p>
-            <a:pPr algn="ctr"/>
-            <a:r>
-              <a:rPr lang="en-US" altLang="zh-CN" sz="1600" dirty="0">
-                <a:solidFill>
-                  <a:schemeClr val="tx1"/>
-                </a:solidFill>
-                <a:latin typeface="Times" panose="00000500000000020000" pitchFamily="2" charset="0"/>
-              </a:rPr>
-              <a:t>Global</a:t>
-            </a:r>
-            <a:r>
-              <a:rPr lang="zh-CN" altLang="en-US" sz="1600" dirty="0">
-                <a:solidFill>
-                  <a:schemeClr val="tx1"/>
-                </a:solidFill>
-                <a:latin typeface="Times" panose="00000500000000020000" pitchFamily="2" charset="0"/>
-              </a:rPr>
-              <a:t> </a:t>
-            </a:r>
-            <a:r>
-              <a:rPr lang="en-US" altLang="zh-CN" sz="1600" dirty="0" err="1">
-                <a:solidFill>
-                  <a:schemeClr val="tx1"/>
-                </a:solidFill>
-                <a:latin typeface="Times" panose="00000500000000020000" pitchFamily="2" charset="0"/>
-              </a:rPr>
-              <a:t>Average</a:t>
-            </a:r>
-            <a:r>
-              <a:rPr lang="zh-CN" altLang="en-US" sz="1600" dirty="0">
-                <a:solidFill>
-                  <a:schemeClr val="tx1"/>
-                </a:solidFill>
-                <a:latin typeface="Times" panose="00000500000000020000" pitchFamily="2" charset="0"/>
-              </a:rPr>
-              <a:t> </a:t>
-            </a:r>
-            <a:r>
-              <a:rPr lang="en-US" altLang="zh-CN" sz="1600" dirty="0">
-                <a:solidFill>
-                  <a:schemeClr val="tx1"/>
-                </a:solidFill>
-                <a:latin typeface="Times" panose="00000500000000020000" pitchFamily="2" charset="0"/>
-              </a:rPr>
-              <a:t>Pooling</a:t>
-            </a:r>
-            <a:endParaRPr lang="en-US" sz="1600" dirty="0">
               <a:solidFill>
                 <a:schemeClr val="tx1"/>
               </a:solidFill>
@@ -4759,7 +5986,7 @@
         </p:nvCxnSpPr>
         <p:spPr>
           <a:xfrm>
-            <a:off x="5252400" y="5302250"/>
+            <a:off x="9124023" y="5302250"/>
             <a:ext cx="0" cy="450000"/>
           </a:xfrm>
           <a:prstGeom prst="straightConnector1">
@@ -4795,8 +6022,8 @@
         </p:nvCxnSpPr>
         <p:spPr>
           <a:xfrm flipV="1">
-            <a:off x="3666146" y="1074597"/>
-            <a:ext cx="1587600" cy="72"/>
+            <a:off x="7054789" y="1522829"/>
+            <a:ext cx="2070000" cy="72"/>
           </a:xfrm>
           <a:prstGeom prst="line">
             <a:avLst/>
@@ -4830,8 +6057,8 @@
         </p:nvCxnSpPr>
         <p:spPr>
           <a:xfrm>
-            <a:off x="3657601" y="1082601"/>
-            <a:ext cx="0" cy="4356000"/>
+            <a:off x="7046244" y="1530832"/>
+            <a:ext cx="0" cy="3924000"/>
           </a:xfrm>
           <a:prstGeom prst="line">
             <a:avLst/>
@@ -4865,8 +6092,8 @@
         </p:nvCxnSpPr>
         <p:spPr>
           <a:xfrm flipV="1">
-            <a:off x="3650463" y="5428389"/>
-            <a:ext cx="900000" cy="72"/>
+            <a:off x="7039106" y="5428389"/>
+            <a:ext cx="1440000" cy="72"/>
           </a:xfrm>
           <a:prstGeom prst="line">
             <a:avLst/>
@@ -4900,8 +6127,8 @@
         </p:nvCxnSpPr>
         <p:spPr>
           <a:xfrm flipV="1">
-            <a:off x="5257346" y="3181250"/>
-            <a:ext cx="1580400" cy="72"/>
+            <a:off x="9130084" y="3181250"/>
+            <a:ext cx="2034000" cy="72"/>
           </a:xfrm>
           <a:prstGeom prst="line">
             <a:avLst/>
@@ -4935,7 +6162,7 @@
         </p:nvCxnSpPr>
         <p:spPr>
           <a:xfrm>
-            <a:off x="6845215" y="3173825"/>
+            <a:off x="11166186" y="3173825"/>
             <a:ext cx="0" cy="2275200"/>
           </a:xfrm>
           <a:prstGeom prst="line">
@@ -4970,8 +6197,8 @@
         </p:nvCxnSpPr>
         <p:spPr>
           <a:xfrm flipV="1">
-            <a:off x="5972531" y="5444063"/>
-            <a:ext cx="892800" cy="72"/>
+            <a:off x="9773544" y="5444063"/>
+            <a:ext cx="1389600" cy="72"/>
           </a:xfrm>
           <a:prstGeom prst="line">
             <a:avLst/>
@@ -5005,7 +6232,7 @@
         </p:nvCxnSpPr>
         <p:spPr>
           <a:xfrm>
-            <a:off x="5963147" y="5444062"/>
+            <a:off x="9764160" y="5444062"/>
             <a:ext cx="0" cy="295200"/>
           </a:xfrm>
           <a:prstGeom prst="straightConnector1">
@@ -5041,7 +6268,7 @@
         </p:nvCxnSpPr>
         <p:spPr>
           <a:xfrm>
-            <a:off x="4543626" y="5428389"/>
+            <a:off x="8506015" y="5428389"/>
             <a:ext cx="0" cy="295200"/>
           </a:xfrm>
           <a:prstGeom prst="straightConnector1">
@@ -5077,8 +6304,8 @@
         </p:nvSpPr>
         <p:spPr>
           <a:xfrm>
-            <a:off x="4069975" y="6383562"/>
-            <a:ext cx="2358887" cy="384313"/>
+            <a:off x="7458617" y="6383562"/>
+            <a:ext cx="3240000" cy="384313"/>
           </a:xfrm>
           <a:prstGeom prst="rect">
             <a:avLst/>
@@ -5134,7 +6361,7 @@
         </p:nvCxnSpPr>
         <p:spPr>
           <a:xfrm>
-            <a:off x="5252400" y="6179515"/>
+            <a:off x="9124023" y="6179515"/>
             <a:ext cx="0" cy="221974"/>
           </a:xfrm>
           <a:prstGeom prst="straightConnector1">
@@ -5170,7 +6397,7 @@
         </p:nvCxnSpPr>
         <p:spPr>
           <a:xfrm>
-            <a:off x="4543626" y="6162297"/>
+            <a:off x="8506015" y="6162297"/>
             <a:ext cx="0" cy="221974"/>
           </a:xfrm>
           <a:prstGeom prst="straightConnector1">
@@ -5206,7 +6433,7 @@
         </p:nvCxnSpPr>
         <p:spPr>
           <a:xfrm>
-            <a:off x="5961600" y="6180226"/>
+            <a:off x="9762613" y="6180226"/>
             <a:ext cx="0" cy="221974"/>
           </a:xfrm>
           <a:prstGeom prst="straightConnector1">
@@ -5242,8 +6469,8 @@
         </p:nvSpPr>
         <p:spPr>
           <a:xfrm>
-            <a:off x="4069974" y="7014536"/>
-            <a:ext cx="2358887" cy="384313"/>
+            <a:off x="7458616" y="7014536"/>
+            <a:ext cx="3240000" cy="384313"/>
           </a:xfrm>
           <a:prstGeom prst="rect">
             <a:avLst/>
@@ -5299,7 +6526,7 @@
         </p:nvCxnSpPr>
         <p:spPr>
           <a:xfrm>
-            <a:off x="5252400" y="6772391"/>
+            <a:off x="9124023" y="6772391"/>
             <a:ext cx="0" cy="221974"/>
           </a:xfrm>
           <a:prstGeom prst="straightConnector1">
@@ -5335,8 +6562,8 @@
         </p:nvSpPr>
         <p:spPr>
           <a:xfrm>
-            <a:off x="1019140" y="211791"/>
-            <a:ext cx="1794617" cy="2168818"/>
+            <a:off x="2584800" y="695885"/>
+            <a:ext cx="3258078" cy="2487600"/>
           </a:xfrm>
           <a:prstGeom prst="rect">
             <a:avLst/>
@@ -5380,8 +6607,8 @@
             </p:nvSpPr>
             <p:spPr>
               <a:xfrm>
-                <a:off x="1155103" y="675391"/>
-                <a:ext cx="1530466" cy="384313"/>
+                <a:off x="2892563" y="1213272"/>
+                <a:ext cx="2700000" cy="384313"/>
               </a:xfrm>
               <a:prstGeom prst="rect">
                 <a:avLst/>
@@ -5440,7 +6667,25 @@
                     </a:solidFill>
                     <a:latin typeface="Times" panose="00000500000000020000" pitchFamily="2" charset="0"/>
                   </a:rPr>
-                  <a:t>Conv2d</a:t>
+                  <a:t>Conv2d,</a:t>
+                </a:r>
+                <a:r>
+                  <a:rPr lang="zh-CN" altLang="en-US" dirty="0">
+                    <a:solidFill>
+                      <a:schemeClr val="tx1"/>
+                    </a:solidFill>
+                    <a:latin typeface="Times" panose="00000500000000020000" pitchFamily="2" charset="0"/>
+                  </a:rPr>
+                  <a:t> </a:t>
+                </a:r>
+                <a:r>
+                  <a:rPr lang="en-US" altLang="zh-CN" dirty="0">
+                    <a:solidFill>
+                      <a:schemeClr val="tx1"/>
+                    </a:solidFill>
+                    <a:latin typeface="Times" panose="00000500000000020000" pitchFamily="2" charset="0"/>
+                  </a:rPr>
+                  <a:t>stride=2</a:t>
                 </a:r>
                 <a:endParaRPr lang="en-US" dirty="0">
                   <a:solidFill>
@@ -5463,16 +6708,16 @@
             </p:nvSpPr>
             <p:spPr>
               <a:xfrm>
-                <a:off x="1155103" y="675391"/>
-                <a:ext cx="1530466" cy="384313"/>
+                <a:off x="2892563" y="1213272"/>
+                <a:ext cx="2700000" cy="384313"/>
               </a:xfrm>
               <a:prstGeom prst="rect">
                 <a:avLst/>
               </a:prstGeom>
               <a:blipFill>
-                <a:blip r:embed="rId3"/>
+                <a:blip r:embed="rId9"/>
                 <a:stretch>
-                  <a:fillRect t="-3125" b="-15625"/>
+                  <a:fillRect t="-6452" b="-16129"/>
                 </a:stretch>
               </a:blipFill>
             </p:spPr>
@@ -5499,7 +6744,7 @@
         </p:nvCxnSpPr>
         <p:spPr>
           <a:xfrm>
-            <a:off x="1919341" y="1064610"/>
+            <a:off x="4214304" y="1602491"/>
             <a:ext cx="0" cy="221974"/>
           </a:xfrm>
           <a:prstGeom prst="straightConnector1">
@@ -5532,8 +6777,8 @@
         </p:nvSpPr>
         <p:spPr>
           <a:xfrm>
-            <a:off x="1167508" y="1286586"/>
-            <a:ext cx="1518062" cy="384313"/>
+            <a:off x="2892563" y="1824467"/>
+            <a:ext cx="2700000" cy="384313"/>
           </a:xfrm>
           <a:prstGeom prst="rect">
             <a:avLst/>
@@ -5589,7 +6834,7 @@
         </p:nvCxnSpPr>
         <p:spPr>
           <a:xfrm>
-            <a:off x="1919341" y="1676734"/>
+            <a:off x="4214304" y="2214615"/>
             <a:ext cx="0" cy="221974"/>
           </a:xfrm>
           <a:prstGeom prst="straightConnector1">
@@ -5622,8 +6867,8 @@
         </p:nvSpPr>
         <p:spPr>
           <a:xfrm>
-            <a:off x="1138606" y="1915129"/>
-            <a:ext cx="1530466" cy="384313"/>
+            <a:off x="2892563" y="2453010"/>
+            <a:ext cx="2700000" cy="384313"/>
           </a:xfrm>
           <a:prstGeom prst="rect">
             <a:avLst/>
@@ -5689,52 +6934,98 @@
           </a:p>
         </p:txBody>
       </p:sp>
-      <p:sp>
-        <p:nvSpPr>
-          <p:cNvPr id="4" name="TextBox 3"/>
-          <p:cNvSpPr txBox="1"/>
-          <p:nvPr/>
-        </p:nvSpPr>
-        <p:spPr>
-          <a:xfrm>
-            <a:off x="1081281" y="217969"/>
-            <a:ext cx="2008836" cy="369332"/>
-          </a:xfrm>
-          <a:prstGeom prst="rect">
-            <a:avLst/>
-          </a:prstGeom>
-          <a:noFill/>
-        </p:spPr>
-        <p:txBody>
-          <a:bodyPr wrap="square" rtlCol="0">
-            <a:spAutoFit/>
-          </a:bodyPr>
-          <a:lstStyle/>
-          <a:p>
-            <a:r>
-              <a:rPr lang="en-US" altLang="zh-CN" dirty="0">
-                <a:latin typeface="Times" panose="00000500000000020000" pitchFamily="2" charset="0"/>
-              </a:rPr>
-              <a:t>Layer</a:t>
-            </a:r>
-            <a:r>
-              <a:rPr lang="zh-CN" altLang="en-US" dirty="0">
-                <a:latin typeface="Times" panose="00000500000000020000" pitchFamily="2" charset="0"/>
-              </a:rPr>
-              <a:t> </a:t>
-            </a:r>
-            <a:r>
-              <a:rPr lang="en-US" altLang="zh-CN" dirty="0" err="1">
-                <a:latin typeface="Times" panose="00000500000000020000" pitchFamily="2" charset="0"/>
-              </a:rPr>
-              <a:t>i</a:t>
-            </a:r>
-            <a:endParaRPr lang="en-US" dirty="0">
-              <a:latin typeface="Times" panose="00000500000000020000" pitchFamily="2" charset="0"/>
-            </a:endParaRPr>
-          </a:p>
-        </p:txBody>
-      </p:sp>
+      <mc:AlternateContent xmlns:mc="http://schemas.openxmlformats.org/markup-compatibility/2006" xmlns:a14="http://schemas.microsoft.com/office/drawing/2010/main">
+        <mc:Choice Requires="a14">
+          <p:sp>
+            <p:nvSpPr>
+              <p:cNvPr id="4" name="TextBox 3"/>
+              <p:cNvSpPr txBox="1"/>
+              <p:nvPr/>
+            </p:nvSpPr>
+            <p:spPr>
+              <a:xfrm>
+                <a:off x="3376244" y="702063"/>
+                <a:ext cx="2008836" cy="369332"/>
+              </a:xfrm>
+              <a:prstGeom prst="rect">
+                <a:avLst/>
+              </a:prstGeom>
+              <a:noFill/>
+            </p:spPr>
+            <p:txBody>
+              <a:bodyPr wrap="square" rtlCol="0">
+                <a:spAutoFit/>
+              </a:bodyPr>
+              <a:lstStyle/>
+              <a:p>
+                <a:r>
+                  <a:rPr lang="en-US" altLang="zh-CN" dirty="0">
+                    <a:latin typeface="Times" panose="00000500000000020000" pitchFamily="2" charset="0"/>
+                  </a:rPr>
+                  <a:t>DownConv2d</a:t>
+                </a:r>
+                <a:r>
+                  <a:rPr lang="zh-CN" altLang="en-US" dirty="0">
+                    <a:latin typeface="Times" panose="00000500000000020000" pitchFamily="2" charset="0"/>
+                  </a:rPr>
+                  <a:t>  </a:t>
+                </a:r>
+                <a14:m>
+                  <m:oMath xmlns:m="http://schemas.openxmlformats.org/officeDocument/2006/math">
+                    <m:r>
+                      <a:rPr lang="en-US" altLang="zh-CN" i="1" dirty="0" smtClean="0">
+                        <a:latin typeface="Cambria Math" panose="02040503050406030204" pitchFamily="18" charset="0"/>
+                      </a:rPr>
+                      <m:t>𝑖</m:t>
+                    </m:r>
+                  </m:oMath>
+                </a14:m>
+                <a:endParaRPr lang="en-US" dirty="0">
+                  <a:latin typeface="Times" panose="00000500000000020000" pitchFamily="2" charset="0"/>
+                </a:endParaRPr>
+              </a:p>
+            </p:txBody>
+          </p:sp>
+        </mc:Choice>
+        <mc:Fallback xmlns="">
+          <p:sp>
+            <p:nvSpPr>
+              <p:cNvPr id="4" name="TextBox 3"/>
+              <p:cNvSpPr txBox="1">
+                <a:spLocks noRot="1" noChangeAspect="1" noMove="1" noResize="1" noEditPoints="1" noAdjustHandles="1" noChangeArrowheads="1" noChangeShapeType="1" noTextEdit="1"/>
+              </p:cNvSpPr>
+              <p:nvPr/>
+            </p:nvSpPr>
+            <p:spPr>
+              <a:xfrm>
+                <a:off x="3376244" y="702063"/>
+                <a:ext cx="2008836" cy="369332"/>
+              </a:xfrm>
+              <a:prstGeom prst="rect">
+                <a:avLst/>
+              </a:prstGeom>
+              <a:blipFill>
+                <a:blip r:embed="rId10"/>
+                <a:stretch>
+                  <a:fillRect l="-2516" t="-3333" b="-23333"/>
+                </a:stretch>
+              </a:blipFill>
+            </p:spPr>
+            <p:txBody>
+              <a:bodyPr/>
+              <a:lstStyle/>
+              <a:p>
+                <a:r>
+                  <a:rPr lang="zh-CN" altLang="en-US">
+                    <a:noFill/>
+                  </a:rPr>
+                  <a:t> </a:t>
+                </a:r>
+              </a:p>
+            </p:txBody>
+          </p:sp>
+        </mc:Fallback>
+      </mc:AlternateContent>
       <p:sp>
         <p:nvSpPr>
           <p:cNvPr id="6" name="文本框 5">
@@ -5749,7 +7040,7 @@
         </p:nvSpPr>
         <p:spPr>
           <a:xfrm>
-            <a:off x="4913056" y="105098"/>
+            <a:off x="8767863" y="589187"/>
             <a:ext cx="748923" cy="369332"/>
           </a:xfrm>
           <a:prstGeom prst="rect">
@@ -5789,7 +7080,7 @@
         </p:nvSpPr>
         <p:spPr>
           <a:xfrm>
-            <a:off x="5094783" y="2219258"/>
+            <a:off x="8962023" y="2219258"/>
             <a:ext cx="461665" cy="260649"/>
           </a:xfrm>
           <a:prstGeom prst="rect">
@@ -5825,7 +7116,7 @@
         </p:nvSpPr>
         <p:spPr>
           <a:xfrm>
-            <a:off x="5075732" y="3765393"/>
+            <a:off x="8962023" y="3765393"/>
             <a:ext cx="461665" cy="260649"/>
           </a:xfrm>
           <a:prstGeom prst="rect">
@@ -5844,6 +7135,749 @@
               <a:t>...</a:t>
             </a:r>
             <a:endParaRPr kumimoji="1" lang="zh-CN" altLang="en-US" b="1" dirty="0"/>
+          </a:p>
+        </p:txBody>
+      </p:sp>
+      <p:sp>
+        <p:nvSpPr>
+          <p:cNvPr id="44" name="Rectangle 1">
+            <a:extLst>
+              <a:ext uri="{FF2B5EF4-FFF2-40B4-BE49-F238E27FC236}">
+                <a16:creationId xmlns:a16="http://schemas.microsoft.com/office/drawing/2014/main" id="{5405B3AA-2494-1345-BCC8-04CE5CDA9E3F}"/>
+              </a:ext>
+            </a:extLst>
+          </p:cNvPr>
+          <p:cNvSpPr/>
+          <p:nvPr/>
+        </p:nvSpPr>
+        <p:spPr>
+          <a:xfrm>
+            <a:off x="2585265" y="3544423"/>
+            <a:ext cx="3258078" cy="2487600"/>
+          </a:xfrm>
+          <a:prstGeom prst="rect">
+            <a:avLst/>
+          </a:prstGeom>
+          <a:solidFill>
+            <a:schemeClr val="bg1"/>
+          </a:solidFill>
+        </p:spPr>
+        <p:style>
+          <a:lnRef idx="2">
+            <a:schemeClr val="accent1">
+              <a:shade val="50000"/>
+            </a:schemeClr>
+          </a:lnRef>
+          <a:fillRef idx="1">
+            <a:schemeClr val="accent1"/>
+          </a:fillRef>
+          <a:effectRef idx="0">
+            <a:schemeClr val="accent1"/>
+          </a:effectRef>
+          <a:fontRef idx="minor">
+            <a:schemeClr val="lt1"/>
+          </a:fontRef>
+        </p:style>
+        <p:txBody>
+          <a:bodyPr rtlCol="0" anchor="ctr"/>
+          <a:lstStyle/>
+          <a:p>
+            <a:pPr algn="ctr"/>
+            <a:endParaRPr lang="en-US" dirty="0"/>
+          </a:p>
+        </p:txBody>
+      </p:sp>
+      <mc:AlternateContent xmlns:mc="http://schemas.openxmlformats.org/markup-compatibility/2006" xmlns:a14="http://schemas.microsoft.com/office/drawing/2010/main">
+        <mc:Choice Requires="a14">
+          <p:sp>
+            <p:nvSpPr>
+              <p:cNvPr id="45" name="Rectangle 38">
+                <a:extLst>
+                  <a:ext uri="{FF2B5EF4-FFF2-40B4-BE49-F238E27FC236}">
+                    <a16:creationId xmlns:a16="http://schemas.microsoft.com/office/drawing/2014/main" id="{84F1C6E9-6B4F-6642-B02E-0203E4F1C421}"/>
+                  </a:ext>
+                </a:extLst>
+              </p:cNvPr>
+              <p:cNvSpPr/>
+              <p:nvPr/>
+            </p:nvSpPr>
+            <p:spPr>
+              <a:xfrm>
+                <a:off x="2892563" y="4090936"/>
+                <a:ext cx="2700000" cy="384313"/>
+              </a:xfrm>
+              <a:prstGeom prst="rect">
+                <a:avLst/>
+              </a:prstGeom>
+              <a:solidFill>
+                <a:schemeClr val="bg1"/>
+              </a:solidFill>
+            </p:spPr>
+            <p:style>
+              <a:lnRef idx="2">
+                <a:schemeClr val="accent1">
+                  <a:shade val="50000"/>
+                </a:schemeClr>
+              </a:lnRef>
+              <a:fillRef idx="1">
+                <a:schemeClr val="accent1"/>
+              </a:fillRef>
+              <a:effectRef idx="0">
+                <a:schemeClr val="accent1"/>
+              </a:effectRef>
+              <a:fontRef idx="minor">
+                <a:schemeClr val="lt1"/>
+              </a:fontRef>
+            </p:style>
+            <p:txBody>
+              <a:bodyPr rtlCol="0" anchor="ctr"/>
+              <a:lstStyle/>
+              <a:p>
+                <a:pPr algn="ctr"/>
+                <a14:m>
+                  <m:oMath xmlns:m="http://schemas.openxmlformats.org/officeDocument/2006/math">
+                    <m:r>
+                      <a:rPr lang="en-US" altLang="zh-CN" i="1">
+                        <a:solidFill>
+                          <a:schemeClr val="tx1"/>
+                        </a:solidFill>
+                        <a:latin typeface="Cambria Math" panose="02040503050406030204" pitchFamily="18" charset="0"/>
+                      </a:rPr>
+                      <m:t>3×3</m:t>
+                    </m:r>
+                  </m:oMath>
+                </a14:m>
+                <a:r>
+                  <a:rPr lang="zh-CN" altLang="en-US" dirty="0">
+                    <a:solidFill>
+                      <a:schemeClr val="tx1"/>
+                    </a:solidFill>
+                    <a:latin typeface="Times" panose="00000500000000020000" pitchFamily="2" charset="0"/>
+                  </a:rPr>
+                  <a:t>  </a:t>
+                </a:r>
+                <a:r>
+                  <a:rPr lang="en-US" altLang="zh-CN" dirty="0">
+                    <a:solidFill>
+                      <a:schemeClr val="tx1"/>
+                    </a:solidFill>
+                    <a:latin typeface="Times" panose="00000500000000020000" pitchFamily="2" charset="0"/>
+                  </a:rPr>
+                  <a:t>Conv2d,</a:t>
+                </a:r>
+                <a:r>
+                  <a:rPr lang="zh-CN" altLang="en-US" dirty="0">
+                    <a:solidFill>
+                      <a:schemeClr val="tx1"/>
+                    </a:solidFill>
+                    <a:latin typeface="Times" panose="00000500000000020000" pitchFamily="2" charset="0"/>
+                  </a:rPr>
+                  <a:t> </a:t>
+                </a:r>
+                <a:r>
+                  <a:rPr lang="en-US" altLang="zh-CN" dirty="0">
+                    <a:solidFill>
+                      <a:schemeClr val="tx1"/>
+                    </a:solidFill>
+                    <a:latin typeface="Times" panose="00000500000000020000" pitchFamily="2" charset="0"/>
+                  </a:rPr>
+                  <a:t>stride=1</a:t>
+                </a:r>
+                <a:endParaRPr lang="en-US" dirty="0">
+                  <a:solidFill>
+                    <a:schemeClr val="tx1"/>
+                  </a:solidFill>
+                  <a:latin typeface="Times" panose="00000500000000020000" pitchFamily="2" charset="0"/>
+                </a:endParaRPr>
+              </a:p>
+            </p:txBody>
+          </p:sp>
+        </mc:Choice>
+        <mc:Fallback xmlns="">
+          <p:sp>
+            <p:nvSpPr>
+              <p:cNvPr id="45" name="Rectangle 38">
+                <a:extLst>
+                  <a:ext uri="{FF2B5EF4-FFF2-40B4-BE49-F238E27FC236}">
+                    <a16:creationId xmlns:a16="http://schemas.microsoft.com/office/drawing/2014/main" id="{84F1C6E9-6B4F-6642-B02E-0203E4F1C421}"/>
+                  </a:ext>
+                </a:extLst>
+              </p:cNvPr>
+              <p:cNvSpPr>
+                <a:spLocks noRot="1" noChangeAspect="1" noMove="1" noResize="1" noEditPoints="1" noAdjustHandles="1" noChangeArrowheads="1" noChangeShapeType="1" noTextEdit="1"/>
+              </p:cNvSpPr>
+              <p:nvPr/>
+            </p:nvSpPr>
+            <p:spPr>
+              <a:xfrm>
+                <a:off x="2892563" y="4090936"/>
+                <a:ext cx="2700000" cy="384313"/>
+              </a:xfrm>
+              <a:prstGeom prst="rect">
+                <a:avLst/>
+              </a:prstGeom>
+              <a:blipFill>
+                <a:blip r:embed="rId11"/>
+                <a:stretch>
+                  <a:fillRect t="-3125" b="-15625"/>
+                </a:stretch>
+              </a:blipFill>
+            </p:spPr>
+            <p:txBody>
+              <a:bodyPr/>
+              <a:lstStyle/>
+              <a:p>
+                <a:r>
+                  <a:rPr lang="zh-CN" altLang="en-US">
+                    <a:noFill/>
+                  </a:rPr>
+                  <a:t> </a:t>
+                </a:r>
+              </a:p>
+            </p:txBody>
+          </p:sp>
+        </mc:Fallback>
+      </mc:AlternateContent>
+      <p:cxnSp>
+        <p:nvCxnSpPr>
+          <p:cNvPr id="46" name="Straight Arrow Connector 39">
+            <a:extLst>
+              <a:ext uri="{FF2B5EF4-FFF2-40B4-BE49-F238E27FC236}">
+                <a16:creationId xmlns:a16="http://schemas.microsoft.com/office/drawing/2014/main" id="{5EF4957C-E738-0844-A66D-992093F24BD7}"/>
+              </a:ext>
+            </a:extLst>
+          </p:cNvPr>
+          <p:cNvCxnSpPr/>
+          <p:nvPr/>
+        </p:nvCxnSpPr>
+        <p:spPr>
+          <a:xfrm>
+            <a:off x="4223270" y="4480155"/>
+            <a:ext cx="0" cy="221974"/>
+          </a:xfrm>
+          <a:prstGeom prst="straightConnector1">
+            <a:avLst/>
+          </a:prstGeom>
+          <a:ln>
+            <a:tailEnd type="triangle"/>
+          </a:ln>
+        </p:spPr>
+        <p:style>
+          <a:lnRef idx="1">
+            <a:schemeClr val="accent1"/>
+          </a:lnRef>
+          <a:fillRef idx="0">
+            <a:schemeClr val="accent1"/>
+          </a:fillRef>
+          <a:effectRef idx="0">
+            <a:schemeClr val="accent1"/>
+          </a:effectRef>
+          <a:fontRef idx="minor">
+            <a:schemeClr val="tx1"/>
+          </a:fontRef>
+        </p:style>
+      </p:cxnSp>
+      <p:sp>
+        <p:nvSpPr>
+          <p:cNvPr id="47" name="Rectangle 40">
+            <a:extLst>
+              <a:ext uri="{FF2B5EF4-FFF2-40B4-BE49-F238E27FC236}">
+                <a16:creationId xmlns:a16="http://schemas.microsoft.com/office/drawing/2014/main" id="{DB0E3D57-EAC2-B645-A659-9637251F581F}"/>
+              </a:ext>
+            </a:extLst>
+          </p:cNvPr>
+          <p:cNvSpPr/>
+          <p:nvPr/>
+        </p:nvSpPr>
+        <p:spPr>
+          <a:xfrm>
+            <a:off x="2892563" y="4702131"/>
+            <a:ext cx="2700000" cy="384313"/>
+          </a:xfrm>
+          <a:prstGeom prst="rect">
+            <a:avLst/>
+          </a:prstGeom>
+          <a:solidFill>
+            <a:schemeClr val="bg1"/>
+          </a:solidFill>
+        </p:spPr>
+        <p:style>
+          <a:lnRef idx="2">
+            <a:schemeClr val="accent1">
+              <a:shade val="50000"/>
+            </a:schemeClr>
+          </a:lnRef>
+          <a:fillRef idx="1">
+            <a:schemeClr val="accent1"/>
+          </a:fillRef>
+          <a:effectRef idx="0">
+            <a:schemeClr val="accent1"/>
+          </a:effectRef>
+          <a:fontRef idx="minor">
+            <a:schemeClr val="lt1"/>
+          </a:fontRef>
+        </p:style>
+        <p:txBody>
+          <a:bodyPr rtlCol="0" anchor="ctr"/>
+          <a:lstStyle/>
+          <a:p>
+            <a:pPr algn="ctr"/>
+            <a:r>
+              <a:rPr lang="en-US" altLang="zh-CN" dirty="0">
+                <a:solidFill>
+                  <a:schemeClr val="tx1"/>
+                </a:solidFill>
+                <a:latin typeface="Times" panose="00000500000000020000" pitchFamily="2" charset="0"/>
+              </a:rPr>
+              <a:t>BatchNorm2d</a:t>
+            </a:r>
+            <a:endParaRPr lang="en-US" dirty="0">
+              <a:solidFill>
+                <a:schemeClr val="tx1"/>
+              </a:solidFill>
+              <a:latin typeface="Times" panose="00000500000000020000" pitchFamily="2" charset="0"/>
+            </a:endParaRPr>
+          </a:p>
+        </p:txBody>
+      </p:sp>
+      <p:cxnSp>
+        <p:nvCxnSpPr>
+          <p:cNvPr id="48" name="Straight Arrow Connector 41">
+            <a:extLst>
+              <a:ext uri="{FF2B5EF4-FFF2-40B4-BE49-F238E27FC236}">
+                <a16:creationId xmlns:a16="http://schemas.microsoft.com/office/drawing/2014/main" id="{BCC45D8E-0AA2-BA46-BD53-84D3F43C2A4E}"/>
+              </a:ext>
+            </a:extLst>
+          </p:cNvPr>
+          <p:cNvCxnSpPr/>
+          <p:nvPr/>
+        </p:nvCxnSpPr>
+        <p:spPr>
+          <a:xfrm>
+            <a:off x="4223270" y="5092279"/>
+            <a:ext cx="0" cy="221974"/>
+          </a:xfrm>
+          <a:prstGeom prst="straightConnector1">
+            <a:avLst/>
+          </a:prstGeom>
+          <a:ln>
+            <a:tailEnd type="triangle"/>
+          </a:ln>
+        </p:spPr>
+        <p:style>
+          <a:lnRef idx="1">
+            <a:schemeClr val="accent1"/>
+          </a:lnRef>
+          <a:fillRef idx="0">
+            <a:schemeClr val="accent1"/>
+          </a:fillRef>
+          <a:effectRef idx="0">
+            <a:schemeClr val="accent1"/>
+          </a:effectRef>
+          <a:fontRef idx="minor">
+            <a:schemeClr val="tx1"/>
+          </a:fontRef>
+        </p:style>
+      </p:cxnSp>
+      <p:sp>
+        <p:nvSpPr>
+          <p:cNvPr id="49" name="Rectangle 42">
+            <a:extLst>
+              <a:ext uri="{FF2B5EF4-FFF2-40B4-BE49-F238E27FC236}">
+                <a16:creationId xmlns:a16="http://schemas.microsoft.com/office/drawing/2014/main" id="{C4AEA934-3CAD-5E48-8E79-CF37480898AF}"/>
+              </a:ext>
+            </a:extLst>
+          </p:cNvPr>
+          <p:cNvSpPr/>
+          <p:nvPr/>
+        </p:nvSpPr>
+        <p:spPr>
+          <a:xfrm>
+            <a:off x="2892563" y="5330674"/>
+            <a:ext cx="2700000" cy="384313"/>
+          </a:xfrm>
+          <a:prstGeom prst="rect">
+            <a:avLst/>
+          </a:prstGeom>
+          <a:solidFill>
+            <a:schemeClr val="bg1"/>
+          </a:solidFill>
+        </p:spPr>
+        <p:style>
+          <a:lnRef idx="2">
+            <a:schemeClr val="accent1">
+              <a:shade val="50000"/>
+            </a:schemeClr>
+          </a:lnRef>
+          <a:fillRef idx="1">
+            <a:schemeClr val="accent1"/>
+          </a:fillRef>
+          <a:effectRef idx="0">
+            <a:schemeClr val="accent1"/>
+          </a:effectRef>
+          <a:fontRef idx="minor">
+            <a:schemeClr val="lt1"/>
+          </a:fontRef>
+        </p:style>
+        <p:txBody>
+          <a:bodyPr rtlCol="0" anchor="ctr"/>
+          <a:lstStyle/>
+          <a:p>
+            <a:pPr algn="ctr"/>
+            <a:r>
+              <a:rPr lang="en-US" altLang="zh-CN" dirty="0">
+                <a:solidFill>
+                  <a:schemeClr val="tx1"/>
+                </a:solidFill>
+                <a:latin typeface="Times" panose="00000500000000020000" pitchFamily="2" charset="0"/>
+              </a:rPr>
+              <a:t>Leaky</a:t>
+            </a:r>
+            <a:r>
+              <a:rPr lang="zh-CN" altLang="en-US" dirty="0">
+                <a:solidFill>
+                  <a:schemeClr val="tx1"/>
+                </a:solidFill>
+                <a:latin typeface="Times" panose="00000500000000020000" pitchFamily="2" charset="0"/>
+              </a:rPr>
+              <a:t> </a:t>
+            </a:r>
+            <a:r>
+              <a:rPr lang="en-US" altLang="zh-CN" dirty="0" err="1">
+                <a:solidFill>
+                  <a:schemeClr val="tx1"/>
+                </a:solidFill>
+                <a:latin typeface="Times" panose="00000500000000020000" pitchFamily="2" charset="0"/>
+              </a:rPr>
+              <a:t>ReLU</a:t>
+            </a:r>
+            <a:endParaRPr lang="en-US" dirty="0">
+              <a:solidFill>
+                <a:schemeClr val="tx1"/>
+              </a:solidFill>
+              <a:latin typeface="Times" panose="00000500000000020000" pitchFamily="2" charset="0"/>
+            </a:endParaRPr>
+          </a:p>
+        </p:txBody>
+      </p:sp>
+      <mc:AlternateContent xmlns:mc="http://schemas.openxmlformats.org/markup-compatibility/2006" xmlns:a14="http://schemas.microsoft.com/office/drawing/2010/main">
+        <mc:Choice Requires="a14">
+          <p:sp>
+            <p:nvSpPr>
+              <p:cNvPr id="50" name="TextBox 3">
+                <a:extLst>
+                  <a:ext uri="{FF2B5EF4-FFF2-40B4-BE49-F238E27FC236}">
+                    <a16:creationId xmlns:a16="http://schemas.microsoft.com/office/drawing/2014/main" id="{5F339DC7-5A67-A74C-B8F9-07EBD0AFDA27}"/>
+                  </a:ext>
+                </a:extLst>
+              </p:cNvPr>
+              <p:cNvSpPr txBox="1"/>
+              <p:nvPr/>
+            </p:nvSpPr>
+            <p:spPr>
+              <a:xfrm>
+                <a:off x="3385210" y="3579727"/>
+                <a:ext cx="2008836" cy="369332"/>
+              </a:xfrm>
+              <a:prstGeom prst="rect">
+                <a:avLst/>
+              </a:prstGeom>
+              <a:noFill/>
+            </p:spPr>
+            <p:txBody>
+              <a:bodyPr wrap="square" rtlCol="0">
+                <a:spAutoFit/>
+              </a:bodyPr>
+              <a:lstStyle/>
+              <a:p>
+                <a:r>
+                  <a:rPr lang="en-US" altLang="zh-CN" dirty="0">
+                    <a:latin typeface="Times" panose="00000500000000020000" pitchFamily="2" charset="0"/>
+                  </a:rPr>
+                  <a:t>Conv2dBlock</a:t>
+                </a:r>
+                <a:r>
+                  <a:rPr lang="zh-CN" altLang="en-US" dirty="0">
+                    <a:latin typeface="Times" panose="00000500000000020000" pitchFamily="2" charset="0"/>
+                  </a:rPr>
+                  <a:t>  </a:t>
+                </a:r>
+                <a14:m>
+                  <m:oMath xmlns:m="http://schemas.openxmlformats.org/officeDocument/2006/math">
+                    <m:r>
+                      <a:rPr lang="en-US" altLang="zh-CN" b="0" i="1" smtClean="0">
+                        <a:latin typeface="Cambria Math" panose="02040503050406030204" pitchFamily="18" charset="0"/>
+                      </a:rPr>
+                      <m:t>𝑗</m:t>
+                    </m:r>
+                  </m:oMath>
+                </a14:m>
+                <a:endParaRPr lang="en-US" dirty="0">
+                  <a:latin typeface="Times" panose="00000500000000020000" pitchFamily="2" charset="0"/>
+                </a:endParaRPr>
+              </a:p>
+            </p:txBody>
+          </p:sp>
+        </mc:Choice>
+        <mc:Fallback xmlns="">
+          <p:sp>
+            <p:nvSpPr>
+              <p:cNvPr id="50" name="TextBox 3">
+                <a:extLst>
+                  <a:ext uri="{FF2B5EF4-FFF2-40B4-BE49-F238E27FC236}">
+                    <a16:creationId xmlns:a16="http://schemas.microsoft.com/office/drawing/2014/main" id="{5F339DC7-5A67-A74C-B8F9-07EBD0AFDA27}"/>
+                  </a:ext>
+                </a:extLst>
+              </p:cNvPr>
+              <p:cNvSpPr txBox="1">
+                <a:spLocks noRot="1" noChangeAspect="1" noMove="1" noResize="1" noEditPoints="1" noAdjustHandles="1" noChangeArrowheads="1" noChangeShapeType="1" noTextEdit="1"/>
+              </p:cNvSpPr>
+              <p:nvPr/>
+            </p:nvSpPr>
+            <p:spPr>
+              <a:xfrm>
+                <a:off x="3385210" y="3579727"/>
+                <a:ext cx="2008836" cy="369332"/>
+              </a:xfrm>
+              <a:prstGeom prst="rect">
+                <a:avLst/>
+              </a:prstGeom>
+              <a:blipFill>
+                <a:blip r:embed="rId12"/>
+                <a:stretch>
+                  <a:fillRect l="-2516" t="-6667" b="-20000"/>
+                </a:stretch>
+              </a:blipFill>
+            </p:spPr>
+            <p:txBody>
+              <a:bodyPr/>
+              <a:lstStyle/>
+              <a:p>
+                <a:r>
+                  <a:rPr lang="zh-CN" altLang="en-US">
+                    <a:noFill/>
+                  </a:rPr>
+                  <a:t> </a:t>
+                </a:r>
+              </a:p>
+            </p:txBody>
+          </p:sp>
+        </mc:Fallback>
+      </mc:AlternateContent>
+      <p:sp>
+        <p:nvSpPr>
+          <p:cNvPr id="52" name="Rectangle 40">
+            <a:extLst>
+              <a:ext uri="{FF2B5EF4-FFF2-40B4-BE49-F238E27FC236}">
+                <a16:creationId xmlns:a16="http://schemas.microsoft.com/office/drawing/2014/main" id="{00245FB0-4BDF-8A45-9400-9CEDF9AB9F45}"/>
+              </a:ext>
+            </a:extLst>
+          </p:cNvPr>
+          <p:cNvSpPr/>
+          <p:nvPr/>
+        </p:nvSpPr>
+        <p:spPr>
+          <a:xfrm>
+            <a:off x="2585265" y="6307507"/>
+            <a:ext cx="4475229" cy="1091342"/>
+          </a:xfrm>
+          <a:prstGeom prst="rect">
+            <a:avLst/>
+          </a:prstGeom>
+          <a:solidFill>
+            <a:schemeClr val="bg1"/>
+          </a:solidFill>
+        </p:spPr>
+        <p:style>
+          <a:lnRef idx="2">
+            <a:schemeClr val="accent1">
+              <a:shade val="50000"/>
+            </a:schemeClr>
+          </a:lnRef>
+          <a:fillRef idx="1">
+            <a:schemeClr val="accent1"/>
+          </a:fillRef>
+          <a:effectRef idx="0">
+            <a:schemeClr val="accent1"/>
+          </a:effectRef>
+          <a:fontRef idx="minor">
+            <a:schemeClr val="lt1"/>
+          </a:fontRef>
+        </p:style>
+        <p:txBody>
+          <a:bodyPr rtlCol="0" anchor="ctr"/>
+          <a:lstStyle/>
+          <a:p>
+            <a:r>
+              <a:rPr lang="en-US" altLang="zh-CN" dirty="0">
+                <a:solidFill>
+                  <a:schemeClr val="tx1"/>
+                </a:solidFill>
+                <a:latin typeface="Times" panose="00000500000000020000" pitchFamily="2" charset="0"/>
+              </a:rPr>
+              <a:t>DownConv2d</a:t>
+            </a:r>
+            <a:r>
+              <a:rPr lang="zh-CN" altLang="en-US" dirty="0">
+                <a:solidFill>
+                  <a:schemeClr val="tx1"/>
+                </a:solidFill>
+                <a:latin typeface="Times" panose="00000500000000020000" pitchFamily="2" charset="0"/>
+              </a:rPr>
+              <a:t> </a:t>
+            </a:r>
+            <a:r>
+              <a:rPr lang="en-US" altLang="zh-CN" dirty="0">
+                <a:solidFill>
+                  <a:schemeClr val="tx1"/>
+                </a:solidFill>
+                <a:latin typeface="Times" panose="00000500000000020000" pitchFamily="2" charset="0"/>
+              </a:rPr>
+              <a:t>block</a:t>
+            </a:r>
+            <a:r>
+              <a:rPr lang="zh-CN" altLang="en-US" dirty="0">
+                <a:solidFill>
+                  <a:schemeClr val="tx1"/>
+                </a:solidFill>
+                <a:latin typeface="Times" panose="00000500000000020000" pitchFamily="2" charset="0"/>
+              </a:rPr>
+              <a:t> </a:t>
+            </a:r>
+            <a:r>
+              <a:rPr lang="en-US" altLang="zh-CN" dirty="0">
+                <a:solidFill>
+                  <a:schemeClr val="tx1"/>
+                </a:solidFill>
+                <a:latin typeface="Times" panose="00000500000000020000" pitchFamily="2" charset="0"/>
+              </a:rPr>
+              <a:t>to</a:t>
+            </a:r>
+            <a:r>
+              <a:rPr lang="zh-CN" altLang="en-US" dirty="0">
+                <a:solidFill>
+                  <a:schemeClr val="tx1"/>
+                </a:solidFill>
+                <a:latin typeface="Times" panose="00000500000000020000" pitchFamily="2" charset="0"/>
+              </a:rPr>
+              <a:t> </a:t>
+            </a:r>
+            <a:r>
+              <a:rPr lang="en-US" altLang="zh-CN" dirty="0" err="1">
+                <a:solidFill>
+                  <a:schemeClr val="tx1"/>
+                </a:solidFill>
+                <a:latin typeface="Times" panose="00000500000000020000" pitchFamily="2" charset="0"/>
+              </a:rPr>
+              <a:t>downsample</a:t>
+            </a:r>
+            <a:r>
+              <a:rPr lang="en-US" altLang="zh-CN" dirty="0">
+                <a:solidFill>
+                  <a:schemeClr val="tx1"/>
+                </a:solidFill>
+                <a:latin typeface="Times" panose="00000500000000020000" pitchFamily="2" charset="0"/>
+              </a:rPr>
+              <a:t>.</a:t>
+            </a:r>
+          </a:p>
+          <a:p>
+            <a:r>
+              <a:rPr lang="en-US" dirty="0">
+                <a:solidFill>
+                  <a:schemeClr val="tx1"/>
+                </a:solidFill>
+                <a:latin typeface="Times" panose="00000500000000020000" pitchFamily="2" charset="0"/>
+              </a:rPr>
+              <a:t>Conv</a:t>
+            </a:r>
+            <a:r>
+              <a:rPr lang="en-US" altLang="zh-CN" dirty="0">
+                <a:solidFill>
+                  <a:schemeClr val="tx1"/>
+                </a:solidFill>
+                <a:latin typeface="Times" panose="00000500000000020000" pitchFamily="2" charset="0"/>
+              </a:rPr>
+              <a:t>2dBlock</a:t>
+            </a:r>
+            <a:r>
+              <a:rPr lang="zh-CN" altLang="en-US" dirty="0">
+                <a:solidFill>
+                  <a:schemeClr val="tx1"/>
+                </a:solidFill>
+                <a:latin typeface="Times" panose="00000500000000020000" pitchFamily="2" charset="0"/>
+              </a:rPr>
+              <a:t> </a:t>
+            </a:r>
+            <a:r>
+              <a:rPr lang="en-US" altLang="zh-CN" dirty="0">
+                <a:solidFill>
+                  <a:schemeClr val="tx1"/>
+                </a:solidFill>
+                <a:latin typeface="Times" panose="00000500000000020000" pitchFamily="2" charset="0"/>
+              </a:rPr>
+              <a:t>to</a:t>
+            </a:r>
+            <a:r>
+              <a:rPr lang="zh-CN" altLang="en-US" dirty="0">
+                <a:solidFill>
+                  <a:schemeClr val="tx1"/>
+                </a:solidFill>
+                <a:latin typeface="Times" panose="00000500000000020000" pitchFamily="2" charset="0"/>
+              </a:rPr>
+              <a:t> </a:t>
+            </a:r>
+            <a:r>
+              <a:rPr lang="en-US" altLang="zh-CN" dirty="0">
+                <a:solidFill>
+                  <a:schemeClr val="tx1"/>
+                </a:solidFill>
+                <a:latin typeface="Times" panose="00000500000000020000" pitchFamily="2" charset="0"/>
+              </a:rPr>
+              <a:t>capture</a:t>
+            </a:r>
+            <a:r>
+              <a:rPr lang="zh-CN" altLang="en-US" dirty="0">
+                <a:solidFill>
+                  <a:schemeClr val="tx1"/>
+                </a:solidFill>
+                <a:latin typeface="Times" panose="00000500000000020000" pitchFamily="2" charset="0"/>
+              </a:rPr>
+              <a:t> </a:t>
+            </a:r>
+            <a:r>
+              <a:rPr lang="en-US" altLang="zh-CN" dirty="0">
+                <a:solidFill>
+                  <a:schemeClr val="tx1"/>
+                </a:solidFill>
+                <a:latin typeface="Times" panose="00000500000000020000" pitchFamily="2" charset="0"/>
+              </a:rPr>
+              <a:t>elaborated</a:t>
+            </a:r>
+            <a:r>
+              <a:rPr lang="zh-CN" altLang="en-US" dirty="0">
+                <a:solidFill>
+                  <a:schemeClr val="tx1"/>
+                </a:solidFill>
+                <a:latin typeface="Times" panose="00000500000000020000" pitchFamily="2" charset="0"/>
+              </a:rPr>
+              <a:t> </a:t>
+            </a:r>
+            <a:r>
+              <a:rPr lang="en-US" altLang="zh-CN" dirty="0">
+                <a:solidFill>
+                  <a:schemeClr val="tx1"/>
+                </a:solidFill>
+                <a:latin typeface="Times" panose="00000500000000020000" pitchFamily="2" charset="0"/>
+              </a:rPr>
+              <a:t>features.</a:t>
+            </a:r>
+            <a:endParaRPr lang="en-US" dirty="0">
+              <a:solidFill>
+                <a:schemeClr val="tx1"/>
+              </a:solidFill>
+              <a:latin typeface="Times" panose="00000500000000020000" pitchFamily="2" charset="0"/>
+            </a:endParaRPr>
           </a:p>
         </p:txBody>
       </p:sp>
@@ -7241,7 +9275,7 @@
         <p:spPr>
           <a:xfrm>
             <a:off x="7279749" y="1614125"/>
-            <a:ext cx="4425854" cy="385200"/>
+            <a:ext cx="4424400" cy="385200"/>
           </a:xfrm>
           <a:prstGeom prst="rect">
             <a:avLst/>
@@ -7766,7 +9800,16 @@
                 </a:solidFill>
                 <a:latin typeface="Times" panose="00000500000000020000" pitchFamily="2" charset="0"/>
               </a:rPr>
-              <a:t>1x3</a:t>
+              <a:t>3</a:t>
+            </a:r>
+            <a:r>
+              <a:rPr lang="en-US" altLang="zh-CN" sz="1600">
+                <a:solidFill>
+                  <a:schemeClr val="tx1"/>
+                </a:solidFill>
+                <a:latin typeface="Times" panose="00000500000000020000" pitchFamily="2" charset="0"/>
+              </a:rPr>
+              <a:t>x3</a:t>
             </a:r>
             <a:r>
               <a:rPr lang="zh-CN" altLang="en-US" sz="1600" dirty="0">
@@ -8733,8 +10776,8 @@
           </a:p>
         </p:txBody>
       </p:sp>
-      <mc:AlternateContent xmlns:mc="http://schemas.openxmlformats.org/markup-compatibility/2006">
-        <mc:Choice xmlns:a14="http://schemas.microsoft.com/office/drawing/2010/main" Requires="a14">
+      <mc:AlternateContent xmlns:mc="http://schemas.openxmlformats.org/markup-compatibility/2006" xmlns:a14="http://schemas.microsoft.com/office/drawing/2010/main">
+        <mc:Choice Requires="a14">
           <p:sp>
             <p:nvSpPr>
               <p:cNvPr id="15" name="文本框 14">
@@ -8792,7 +10835,7 @@
             </p:txBody>
           </p:sp>
         </mc:Choice>
-        <mc:Fallback>
+        <mc:Fallback xmlns="">
           <p:sp>
             <p:nvSpPr>
               <p:cNvPr id="15" name="文本框 14">
@@ -8935,8 +10978,8 @@
           </a:p>
         </p:txBody>
       </p:sp>
-      <mc:AlternateContent xmlns:mc="http://schemas.openxmlformats.org/markup-compatibility/2006">
-        <mc:Choice xmlns:a14="http://schemas.microsoft.com/office/drawing/2010/main" Requires="a14">
+      <mc:AlternateContent xmlns:mc="http://schemas.openxmlformats.org/markup-compatibility/2006" xmlns:a14="http://schemas.microsoft.com/office/drawing/2010/main">
+        <mc:Choice Requires="a14">
           <p:sp>
             <p:nvSpPr>
               <p:cNvPr id="18" name="文本框 17">
@@ -8988,7 +11031,7 @@
             </p:txBody>
           </p:sp>
         </mc:Choice>
-        <mc:Fallback>
+        <mc:Fallback xmlns="">
           <p:sp>
             <p:nvSpPr>
               <p:cNvPr id="18" name="文本框 17">
@@ -10284,8 +12327,8 @@
           </a:p>
         </p:txBody>
       </p:sp>
-      <mc:AlternateContent xmlns:mc="http://schemas.openxmlformats.org/markup-compatibility/2006">
-        <mc:Choice xmlns:a14="http://schemas.microsoft.com/office/drawing/2010/main" Requires="a14">
+      <mc:AlternateContent xmlns:mc="http://schemas.openxmlformats.org/markup-compatibility/2006" xmlns:a14="http://schemas.microsoft.com/office/drawing/2010/main">
+        <mc:Choice Requires="a14">
           <p:sp>
             <p:nvSpPr>
               <p:cNvPr id="50" name="文本框 49">
@@ -10349,7 +12392,7 @@
             </p:txBody>
           </p:sp>
         </mc:Choice>
-        <mc:Fallback>
+        <mc:Fallback xmlns="">
           <p:sp>
             <p:nvSpPr>
               <p:cNvPr id="50" name="文本框 49">
@@ -12264,8 +14307,8 @@
           </a:p>
         </p:txBody>
       </p:sp>
-      <mc:AlternateContent xmlns:mc="http://schemas.openxmlformats.org/markup-compatibility/2006">
-        <mc:Choice xmlns:a14="http://schemas.microsoft.com/office/drawing/2010/main" Requires="a14">
+      <mc:AlternateContent xmlns:mc="http://schemas.openxmlformats.org/markup-compatibility/2006" xmlns:a14="http://schemas.microsoft.com/office/drawing/2010/main">
+        <mc:Choice Requires="a14">
           <p:sp>
             <p:nvSpPr>
               <p:cNvPr id="81" name="文本框 80">
@@ -12329,7 +14372,7 @@
             </p:txBody>
           </p:sp>
         </mc:Choice>
-        <mc:Fallback>
+        <mc:Fallback xmlns="">
           <p:sp>
             <p:nvSpPr>
               <p:cNvPr id="81" name="文本框 80">
@@ -12423,8 +14466,8 @@
           </a:p>
         </p:txBody>
       </p:sp>
-      <mc:AlternateContent xmlns:mc="http://schemas.openxmlformats.org/markup-compatibility/2006">
-        <mc:Choice xmlns:a14="http://schemas.microsoft.com/office/drawing/2010/main" Requires="a14">
+      <mc:AlternateContent xmlns:mc="http://schemas.openxmlformats.org/markup-compatibility/2006" xmlns:a14="http://schemas.microsoft.com/office/drawing/2010/main">
+        <mc:Choice Requires="a14">
           <p:sp>
             <p:nvSpPr>
               <p:cNvPr id="83" name="文本框 82">
@@ -12479,7 +14522,7 @@
             </p:txBody>
           </p:sp>
         </mc:Choice>
-        <mc:Fallback>
+        <mc:Fallback xmlns="">
           <p:sp>
             <p:nvSpPr>
               <p:cNvPr id="83" name="文本框 82">
@@ -16108,6 +18151,2414 @@
 </p:sld>
 </file>
 
+<file path=ppt/slides/slide7.xml><?xml version="1.0" encoding="utf-8"?>
+<p:sld xmlns:a="http://schemas.openxmlformats.org/drawingml/2006/main" xmlns:r="http://schemas.openxmlformats.org/officeDocument/2006/relationships" xmlns:p="http://schemas.openxmlformats.org/presentationml/2006/main">
+  <p:cSld>
+    <p:spTree>
+      <p:nvGrpSpPr>
+        <p:cNvPr id="1" name=""/>
+        <p:cNvGrpSpPr/>
+        <p:nvPr/>
+      </p:nvGrpSpPr>
+      <p:grpSpPr>
+        <a:xfrm>
+          <a:off x="0" y="0"/>
+          <a:ext cx="0" cy="0"/>
+          <a:chOff x="0" y="0"/>
+          <a:chExt cx="0" cy="0"/>
+        </a:xfrm>
+      </p:grpSpPr>
+      <p:pic>
+        <p:nvPicPr>
+          <p:cNvPr id="3" name="图片 2">
+            <a:extLst>
+              <a:ext uri="{FF2B5EF4-FFF2-40B4-BE49-F238E27FC236}">
+                <a16:creationId xmlns:a16="http://schemas.microsoft.com/office/drawing/2014/main" id="{D155340E-BF03-A145-99DD-DE1756D7A37A}"/>
+              </a:ext>
+            </a:extLst>
+          </p:cNvPr>
+          <p:cNvPicPr>
+            <a:picLocks noChangeAspect="1"/>
+          </p:cNvPicPr>
+          <p:nvPr/>
+        </p:nvPicPr>
+        <p:blipFill>
+          <a:blip r:embed="rId2"/>
+          <a:stretch>
+            <a:fillRect/>
+          </a:stretch>
+        </p:blipFill>
+        <p:spPr>
+          <a:xfrm>
+            <a:off x="2578100" y="2209800"/>
+            <a:ext cx="7035800" cy="3517900"/>
+          </a:xfrm>
+          <a:prstGeom prst="rect">
+            <a:avLst/>
+          </a:prstGeom>
+        </p:spPr>
+      </p:pic>
+      <p:sp>
+        <p:nvSpPr>
+          <p:cNvPr id="4" name="矩形 3">
+            <a:extLst>
+              <a:ext uri="{FF2B5EF4-FFF2-40B4-BE49-F238E27FC236}">
+                <a16:creationId xmlns:a16="http://schemas.microsoft.com/office/drawing/2014/main" id="{2A1B1FDD-5C8D-134A-96A5-98FF5D0C7A10}"/>
+              </a:ext>
+            </a:extLst>
+          </p:cNvPr>
+          <p:cNvSpPr/>
+          <p:nvPr/>
+        </p:nvSpPr>
+        <p:spPr>
+          <a:xfrm>
+            <a:off x="7853680" y="2037080"/>
+            <a:ext cx="1879600" cy="3865880"/>
+          </a:xfrm>
+          <a:prstGeom prst="rect">
+            <a:avLst/>
+          </a:prstGeom>
+          <a:solidFill>
+            <a:schemeClr val="bg1"/>
+          </a:solidFill>
+          <a:ln>
+            <a:noFill/>
+          </a:ln>
+        </p:spPr>
+        <p:style>
+          <a:lnRef idx="2">
+            <a:schemeClr val="accent1">
+              <a:shade val="50000"/>
+            </a:schemeClr>
+          </a:lnRef>
+          <a:fillRef idx="1">
+            <a:schemeClr val="accent1"/>
+          </a:fillRef>
+          <a:effectRef idx="0">
+            <a:schemeClr val="accent1"/>
+          </a:effectRef>
+          <a:fontRef idx="minor">
+            <a:schemeClr val="lt1"/>
+          </a:fontRef>
+        </p:style>
+        <p:txBody>
+          <a:bodyPr rtlCol="0" anchor="ctr"/>
+          <a:lstStyle/>
+          <a:p>
+            <a:pPr algn="ctr"/>
+            <a:endParaRPr kumimoji="1" lang="zh-CN" altLang="en-US" dirty="0"/>
+          </a:p>
+        </p:txBody>
+      </p:sp>
+    </p:spTree>
+    <p:extLst>
+      <p:ext uri="{BB962C8B-B14F-4D97-AF65-F5344CB8AC3E}">
+        <p14:creationId xmlns:p14="http://schemas.microsoft.com/office/powerpoint/2010/main" val="2903162600"/>
+      </p:ext>
+    </p:extLst>
+  </p:cSld>
+  <p:clrMapOvr>
+    <a:masterClrMapping/>
+  </p:clrMapOvr>
+</p:sld>
+</file>
+
+<file path=ppt/slides/slide8.xml><?xml version="1.0" encoding="utf-8"?>
+<p:sld xmlns:a="http://schemas.openxmlformats.org/drawingml/2006/main" xmlns:r="http://schemas.openxmlformats.org/officeDocument/2006/relationships" xmlns:p="http://schemas.openxmlformats.org/presentationml/2006/main">
+  <p:cSld>
+    <p:spTree>
+      <p:nvGrpSpPr>
+        <p:cNvPr id="1" name=""/>
+        <p:cNvGrpSpPr/>
+        <p:nvPr/>
+      </p:nvGrpSpPr>
+      <p:grpSpPr>
+        <a:xfrm>
+          <a:off x="0" y="0"/>
+          <a:ext cx="0" cy="0"/>
+          <a:chOff x="0" y="0"/>
+          <a:chExt cx="0" cy="0"/>
+        </a:xfrm>
+      </p:grpSpPr>
+      <p:cxnSp>
+        <p:nvCxnSpPr>
+          <p:cNvPr id="58" name="Straight Arrow Connector 9">
+            <a:extLst>
+              <a:ext uri="{FF2B5EF4-FFF2-40B4-BE49-F238E27FC236}">
+                <a16:creationId xmlns:a16="http://schemas.microsoft.com/office/drawing/2014/main" id="{473E9081-C3CE-0D4D-BC66-D384095F59CF}"/>
+              </a:ext>
+            </a:extLst>
+          </p:cNvPr>
+          <p:cNvCxnSpPr>
+            <a:cxnSpLocks/>
+          </p:cNvCxnSpPr>
+          <p:nvPr/>
+        </p:nvCxnSpPr>
+        <p:spPr>
+          <a:xfrm flipV="1">
+            <a:off x="8895264" y="4229751"/>
+            <a:ext cx="1638000" cy="6257"/>
+          </a:xfrm>
+          <a:prstGeom prst="straightConnector1">
+            <a:avLst/>
+          </a:prstGeom>
+          <a:ln w="41275">
+            <a:solidFill>
+              <a:schemeClr val="accent6">
+                <a:lumMod val="75000"/>
+              </a:schemeClr>
+            </a:solidFill>
+            <a:tailEnd type="triangle"/>
+          </a:ln>
+        </p:spPr>
+        <p:style>
+          <a:lnRef idx="1">
+            <a:schemeClr val="accent1"/>
+          </a:lnRef>
+          <a:fillRef idx="0">
+            <a:schemeClr val="accent1"/>
+          </a:fillRef>
+          <a:effectRef idx="0">
+            <a:schemeClr val="accent1"/>
+          </a:effectRef>
+          <a:fontRef idx="minor">
+            <a:schemeClr val="tx1"/>
+          </a:fontRef>
+        </p:style>
+      </p:cxnSp>
+      <p:cxnSp>
+        <p:nvCxnSpPr>
+          <p:cNvPr id="61" name="Straight Arrow Connector 21">
+            <a:extLst>
+              <a:ext uri="{FF2B5EF4-FFF2-40B4-BE49-F238E27FC236}">
+                <a16:creationId xmlns:a16="http://schemas.microsoft.com/office/drawing/2014/main" id="{C029DF3D-C29F-0149-9555-CC073B9C8034}"/>
+              </a:ext>
+            </a:extLst>
+          </p:cNvPr>
+          <p:cNvCxnSpPr>
+            <a:cxnSpLocks/>
+          </p:cNvCxnSpPr>
+          <p:nvPr/>
+        </p:nvCxnSpPr>
+        <p:spPr>
+          <a:xfrm flipV="1">
+            <a:off x="7244426" y="1999864"/>
+            <a:ext cx="529200" cy="1"/>
+          </a:xfrm>
+          <a:prstGeom prst="straightConnector1">
+            <a:avLst/>
+          </a:prstGeom>
+          <a:ln w="41275">
+            <a:tailEnd type="triangle"/>
+          </a:ln>
+        </p:spPr>
+        <p:style>
+          <a:lnRef idx="1">
+            <a:schemeClr val="accent1"/>
+          </a:lnRef>
+          <a:fillRef idx="0">
+            <a:schemeClr val="accent1"/>
+          </a:fillRef>
+          <a:effectRef idx="0">
+            <a:schemeClr val="accent1"/>
+          </a:effectRef>
+          <a:fontRef idx="minor">
+            <a:schemeClr val="tx1"/>
+          </a:fontRef>
+        </p:style>
+      </p:cxnSp>
+      <p:cxnSp>
+        <p:nvCxnSpPr>
+          <p:cNvPr id="57" name="Straight Arrow Connector 9">
+            <a:extLst>
+              <a:ext uri="{FF2B5EF4-FFF2-40B4-BE49-F238E27FC236}">
+                <a16:creationId xmlns:a16="http://schemas.microsoft.com/office/drawing/2014/main" id="{3097995C-1FA8-BE45-88A7-85551D99F5BD}"/>
+              </a:ext>
+            </a:extLst>
+          </p:cNvPr>
+          <p:cNvCxnSpPr>
+            <a:cxnSpLocks/>
+          </p:cNvCxnSpPr>
+          <p:nvPr/>
+        </p:nvCxnSpPr>
+        <p:spPr>
+          <a:xfrm flipV="1">
+            <a:off x="5665721" y="3509751"/>
+            <a:ext cx="1494000" cy="6257"/>
+          </a:xfrm>
+          <a:prstGeom prst="straightConnector1">
+            <a:avLst/>
+          </a:prstGeom>
+          <a:ln w="41275">
+            <a:solidFill>
+              <a:schemeClr val="accent6">
+                <a:lumMod val="75000"/>
+              </a:schemeClr>
+            </a:solidFill>
+            <a:tailEnd type="triangle"/>
+          </a:ln>
+        </p:spPr>
+        <p:style>
+          <a:lnRef idx="1">
+            <a:schemeClr val="accent1"/>
+          </a:lnRef>
+          <a:fillRef idx="0">
+            <a:schemeClr val="accent1"/>
+          </a:fillRef>
+          <a:effectRef idx="0">
+            <a:schemeClr val="accent1"/>
+          </a:effectRef>
+          <a:fontRef idx="minor">
+            <a:schemeClr val="tx1"/>
+          </a:fontRef>
+        </p:style>
+      </p:cxnSp>
+      <p:grpSp>
+        <p:nvGrpSpPr>
+          <p:cNvPr id="50" name="Group 49"/>
+          <p:cNvGrpSpPr/>
+          <p:nvPr/>
+        </p:nvGrpSpPr>
+        <p:grpSpPr>
+          <a:xfrm>
+            <a:off x="606683" y="1516811"/>
+            <a:ext cx="9171924" cy="3716372"/>
+            <a:chOff x="2871699" y="2837501"/>
+            <a:chExt cx="9171924" cy="3715579"/>
+          </a:xfrm>
+        </p:grpSpPr>
+        <p:cxnSp>
+          <p:nvCxnSpPr>
+            <p:cNvPr id="32" name="Straight Arrow Connector 31"/>
+            <p:cNvCxnSpPr/>
+            <p:nvPr/>
+          </p:nvCxnSpPr>
+          <p:spPr>
+            <a:xfrm flipV="1">
+              <a:off x="11168823" y="3332437"/>
+              <a:ext cx="874800" cy="1202"/>
+            </a:xfrm>
+            <a:prstGeom prst="straightConnector1">
+              <a:avLst/>
+            </a:prstGeom>
+            <a:ln w="41275">
+              <a:tailEnd type="triangle"/>
+            </a:ln>
+          </p:spPr>
+          <p:style>
+            <a:lnRef idx="1">
+              <a:schemeClr val="accent1"/>
+            </a:lnRef>
+            <a:fillRef idx="0">
+              <a:schemeClr val="accent1"/>
+            </a:fillRef>
+            <a:effectRef idx="0">
+              <a:schemeClr val="accent1"/>
+            </a:effectRef>
+            <a:fontRef idx="minor">
+              <a:schemeClr val="tx1"/>
+            </a:fontRef>
+          </p:style>
+        </p:cxnSp>
+        <p:cxnSp>
+          <p:nvCxnSpPr>
+            <p:cNvPr id="12" name="Straight Arrow Connector 11"/>
+            <p:cNvCxnSpPr>
+              <a:cxnSpLocks/>
+            </p:cNvCxnSpPr>
+            <p:nvPr/>
+          </p:nvCxnSpPr>
+          <p:spPr>
+            <a:xfrm>
+              <a:off x="6415242" y="4842040"/>
+              <a:ext cx="770400" cy="0"/>
+            </a:xfrm>
+            <a:prstGeom prst="straightConnector1">
+              <a:avLst/>
+            </a:prstGeom>
+            <a:ln w="41275">
+              <a:solidFill>
+                <a:schemeClr val="accent6">
+                  <a:lumMod val="75000"/>
+                </a:schemeClr>
+              </a:solidFill>
+              <a:tailEnd type="triangle"/>
+            </a:ln>
+          </p:spPr>
+          <p:style>
+            <a:lnRef idx="1">
+              <a:schemeClr val="accent1"/>
+            </a:lnRef>
+            <a:fillRef idx="0">
+              <a:schemeClr val="accent1"/>
+            </a:fillRef>
+            <a:effectRef idx="0">
+              <a:schemeClr val="accent1"/>
+            </a:effectRef>
+            <a:fontRef idx="minor">
+              <a:schemeClr val="tx1"/>
+            </a:fontRef>
+          </p:style>
+        </p:cxnSp>
+        <p:sp>
+          <p:nvSpPr>
+            <p:cNvPr id="4" name="Rectangle 3"/>
+            <p:cNvSpPr/>
+            <p:nvPr/>
+          </p:nvSpPr>
+          <p:spPr>
+            <a:xfrm>
+              <a:off x="4756207" y="4550502"/>
+              <a:ext cx="1973366" cy="582626"/>
+            </a:xfrm>
+            <a:prstGeom prst="rect">
+              <a:avLst/>
+            </a:prstGeom>
+            <a:solidFill>
+              <a:schemeClr val="accent6">
+                <a:lumMod val="20000"/>
+                <a:lumOff val="80000"/>
+              </a:schemeClr>
+            </a:solidFill>
+            <a:ln>
+              <a:solidFill>
+                <a:schemeClr val="tx1"/>
+              </a:solidFill>
+            </a:ln>
+          </p:spPr>
+          <p:style>
+            <a:lnRef idx="2">
+              <a:schemeClr val="accent1">
+                <a:shade val="50000"/>
+              </a:schemeClr>
+            </a:lnRef>
+            <a:fillRef idx="1">
+              <a:schemeClr val="accent1"/>
+            </a:fillRef>
+            <a:effectRef idx="0">
+              <a:schemeClr val="accent1"/>
+            </a:effectRef>
+            <a:fontRef idx="minor">
+              <a:schemeClr val="lt1"/>
+            </a:fontRef>
+          </p:style>
+          <p:txBody>
+            <a:bodyPr rtlCol="0" anchor="ctr"/>
+            <a:lstStyle/>
+            <a:p>
+              <a:pPr algn="ctr"/>
+              <a:r>
+                <a:rPr lang="en-US" altLang="zh-CN" b="1" dirty="0">
+                  <a:solidFill>
+                    <a:schemeClr val="tx1"/>
+                  </a:solidFill>
+                  <a:latin typeface="Times" pitchFamily="2" charset="0"/>
+                </a:rPr>
+                <a:t>Generator</a:t>
+              </a:r>
+              <a:endParaRPr lang="en-GB" b="1" dirty="0">
+                <a:solidFill>
+                  <a:schemeClr val="tx1"/>
+                </a:solidFill>
+                <a:latin typeface="Times" pitchFamily="2" charset="0"/>
+              </a:endParaRPr>
+            </a:p>
+          </p:txBody>
+        </p:sp>
+        <p:sp>
+          <p:nvSpPr>
+            <p:cNvPr id="6" name="Rectangle 5"/>
+            <p:cNvSpPr/>
+            <p:nvPr/>
+          </p:nvSpPr>
+          <p:spPr>
+            <a:xfrm>
+              <a:off x="9432615" y="4506084"/>
+              <a:ext cx="1767600" cy="1907593"/>
+            </a:xfrm>
+            <a:prstGeom prst="rect">
+              <a:avLst/>
+            </a:prstGeom>
+            <a:solidFill>
+              <a:schemeClr val="accent6">
+                <a:lumMod val="20000"/>
+                <a:lumOff val="80000"/>
+              </a:schemeClr>
+            </a:solidFill>
+            <a:ln>
+              <a:solidFill>
+                <a:schemeClr val="tx1"/>
+              </a:solidFill>
+            </a:ln>
+          </p:spPr>
+          <p:style>
+            <a:lnRef idx="2">
+              <a:schemeClr val="accent1">
+                <a:shade val="50000"/>
+              </a:schemeClr>
+            </a:lnRef>
+            <a:fillRef idx="1">
+              <a:schemeClr val="accent1"/>
+            </a:fillRef>
+            <a:effectRef idx="0">
+              <a:schemeClr val="accent1"/>
+            </a:effectRef>
+            <a:fontRef idx="minor">
+              <a:schemeClr val="lt1"/>
+            </a:fontRef>
+          </p:style>
+          <p:txBody>
+            <a:bodyPr rtlCol="0" anchor="ctr"/>
+            <a:lstStyle/>
+            <a:p>
+              <a:pPr algn="ctr"/>
+              <a:r>
+                <a:rPr lang="en-US" b="1" dirty="0">
+                  <a:solidFill>
+                    <a:schemeClr val="tx1"/>
+                  </a:solidFill>
+                  <a:latin typeface="Times" pitchFamily="2" charset="0"/>
+                </a:rPr>
+                <a:t>Discriminator</a:t>
+              </a:r>
+              <a:r>
+                <a:rPr lang="zh-CN" altLang="en-US" b="1" dirty="0">
+                  <a:solidFill>
+                    <a:schemeClr val="tx1"/>
+                  </a:solidFill>
+                  <a:latin typeface="Times" pitchFamily="2" charset="0"/>
+                </a:rPr>
+                <a:t> </a:t>
+              </a:r>
+              <a:r>
+                <a:rPr lang="en-US" altLang="zh-CN" b="1" dirty="0">
+                  <a:solidFill>
+                    <a:schemeClr val="tx1"/>
+                  </a:solidFill>
+                  <a:latin typeface="Times" pitchFamily="2" charset="0"/>
+                </a:rPr>
+                <a:t>Network</a:t>
+              </a:r>
+              <a:endParaRPr lang="en-GB" b="1" dirty="0">
+                <a:solidFill>
+                  <a:schemeClr val="tx1"/>
+                </a:solidFill>
+                <a:latin typeface="Times" pitchFamily="2" charset="0"/>
+              </a:endParaRPr>
+            </a:p>
+          </p:txBody>
+        </p:sp>
+        <p:sp>
+          <p:nvSpPr>
+            <p:cNvPr id="7" name="Rectangle 6"/>
+            <p:cNvSpPr/>
+            <p:nvPr/>
+          </p:nvSpPr>
+          <p:spPr>
+            <a:xfrm>
+              <a:off x="10031243" y="2837501"/>
+              <a:ext cx="1202238" cy="868632"/>
+            </a:xfrm>
+            <a:prstGeom prst="rect">
+              <a:avLst/>
+            </a:prstGeom>
+            <a:solidFill>
+              <a:schemeClr val="accent6">
+                <a:lumMod val="20000"/>
+                <a:lumOff val="80000"/>
+              </a:schemeClr>
+            </a:solidFill>
+            <a:ln>
+              <a:solidFill>
+                <a:schemeClr val="tx1"/>
+              </a:solidFill>
+            </a:ln>
+          </p:spPr>
+          <p:style>
+            <a:lnRef idx="2">
+              <a:schemeClr val="accent1">
+                <a:shade val="50000"/>
+              </a:schemeClr>
+            </a:lnRef>
+            <a:fillRef idx="1">
+              <a:schemeClr val="accent1"/>
+            </a:fillRef>
+            <a:effectRef idx="0">
+              <a:schemeClr val="accent1"/>
+            </a:effectRef>
+            <a:fontRef idx="minor">
+              <a:schemeClr val="lt1"/>
+            </a:fontRef>
+          </p:style>
+          <p:txBody>
+            <a:bodyPr rtlCol="0" anchor="ctr"/>
+            <a:lstStyle/>
+            <a:p>
+              <a:pPr algn="ctr"/>
+              <a:r>
+                <a:rPr lang="en-GB" b="1" dirty="0">
+                  <a:solidFill>
+                    <a:schemeClr val="tx1"/>
+                  </a:solidFill>
+                  <a:latin typeface="Times" pitchFamily="2" charset="0"/>
+                </a:rPr>
+                <a:t>Classifier Network</a:t>
+              </a:r>
+            </a:p>
+          </p:txBody>
+        </p:sp>
+        <p:cxnSp>
+          <p:nvCxnSpPr>
+            <p:cNvPr id="9" name="Straight Arrow Connector 8"/>
+            <p:cNvCxnSpPr>
+              <a:cxnSpLocks/>
+            </p:cNvCxnSpPr>
+            <p:nvPr/>
+          </p:nvCxnSpPr>
+          <p:spPr>
+            <a:xfrm>
+              <a:off x="3513762" y="4842040"/>
+              <a:ext cx="1242445" cy="0"/>
+            </a:xfrm>
+            <a:prstGeom prst="straightConnector1">
+              <a:avLst/>
+            </a:prstGeom>
+            <a:ln w="41275">
+              <a:solidFill>
+                <a:schemeClr val="accent6">
+                  <a:lumMod val="75000"/>
+                </a:schemeClr>
+              </a:solidFill>
+              <a:tailEnd type="triangle"/>
+            </a:ln>
+          </p:spPr>
+          <p:style>
+            <a:lnRef idx="1">
+              <a:schemeClr val="accent1"/>
+            </a:lnRef>
+            <a:fillRef idx="0">
+              <a:schemeClr val="accent1"/>
+            </a:fillRef>
+            <a:effectRef idx="0">
+              <a:schemeClr val="accent1"/>
+            </a:effectRef>
+            <a:fontRef idx="minor">
+              <a:schemeClr val="tx1"/>
+            </a:fontRef>
+          </p:style>
+        </p:cxnSp>
+        <p:cxnSp>
+          <p:nvCxnSpPr>
+            <p:cNvPr id="10" name="Straight Arrow Connector 9"/>
+            <p:cNvCxnSpPr/>
+            <p:nvPr/>
+          </p:nvCxnSpPr>
+          <p:spPr>
+            <a:xfrm flipV="1">
+              <a:off x="7939837" y="6086967"/>
+              <a:ext cx="1494000" cy="6256"/>
+            </a:xfrm>
+            <a:prstGeom prst="straightConnector1">
+              <a:avLst/>
+            </a:prstGeom>
+            <a:ln w="41275">
+              <a:solidFill>
+                <a:schemeClr val="accent6">
+                  <a:lumMod val="75000"/>
+                </a:schemeClr>
+              </a:solidFill>
+              <a:tailEnd type="triangle"/>
+            </a:ln>
+          </p:spPr>
+          <p:style>
+            <a:lnRef idx="1">
+              <a:schemeClr val="accent1"/>
+            </a:lnRef>
+            <a:fillRef idx="0">
+              <a:schemeClr val="accent1"/>
+            </a:fillRef>
+            <a:effectRef idx="0">
+              <a:schemeClr val="accent1"/>
+            </a:effectRef>
+            <a:fontRef idx="minor">
+              <a:schemeClr val="tx1"/>
+            </a:fontRef>
+          </p:style>
+        </p:cxnSp>
+        <p:cxnSp>
+          <p:nvCxnSpPr>
+            <p:cNvPr id="17" name="Straight Arrow Connector 16"/>
+            <p:cNvCxnSpPr>
+              <a:cxnSpLocks/>
+            </p:cNvCxnSpPr>
+            <p:nvPr/>
+          </p:nvCxnSpPr>
+          <p:spPr>
+            <a:xfrm flipV="1">
+              <a:off x="3742343" y="3314435"/>
+              <a:ext cx="3780000" cy="12030"/>
+            </a:xfrm>
+            <a:prstGeom prst="straightConnector1">
+              <a:avLst/>
+            </a:prstGeom>
+            <a:ln w="41275">
+              <a:tailEnd type="triangle"/>
+            </a:ln>
+          </p:spPr>
+          <p:style>
+            <a:lnRef idx="1">
+              <a:schemeClr val="accent1"/>
+            </a:lnRef>
+            <a:fillRef idx="0">
+              <a:schemeClr val="accent1"/>
+            </a:fillRef>
+            <a:effectRef idx="0">
+              <a:schemeClr val="accent1"/>
+            </a:effectRef>
+            <a:fontRef idx="minor">
+              <a:schemeClr val="tx1"/>
+            </a:fontRef>
+          </p:style>
+        </p:cxnSp>
+        <p:cxnSp>
+          <p:nvCxnSpPr>
+            <p:cNvPr id="19" name="Straight Arrow Connector 18"/>
+            <p:cNvCxnSpPr>
+              <a:cxnSpLocks/>
+            </p:cNvCxnSpPr>
+            <p:nvPr/>
+          </p:nvCxnSpPr>
+          <p:spPr>
+            <a:xfrm flipV="1">
+              <a:off x="7662825" y="3477815"/>
+              <a:ext cx="0" cy="925003"/>
+            </a:xfrm>
+            <a:prstGeom prst="straightConnector1">
+              <a:avLst/>
+            </a:prstGeom>
+            <a:ln w="41275">
+              <a:tailEnd type="triangle"/>
+            </a:ln>
+          </p:spPr>
+          <p:style>
+            <a:lnRef idx="1">
+              <a:schemeClr val="accent1"/>
+            </a:lnRef>
+            <a:fillRef idx="0">
+              <a:schemeClr val="accent1"/>
+            </a:fillRef>
+            <a:effectRef idx="0">
+              <a:schemeClr val="accent1"/>
+            </a:effectRef>
+            <a:fontRef idx="minor">
+              <a:schemeClr val="tx1"/>
+            </a:fontRef>
+          </p:style>
+        </p:cxnSp>
+        <p:cxnSp>
+          <p:nvCxnSpPr>
+            <p:cNvPr id="22" name="Straight Arrow Connector 21"/>
+            <p:cNvCxnSpPr>
+              <a:cxnSpLocks/>
+            </p:cNvCxnSpPr>
+            <p:nvPr/>
+          </p:nvCxnSpPr>
+          <p:spPr>
+            <a:xfrm flipV="1">
+              <a:off x="7776774" y="3313677"/>
+              <a:ext cx="853200" cy="1"/>
+            </a:xfrm>
+            <a:prstGeom prst="straightConnector1">
+              <a:avLst/>
+            </a:prstGeom>
+            <a:ln w="41275">
+              <a:tailEnd type="triangle"/>
+            </a:ln>
+          </p:spPr>
+          <p:style>
+            <a:lnRef idx="1">
+              <a:schemeClr val="accent1"/>
+            </a:lnRef>
+            <a:fillRef idx="0">
+              <a:schemeClr val="accent1"/>
+            </a:fillRef>
+            <a:effectRef idx="0">
+              <a:schemeClr val="accent1"/>
+            </a:effectRef>
+            <a:fontRef idx="minor">
+              <a:schemeClr val="tx1"/>
+            </a:fontRef>
+          </p:style>
+        </p:cxnSp>
+        <p:sp>
+          <p:nvSpPr>
+            <p:cNvPr id="25" name="Oval 24"/>
+            <p:cNvSpPr/>
+            <p:nvPr/>
+          </p:nvSpPr>
+          <p:spPr>
+            <a:xfrm>
+              <a:off x="7523811" y="3168023"/>
+              <a:ext cx="287420" cy="291311"/>
+            </a:xfrm>
+            <a:prstGeom prst="ellipse">
+              <a:avLst/>
+            </a:prstGeom>
+            <a:solidFill>
+              <a:schemeClr val="bg1"/>
+            </a:solidFill>
+            <a:ln>
+              <a:solidFill>
+                <a:schemeClr val="tx1"/>
+              </a:solidFill>
+            </a:ln>
+          </p:spPr>
+          <p:style>
+            <a:lnRef idx="2">
+              <a:schemeClr val="accent1">
+                <a:shade val="50000"/>
+              </a:schemeClr>
+            </a:lnRef>
+            <a:fillRef idx="1">
+              <a:schemeClr val="accent1"/>
+            </a:fillRef>
+            <a:effectRef idx="0">
+              <a:schemeClr val="accent1"/>
+            </a:effectRef>
+            <a:fontRef idx="minor">
+              <a:schemeClr val="lt1"/>
+            </a:fontRef>
+          </p:style>
+          <p:txBody>
+            <a:bodyPr rtlCol="0" anchor="ctr"/>
+            <a:lstStyle/>
+            <a:p>
+              <a:pPr algn="ctr"/>
+              <a:endParaRPr lang="en-GB"/>
+            </a:p>
+          </p:txBody>
+        </p:sp>
+        <p:cxnSp>
+          <p:nvCxnSpPr>
+            <p:cNvPr id="27" name="Straight Connector 26"/>
+            <p:cNvCxnSpPr/>
+            <p:nvPr/>
+          </p:nvCxnSpPr>
+          <p:spPr>
+            <a:xfrm>
+              <a:off x="7556560" y="3313678"/>
+              <a:ext cx="224191" cy="1"/>
+            </a:xfrm>
+            <a:prstGeom prst="line">
+              <a:avLst/>
+            </a:prstGeom>
+            <a:ln w="22225">
+              <a:solidFill>
+                <a:schemeClr val="tx1"/>
+              </a:solidFill>
+            </a:ln>
+          </p:spPr>
+          <p:style>
+            <a:lnRef idx="1">
+              <a:schemeClr val="accent1"/>
+            </a:lnRef>
+            <a:fillRef idx="0">
+              <a:schemeClr val="accent1"/>
+            </a:fillRef>
+            <a:effectRef idx="0">
+              <a:schemeClr val="accent1"/>
+            </a:effectRef>
+            <a:fontRef idx="minor">
+              <a:schemeClr val="tx1"/>
+            </a:fontRef>
+          </p:style>
+        </p:cxnSp>
+        <p:pic>
+          <p:nvPicPr>
+            <p:cNvPr id="38" name="Picture 37"/>
+            <p:cNvPicPr>
+              <a:picLocks noChangeAspect="1"/>
+            </p:cNvPicPr>
+            <p:nvPr/>
+          </p:nvPicPr>
+          <p:blipFill>
+            <a:blip r:embed="rId3"/>
+            <a:stretch>
+              <a:fillRect/>
+            </a:stretch>
+          </p:blipFill>
+          <p:spPr>
+            <a:xfrm>
+              <a:off x="7263822" y="5731050"/>
+              <a:ext cx="813599" cy="822030"/>
+            </a:xfrm>
+            <a:prstGeom prst="rect">
+              <a:avLst/>
+            </a:prstGeom>
+          </p:spPr>
+        </p:pic>
+        <p:cxnSp>
+          <p:nvCxnSpPr>
+            <p:cNvPr id="43" name="Straight Arrow Connector 42"/>
+            <p:cNvCxnSpPr>
+              <a:cxnSpLocks/>
+            </p:cNvCxnSpPr>
+            <p:nvPr/>
+          </p:nvCxnSpPr>
+          <p:spPr>
+            <a:xfrm flipV="1">
+              <a:off x="3744384" y="3317576"/>
+              <a:ext cx="0" cy="1277727"/>
+            </a:xfrm>
+            <a:prstGeom prst="straightConnector1">
+              <a:avLst/>
+            </a:prstGeom>
+            <a:ln w="41275">
+              <a:tailEnd type="none"/>
+            </a:ln>
+          </p:spPr>
+          <p:style>
+            <a:lnRef idx="1">
+              <a:schemeClr val="accent1"/>
+            </a:lnRef>
+            <a:fillRef idx="0">
+              <a:schemeClr val="accent1"/>
+            </a:fillRef>
+            <a:effectRef idx="0">
+              <a:schemeClr val="accent1"/>
+            </a:effectRef>
+            <a:fontRef idx="minor">
+              <a:schemeClr val="tx1"/>
+            </a:fontRef>
+          </p:style>
+        </p:cxnSp>
+        <p:sp>
+          <p:nvSpPr>
+            <p:cNvPr id="46" name="Rectangle 45"/>
+            <p:cNvSpPr/>
+            <p:nvPr/>
+          </p:nvSpPr>
+          <p:spPr>
+            <a:xfrm>
+              <a:off x="2871699" y="5258237"/>
+              <a:ext cx="1638000" cy="584775"/>
+            </a:xfrm>
+            <a:prstGeom prst="rect">
+              <a:avLst/>
+            </a:prstGeom>
+          </p:spPr>
+          <p:txBody>
+            <a:bodyPr wrap="square">
+              <a:spAutoFit/>
+            </a:bodyPr>
+            <a:lstStyle/>
+            <a:p>
+              <a:pPr algn="ctr"/>
+              <a:r>
+                <a:rPr lang="en-GB" sz="1600" dirty="0">
+                  <a:latin typeface="Times" pitchFamily="2" charset="0"/>
+                </a:rPr>
+                <a:t>Normal and abnormal images</a:t>
+              </a:r>
+            </a:p>
+          </p:txBody>
+        </p:sp>
+        <p:sp>
+          <p:nvSpPr>
+            <p:cNvPr id="47" name="Rectangle 46"/>
+            <p:cNvSpPr/>
+            <p:nvPr/>
+          </p:nvSpPr>
+          <p:spPr>
+            <a:xfrm>
+              <a:off x="6815416" y="5243927"/>
+              <a:ext cx="1638996" cy="338554"/>
+            </a:xfrm>
+            <a:prstGeom prst="rect">
+              <a:avLst/>
+            </a:prstGeom>
+          </p:spPr>
+          <p:txBody>
+            <a:bodyPr wrap="square">
+              <a:spAutoFit/>
+            </a:bodyPr>
+            <a:lstStyle/>
+            <a:p>
+              <a:pPr algn="ctr"/>
+              <a:r>
+                <a:rPr lang="en-GB" sz="1600" dirty="0">
+                  <a:latin typeface="Times" pitchFamily="2" charset="0"/>
+                </a:rPr>
+                <a:t>Fake normal</a:t>
+              </a:r>
+            </a:p>
+          </p:txBody>
+        </p:sp>
+      </p:grpSp>
+      <p:sp>
+        <p:nvSpPr>
+          <p:cNvPr id="29" name="Rectangle 28">
+            <a:extLst>
+              <a:ext uri="{FF2B5EF4-FFF2-40B4-BE49-F238E27FC236}">
+                <a16:creationId xmlns:a16="http://schemas.microsoft.com/office/drawing/2014/main" id="{125BFB41-BE60-3644-973B-DE5379925F80}"/>
+              </a:ext>
+            </a:extLst>
+          </p:cNvPr>
+          <p:cNvSpPr/>
+          <p:nvPr/>
+        </p:nvSpPr>
+        <p:spPr>
+          <a:xfrm>
+            <a:off x="9637410" y="1821485"/>
+            <a:ext cx="1900335" cy="369332"/>
+          </a:xfrm>
+          <a:prstGeom prst="rect">
+            <a:avLst/>
+          </a:prstGeom>
+        </p:spPr>
+        <p:txBody>
+          <a:bodyPr wrap="square">
+            <a:spAutoFit/>
+          </a:bodyPr>
+          <a:lstStyle/>
+          <a:p>
+            <a:pPr algn="ctr"/>
+            <a:r>
+              <a:rPr lang="en-GB" dirty="0">
+                <a:latin typeface="Times" pitchFamily="2" charset="0"/>
+              </a:rPr>
+              <a:t>normal</a:t>
+            </a:r>
+            <a:r>
+              <a:rPr lang="en-US" altLang="zh-CN" dirty="0">
+                <a:latin typeface="Times" pitchFamily="2" charset="0"/>
+              </a:rPr>
+              <a:t>/abnormal</a:t>
+            </a:r>
+            <a:endParaRPr lang="en-GB" dirty="0">
+              <a:latin typeface="Times" pitchFamily="2" charset="0"/>
+            </a:endParaRPr>
+          </a:p>
+        </p:txBody>
+      </p:sp>
+      <p:sp>
+        <p:nvSpPr>
+          <p:cNvPr id="30" name="Rectangle 29">
+            <a:extLst>
+              <a:ext uri="{FF2B5EF4-FFF2-40B4-BE49-F238E27FC236}">
+                <a16:creationId xmlns:a16="http://schemas.microsoft.com/office/drawing/2014/main" id="{8423836B-5652-DB41-A546-D27577F9A282}"/>
+              </a:ext>
+            </a:extLst>
+          </p:cNvPr>
+          <p:cNvSpPr/>
+          <p:nvPr/>
+        </p:nvSpPr>
+        <p:spPr>
+          <a:xfrm>
+            <a:off x="10011791" y="4031560"/>
+            <a:ext cx="1900335" cy="369332"/>
+          </a:xfrm>
+          <a:prstGeom prst="rect">
+            <a:avLst/>
+          </a:prstGeom>
+        </p:spPr>
+        <p:txBody>
+          <a:bodyPr wrap="square">
+            <a:spAutoFit/>
+          </a:bodyPr>
+          <a:lstStyle/>
+          <a:p>
+            <a:pPr algn="ctr"/>
+            <a:r>
+              <a:rPr lang="en-US" altLang="zh-CN" dirty="0">
+                <a:latin typeface="Times" pitchFamily="2" charset="0"/>
+              </a:rPr>
+              <a:t>real/fake</a:t>
+            </a:r>
+            <a:endParaRPr lang="en-GB" dirty="0">
+              <a:latin typeface="Times" pitchFamily="2" charset="0"/>
+            </a:endParaRPr>
+          </a:p>
+        </p:txBody>
+      </p:sp>
+      <p:pic>
+        <p:nvPicPr>
+          <p:cNvPr id="18" name="图片 17">
+            <a:extLst>
+              <a:ext uri="{FF2B5EF4-FFF2-40B4-BE49-F238E27FC236}">
+                <a16:creationId xmlns:a16="http://schemas.microsoft.com/office/drawing/2014/main" id="{B6479EB0-6306-E040-8F7C-7C0922B4E206}"/>
+              </a:ext>
+            </a:extLst>
+          </p:cNvPr>
+          <p:cNvPicPr>
+            <a:picLocks noChangeAspect="1"/>
+          </p:cNvPicPr>
+          <p:nvPr/>
+        </p:nvPicPr>
+        <p:blipFill>
+          <a:blip r:embed="rId4"/>
+          <a:stretch>
+            <a:fillRect/>
+          </a:stretch>
+        </p:blipFill>
+        <p:spPr>
+          <a:xfrm>
+            <a:off x="1095054" y="3096978"/>
+            <a:ext cx="812800" cy="812800"/>
+          </a:xfrm>
+          <a:prstGeom prst="rect">
+            <a:avLst/>
+          </a:prstGeom>
+        </p:spPr>
+      </p:pic>
+      <p:pic>
+        <p:nvPicPr>
+          <p:cNvPr id="11" name="图片 10">
+            <a:extLst>
+              <a:ext uri="{FF2B5EF4-FFF2-40B4-BE49-F238E27FC236}">
+                <a16:creationId xmlns:a16="http://schemas.microsoft.com/office/drawing/2014/main" id="{EAFEC114-D2CB-8642-8AD9-05047A46B4C1}"/>
+              </a:ext>
+            </a:extLst>
+          </p:cNvPr>
+          <p:cNvPicPr>
+            <a:picLocks noChangeAspect="1"/>
+          </p:cNvPicPr>
+          <p:nvPr/>
+        </p:nvPicPr>
+        <p:blipFill>
+          <a:blip r:embed="rId5"/>
+          <a:stretch>
+            <a:fillRect/>
+          </a:stretch>
+        </p:blipFill>
+        <p:spPr>
+          <a:xfrm>
+            <a:off x="1019283" y="3168978"/>
+            <a:ext cx="812800" cy="812800"/>
+          </a:xfrm>
+          <a:prstGeom prst="rect">
+            <a:avLst/>
+          </a:prstGeom>
+        </p:spPr>
+      </p:pic>
+      <p:pic>
+        <p:nvPicPr>
+          <p:cNvPr id="24" name="图片 23">
+            <a:extLst>
+              <a:ext uri="{FF2B5EF4-FFF2-40B4-BE49-F238E27FC236}">
+                <a16:creationId xmlns:a16="http://schemas.microsoft.com/office/drawing/2014/main" id="{E09D94D6-DBE9-CC48-91AF-CAA79529D573}"/>
+              </a:ext>
+            </a:extLst>
+          </p:cNvPr>
+          <p:cNvPicPr>
+            <a:picLocks noChangeAspect="1"/>
+          </p:cNvPicPr>
+          <p:nvPr/>
+        </p:nvPicPr>
+        <p:blipFill>
+          <a:blip r:embed="rId6"/>
+          <a:stretch>
+            <a:fillRect/>
+          </a:stretch>
+        </p:blipFill>
+        <p:spPr>
+          <a:xfrm>
+            <a:off x="4912937" y="4500978"/>
+            <a:ext cx="812800" cy="812800"/>
+          </a:xfrm>
+          <a:prstGeom prst="rect">
+            <a:avLst/>
+          </a:prstGeom>
+        </p:spPr>
+      </p:pic>
+      <p:pic>
+        <p:nvPicPr>
+          <p:cNvPr id="42" name="图片 41">
+            <a:extLst>
+              <a:ext uri="{FF2B5EF4-FFF2-40B4-BE49-F238E27FC236}">
+                <a16:creationId xmlns:a16="http://schemas.microsoft.com/office/drawing/2014/main" id="{71AD5EE5-3572-CC4A-B198-CF22B81BF2E0}"/>
+              </a:ext>
+            </a:extLst>
+          </p:cNvPr>
+          <p:cNvPicPr>
+            <a:picLocks noChangeAspect="1"/>
+          </p:cNvPicPr>
+          <p:nvPr/>
+        </p:nvPicPr>
+        <p:blipFill>
+          <a:blip r:embed="rId7"/>
+          <a:stretch>
+            <a:fillRect/>
+          </a:stretch>
+        </p:blipFill>
+        <p:spPr>
+          <a:xfrm>
+            <a:off x="6465368" y="1542238"/>
+            <a:ext cx="812800" cy="812800"/>
+          </a:xfrm>
+          <a:prstGeom prst="rect">
+            <a:avLst/>
+          </a:prstGeom>
+        </p:spPr>
+      </p:pic>
+      <p:pic>
+        <p:nvPicPr>
+          <p:cNvPr id="45" name="图片 44">
+            <a:extLst>
+              <a:ext uri="{FF2B5EF4-FFF2-40B4-BE49-F238E27FC236}">
+                <a16:creationId xmlns:a16="http://schemas.microsoft.com/office/drawing/2014/main" id="{468DC2DA-955A-4146-8FDD-85396C0C2E11}"/>
+              </a:ext>
+            </a:extLst>
+          </p:cNvPr>
+          <p:cNvPicPr>
+            <a:picLocks noChangeAspect="1"/>
+          </p:cNvPicPr>
+          <p:nvPr/>
+        </p:nvPicPr>
+        <p:blipFill>
+          <a:blip r:embed="rId8"/>
+          <a:stretch>
+            <a:fillRect/>
+          </a:stretch>
+        </p:blipFill>
+        <p:spPr>
+          <a:xfrm>
+            <a:off x="4985955" y="3064578"/>
+            <a:ext cx="812800" cy="812800"/>
+          </a:xfrm>
+          <a:prstGeom prst="rect">
+            <a:avLst/>
+          </a:prstGeom>
+        </p:spPr>
+      </p:pic>
+      <p:pic>
+        <p:nvPicPr>
+          <p:cNvPr id="34" name="图片 33">
+            <a:extLst>
+              <a:ext uri="{FF2B5EF4-FFF2-40B4-BE49-F238E27FC236}">
+                <a16:creationId xmlns:a16="http://schemas.microsoft.com/office/drawing/2014/main" id="{C4156051-231D-0740-AB30-5A5B114E1D0F}"/>
+              </a:ext>
+            </a:extLst>
+          </p:cNvPr>
+          <p:cNvPicPr>
+            <a:picLocks noChangeAspect="1"/>
+          </p:cNvPicPr>
+          <p:nvPr/>
+        </p:nvPicPr>
+        <p:blipFill>
+          <a:blip r:embed="rId9"/>
+          <a:stretch>
+            <a:fillRect/>
+          </a:stretch>
+        </p:blipFill>
+        <p:spPr>
+          <a:xfrm>
+            <a:off x="4911236" y="3154578"/>
+            <a:ext cx="812800" cy="812800"/>
+          </a:xfrm>
+          <a:prstGeom prst="rect">
+            <a:avLst/>
+          </a:prstGeom>
+        </p:spPr>
+      </p:pic>
+      <p:pic>
+        <p:nvPicPr>
+          <p:cNvPr id="56" name="图片 55">
+            <a:extLst>
+              <a:ext uri="{FF2B5EF4-FFF2-40B4-BE49-F238E27FC236}">
+                <a16:creationId xmlns:a16="http://schemas.microsoft.com/office/drawing/2014/main" id="{31B54A8B-21E7-8A4E-BCD1-684A08856521}"/>
+              </a:ext>
+            </a:extLst>
+          </p:cNvPr>
+          <p:cNvPicPr>
+            <a:picLocks noChangeAspect="1"/>
+          </p:cNvPicPr>
+          <p:nvPr/>
+        </p:nvPicPr>
+        <p:blipFill>
+          <a:blip r:embed="rId10"/>
+          <a:stretch>
+            <a:fillRect/>
+          </a:stretch>
+        </p:blipFill>
+        <p:spPr>
+          <a:xfrm>
+            <a:off x="6372000" y="1605350"/>
+            <a:ext cx="812800" cy="812800"/>
+          </a:xfrm>
+          <a:prstGeom prst="rect">
+            <a:avLst/>
+          </a:prstGeom>
+        </p:spPr>
+      </p:pic>
+      <p:sp>
+        <p:nvSpPr>
+          <p:cNvPr id="60" name="Rectangle 45">
+            <a:extLst>
+              <a:ext uri="{FF2B5EF4-FFF2-40B4-BE49-F238E27FC236}">
+                <a16:creationId xmlns:a16="http://schemas.microsoft.com/office/drawing/2014/main" id="{DB07F1C8-5AEE-4D44-8BF8-C409C4821622}"/>
+              </a:ext>
+            </a:extLst>
+          </p:cNvPr>
+          <p:cNvSpPr/>
+          <p:nvPr/>
+        </p:nvSpPr>
+        <p:spPr>
+          <a:xfrm>
+            <a:off x="5132655" y="2374060"/>
+            <a:ext cx="3406042" cy="830997"/>
+          </a:xfrm>
+          <a:prstGeom prst="rect">
+            <a:avLst/>
+          </a:prstGeom>
+        </p:spPr>
+        <p:txBody>
+          <a:bodyPr wrap="square">
+            <a:spAutoFit/>
+          </a:bodyPr>
+          <a:lstStyle/>
+          <a:p>
+            <a:pPr algn="ctr"/>
+            <a:r>
+              <a:rPr lang="en-US" altLang="zh-CN" sz="1600" dirty="0">
+                <a:latin typeface="Times" pitchFamily="2" charset="0"/>
+              </a:rPr>
+              <a:t>Difference</a:t>
+            </a:r>
+            <a:r>
+              <a:rPr lang="zh-CN" altLang="en-US" sz="1600" dirty="0">
+                <a:latin typeface="Times" pitchFamily="2" charset="0"/>
+              </a:rPr>
+              <a:t> </a:t>
+            </a:r>
+            <a:r>
+              <a:rPr lang="en-US" altLang="zh-CN" sz="1600" dirty="0">
+                <a:latin typeface="Times" pitchFamily="2" charset="0"/>
+              </a:rPr>
+              <a:t>between</a:t>
+            </a:r>
+            <a:r>
+              <a:rPr lang="zh-CN" altLang="en-US" sz="1600" dirty="0">
+                <a:latin typeface="Times" pitchFamily="2" charset="0"/>
+              </a:rPr>
+              <a:t> </a:t>
+            </a:r>
+            <a:endParaRPr lang="en-US" altLang="zh-CN" sz="1600" dirty="0">
+              <a:latin typeface="Times" pitchFamily="2" charset="0"/>
+            </a:endParaRPr>
+          </a:p>
+          <a:p>
+            <a:pPr algn="ctr"/>
+            <a:r>
+              <a:rPr lang="en-US" altLang="zh-CN" sz="1600" dirty="0">
+                <a:latin typeface="Times" pitchFamily="2" charset="0"/>
+              </a:rPr>
+              <a:t>Encoder-decoder’s</a:t>
+            </a:r>
+            <a:r>
+              <a:rPr lang="zh-CN" altLang="en-US" sz="1600" dirty="0">
+                <a:latin typeface="Times" pitchFamily="2" charset="0"/>
+              </a:rPr>
+              <a:t> </a:t>
+            </a:r>
+            <a:endParaRPr lang="en-US" altLang="zh-CN" sz="1600" dirty="0">
+              <a:latin typeface="Times" pitchFamily="2" charset="0"/>
+            </a:endParaRPr>
+          </a:p>
+          <a:p>
+            <a:pPr algn="ctr"/>
+            <a:r>
+              <a:rPr lang="en-US" altLang="zh-CN" sz="1600" dirty="0">
+                <a:latin typeface="Times" pitchFamily="2" charset="0"/>
+              </a:rPr>
+              <a:t>input</a:t>
+            </a:r>
+            <a:r>
+              <a:rPr lang="zh-CN" altLang="en-US" sz="1600" dirty="0">
+                <a:latin typeface="Times" pitchFamily="2" charset="0"/>
+              </a:rPr>
+              <a:t> </a:t>
+            </a:r>
+            <a:r>
+              <a:rPr lang="en-US" altLang="zh-CN" sz="1600" dirty="0">
+                <a:latin typeface="Times" pitchFamily="2" charset="0"/>
+              </a:rPr>
+              <a:t>and</a:t>
+            </a:r>
+            <a:r>
+              <a:rPr lang="zh-CN" altLang="en-US" sz="1600" dirty="0">
+                <a:latin typeface="Times" pitchFamily="2" charset="0"/>
+              </a:rPr>
+              <a:t> </a:t>
+            </a:r>
+            <a:r>
+              <a:rPr lang="en-US" altLang="zh-CN" sz="1600" dirty="0">
+                <a:latin typeface="Times" pitchFamily="2" charset="0"/>
+              </a:rPr>
+              <a:t>output</a:t>
+            </a:r>
+            <a:endParaRPr lang="en-GB" sz="1600" dirty="0">
+              <a:latin typeface="Times" pitchFamily="2" charset="0"/>
+            </a:endParaRPr>
+          </a:p>
+        </p:txBody>
+      </p:sp>
+      <p:sp>
+        <p:nvSpPr>
+          <p:cNvPr id="62" name="Rectangle 46">
+            <a:extLst>
+              <a:ext uri="{FF2B5EF4-FFF2-40B4-BE49-F238E27FC236}">
+                <a16:creationId xmlns:a16="http://schemas.microsoft.com/office/drawing/2014/main" id="{1C501251-3BAA-CB42-BD16-C8C0EBB1E330}"/>
+              </a:ext>
+            </a:extLst>
+          </p:cNvPr>
+          <p:cNvSpPr/>
+          <p:nvPr/>
+        </p:nvSpPr>
+        <p:spPr>
+          <a:xfrm>
+            <a:off x="4550400" y="5275314"/>
+            <a:ext cx="1638996" cy="338626"/>
+          </a:xfrm>
+          <a:prstGeom prst="rect">
+            <a:avLst/>
+          </a:prstGeom>
+        </p:spPr>
+        <p:txBody>
+          <a:bodyPr wrap="square">
+            <a:spAutoFit/>
+          </a:bodyPr>
+          <a:lstStyle/>
+          <a:p>
+            <a:pPr algn="ctr"/>
+            <a:r>
+              <a:rPr lang="en-GB" sz="1600" dirty="0">
+                <a:latin typeface="Times" pitchFamily="2" charset="0"/>
+              </a:rPr>
+              <a:t>Real normal</a:t>
+            </a:r>
+          </a:p>
+        </p:txBody>
+      </p:sp>
+      <p:pic>
+        <p:nvPicPr>
+          <p:cNvPr id="3" name="图片 2">
+            <a:extLst>
+              <a:ext uri="{FF2B5EF4-FFF2-40B4-BE49-F238E27FC236}">
+                <a16:creationId xmlns:a16="http://schemas.microsoft.com/office/drawing/2014/main" id="{8FEF5D4A-2C2B-C94D-B732-E7028D6DF1C9}"/>
+              </a:ext>
+            </a:extLst>
+          </p:cNvPr>
+          <p:cNvPicPr>
+            <a:picLocks noChangeAspect="1"/>
+          </p:cNvPicPr>
+          <p:nvPr/>
+        </p:nvPicPr>
+        <p:blipFill>
+          <a:blip r:embed="rId11"/>
+          <a:stretch>
+            <a:fillRect/>
+          </a:stretch>
+        </p:blipFill>
+        <p:spPr>
+          <a:xfrm>
+            <a:off x="6372000" y="1605350"/>
+            <a:ext cx="812800" cy="812800"/>
+          </a:xfrm>
+          <a:prstGeom prst="rect">
+            <a:avLst/>
+          </a:prstGeom>
+        </p:spPr>
+      </p:pic>
+    </p:spTree>
+    <p:extLst>
+      <p:ext uri="{BB962C8B-B14F-4D97-AF65-F5344CB8AC3E}">
+        <p14:creationId xmlns:p14="http://schemas.microsoft.com/office/powerpoint/2010/main" val="1248893002"/>
+      </p:ext>
+    </p:extLst>
+  </p:cSld>
+  <p:clrMapOvr>
+    <a:masterClrMapping/>
+  </p:clrMapOvr>
+</p:sld>
+</file>
+
+<file path=ppt/slides/slide9.xml><?xml version="1.0" encoding="utf-8"?>
+<p:sld xmlns:a="http://schemas.openxmlformats.org/drawingml/2006/main" xmlns:r="http://schemas.openxmlformats.org/officeDocument/2006/relationships" xmlns:p="http://schemas.openxmlformats.org/presentationml/2006/main">
+  <p:cSld>
+    <p:spTree>
+      <p:nvGrpSpPr>
+        <p:cNvPr id="1" name=""/>
+        <p:cNvGrpSpPr/>
+        <p:nvPr/>
+      </p:nvGrpSpPr>
+      <p:grpSpPr>
+        <a:xfrm>
+          <a:off x="0" y="0"/>
+          <a:ext cx="0" cy="0"/>
+          <a:chOff x="0" y="0"/>
+          <a:chExt cx="0" cy="0"/>
+        </a:xfrm>
+      </p:grpSpPr>
+      <p:cxnSp>
+        <p:nvCxnSpPr>
+          <p:cNvPr id="61" name="Straight Arrow Connector 21">
+            <a:extLst>
+              <a:ext uri="{FF2B5EF4-FFF2-40B4-BE49-F238E27FC236}">
+                <a16:creationId xmlns:a16="http://schemas.microsoft.com/office/drawing/2014/main" id="{C029DF3D-C29F-0149-9555-CC073B9C8034}"/>
+              </a:ext>
+            </a:extLst>
+          </p:cNvPr>
+          <p:cNvCxnSpPr>
+            <a:cxnSpLocks/>
+          </p:cNvCxnSpPr>
+          <p:nvPr/>
+        </p:nvCxnSpPr>
+        <p:spPr>
+          <a:xfrm flipV="1">
+            <a:off x="7244426" y="1999864"/>
+            <a:ext cx="529200" cy="1"/>
+          </a:xfrm>
+          <a:prstGeom prst="straightConnector1">
+            <a:avLst/>
+          </a:prstGeom>
+          <a:ln w="41275">
+            <a:tailEnd type="triangle"/>
+          </a:ln>
+        </p:spPr>
+        <p:style>
+          <a:lnRef idx="1">
+            <a:schemeClr val="accent1"/>
+          </a:lnRef>
+          <a:fillRef idx="0">
+            <a:schemeClr val="accent1"/>
+          </a:fillRef>
+          <a:effectRef idx="0">
+            <a:schemeClr val="accent1"/>
+          </a:effectRef>
+          <a:fontRef idx="minor">
+            <a:schemeClr val="tx1"/>
+          </a:fontRef>
+        </p:style>
+      </p:cxnSp>
+      <p:grpSp>
+        <p:nvGrpSpPr>
+          <p:cNvPr id="50" name="Group 49"/>
+          <p:cNvGrpSpPr/>
+          <p:nvPr/>
+        </p:nvGrpSpPr>
+        <p:grpSpPr>
+          <a:xfrm>
+            <a:off x="606683" y="1516811"/>
+            <a:ext cx="9171924" cy="3006153"/>
+            <a:chOff x="2871699" y="2837501"/>
+            <a:chExt cx="9171924" cy="3005511"/>
+          </a:xfrm>
+        </p:grpSpPr>
+        <p:cxnSp>
+          <p:nvCxnSpPr>
+            <p:cNvPr id="32" name="Straight Arrow Connector 31"/>
+            <p:cNvCxnSpPr/>
+            <p:nvPr/>
+          </p:nvCxnSpPr>
+          <p:spPr>
+            <a:xfrm flipV="1">
+              <a:off x="11168823" y="3332437"/>
+              <a:ext cx="874800" cy="1202"/>
+            </a:xfrm>
+            <a:prstGeom prst="straightConnector1">
+              <a:avLst/>
+            </a:prstGeom>
+            <a:ln w="41275">
+              <a:tailEnd type="triangle"/>
+            </a:ln>
+          </p:spPr>
+          <p:style>
+            <a:lnRef idx="1">
+              <a:schemeClr val="accent1"/>
+            </a:lnRef>
+            <a:fillRef idx="0">
+              <a:schemeClr val="accent1"/>
+            </a:fillRef>
+            <a:effectRef idx="0">
+              <a:schemeClr val="accent1"/>
+            </a:effectRef>
+            <a:fontRef idx="minor">
+              <a:schemeClr val="tx1"/>
+            </a:fontRef>
+          </p:style>
+        </p:cxnSp>
+        <p:cxnSp>
+          <p:nvCxnSpPr>
+            <p:cNvPr id="12" name="Straight Arrow Connector 11"/>
+            <p:cNvCxnSpPr>
+              <a:cxnSpLocks/>
+            </p:cNvCxnSpPr>
+            <p:nvPr/>
+          </p:nvCxnSpPr>
+          <p:spPr>
+            <a:xfrm>
+              <a:off x="6415242" y="4842040"/>
+              <a:ext cx="770400" cy="0"/>
+            </a:xfrm>
+            <a:prstGeom prst="straightConnector1">
+              <a:avLst/>
+            </a:prstGeom>
+            <a:ln w="41275">
+              <a:solidFill>
+                <a:schemeClr val="accent6">
+                  <a:lumMod val="75000"/>
+                </a:schemeClr>
+              </a:solidFill>
+              <a:tailEnd type="triangle"/>
+            </a:ln>
+          </p:spPr>
+          <p:style>
+            <a:lnRef idx="1">
+              <a:schemeClr val="accent1"/>
+            </a:lnRef>
+            <a:fillRef idx="0">
+              <a:schemeClr val="accent1"/>
+            </a:fillRef>
+            <a:effectRef idx="0">
+              <a:schemeClr val="accent1"/>
+            </a:effectRef>
+            <a:fontRef idx="minor">
+              <a:schemeClr val="tx1"/>
+            </a:fontRef>
+          </p:style>
+        </p:cxnSp>
+        <p:sp>
+          <p:nvSpPr>
+            <p:cNvPr id="4" name="Rectangle 3"/>
+            <p:cNvSpPr/>
+            <p:nvPr/>
+          </p:nvSpPr>
+          <p:spPr>
+            <a:xfrm>
+              <a:off x="4756207" y="4550502"/>
+              <a:ext cx="1973366" cy="582626"/>
+            </a:xfrm>
+            <a:prstGeom prst="rect">
+              <a:avLst/>
+            </a:prstGeom>
+            <a:solidFill>
+              <a:schemeClr val="accent6">
+                <a:lumMod val="20000"/>
+                <a:lumOff val="80000"/>
+              </a:schemeClr>
+            </a:solidFill>
+            <a:ln>
+              <a:solidFill>
+                <a:schemeClr val="tx1"/>
+              </a:solidFill>
+            </a:ln>
+          </p:spPr>
+          <p:style>
+            <a:lnRef idx="2">
+              <a:schemeClr val="accent1">
+                <a:shade val="50000"/>
+              </a:schemeClr>
+            </a:lnRef>
+            <a:fillRef idx="1">
+              <a:schemeClr val="accent1"/>
+            </a:fillRef>
+            <a:effectRef idx="0">
+              <a:schemeClr val="accent1"/>
+            </a:effectRef>
+            <a:fontRef idx="minor">
+              <a:schemeClr val="lt1"/>
+            </a:fontRef>
+          </p:style>
+          <p:txBody>
+            <a:bodyPr rtlCol="0" anchor="ctr"/>
+            <a:lstStyle/>
+            <a:p>
+              <a:pPr algn="ctr"/>
+              <a:r>
+                <a:rPr lang="en-US" altLang="zh-CN" b="1" dirty="0">
+                  <a:solidFill>
+                    <a:schemeClr val="tx1"/>
+                  </a:solidFill>
+                  <a:latin typeface="Times" pitchFamily="2" charset="0"/>
+                </a:rPr>
+                <a:t>Generator</a:t>
+              </a:r>
+              <a:endParaRPr lang="en-GB" b="1" dirty="0">
+                <a:solidFill>
+                  <a:schemeClr val="tx1"/>
+                </a:solidFill>
+                <a:latin typeface="Times" pitchFamily="2" charset="0"/>
+              </a:endParaRPr>
+            </a:p>
+          </p:txBody>
+        </p:sp>
+        <p:sp>
+          <p:nvSpPr>
+            <p:cNvPr id="7" name="Rectangle 6"/>
+            <p:cNvSpPr/>
+            <p:nvPr/>
+          </p:nvSpPr>
+          <p:spPr>
+            <a:xfrm>
+              <a:off x="10031243" y="2837501"/>
+              <a:ext cx="1202238" cy="868632"/>
+            </a:xfrm>
+            <a:prstGeom prst="rect">
+              <a:avLst/>
+            </a:prstGeom>
+            <a:solidFill>
+              <a:schemeClr val="accent6">
+                <a:lumMod val="20000"/>
+                <a:lumOff val="80000"/>
+              </a:schemeClr>
+            </a:solidFill>
+            <a:ln>
+              <a:solidFill>
+                <a:schemeClr val="tx1"/>
+              </a:solidFill>
+            </a:ln>
+          </p:spPr>
+          <p:style>
+            <a:lnRef idx="2">
+              <a:schemeClr val="accent1">
+                <a:shade val="50000"/>
+              </a:schemeClr>
+            </a:lnRef>
+            <a:fillRef idx="1">
+              <a:schemeClr val="accent1"/>
+            </a:fillRef>
+            <a:effectRef idx="0">
+              <a:schemeClr val="accent1"/>
+            </a:effectRef>
+            <a:fontRef idx="minor">
+              <a:schemeClr val="lt1"/>
+            </a:fontRef>
+          </p:style>
+          <p:txBody>
+            <a:bodyPr rtlCol="0" anchor="ctr"/>
+            <a:lstStyle/>
+            <a:p>
+              <a:pPr algn="ctr"/>
+              <a:r>
+                <a:rPr lang="en-GB" b="1" dirty="0">
+                  <a:solidFill>
+                    <a:schemeClr val="tx1"/>
+                  </a:solidFill>
+                  <a:latin typeface="Times" pitchFamily="2" charset="0"/>
+                </a:rPr>
+                <a:t>Classifier Network</a:t>
+              </a:r>
+            </a:p>
+          </p:txBody>
+        </p:sp>
+        <p:cxnSp>
+          <p:nvCxnSpPr>
+            <p:cNvPr id="9" name="Straight Arrow Connector 8"/>
+            <p:cNvCxnSpPr>
+              <a:cxnSpLocks/>
+            </p:cNvCxnSpPr>
+            <p:nvPr/>
+          </p:nvCxnSpPr>
+          <p:spPr>
+            <a:xfrm>
+              <a:off x="3513762" y="4842040"/>
+              <a:ext cx="1242445" cy="0"/>
+            </a:xfrm>
+            <a:prstGeom prst="straightConnector1">
+              <a:avLst/>
+            </a:prstGeom>
+            <a:ln w="41275">
+              <a:solidFill>
+                <a:schemeClr val="accent6">
+                  <a:lumMod val="75000"/>
+                </a:schemeClr>
+              </a:solidFill>
+              <a:tailEnd type="triangle"/>
+            </a:ln>
+          </p:spPr>
+          <p:style>
+            <a:lnRef idx="1">
+              <a:schemeClr val="accent1"/>
+            </a:lnRef>
+            <a:fillRef idx="0">
+              <a:schemeClr val="accent1"/>
+            </a:fillRef>
+            <a:effectRef idx="0">
+              <a:schemeClr val="accent1"/>
+            </a:effectRef>
+            <a:fontRef idx="minor">
+              <a:schemeClr val="tx1"/>
+            </a:fontRef>
+          </p:style>
+        </p:cxnSp>
+        <p:cxnSp>
+          <p:nvCxnSpPr>
+            <p:cNvPr id="17" name="Straight Arrow Connector 16"/>
+            <p:cNvCxnSpPr>
+              <a:cxnSpLocks/>
+            </p:cNvCxnSpPr>
+            <p:nvPr/>
+          </p:nvCxnSpPr>
+          <p:spPr>
+            <a:xfrm flipV="1">
+              <a:off x="3742343" y="3314435"/>
+              <a:ext cx="3780000" cy="12030"/>
+            </a:xfrm>
+            <a:prstGeom prst="straightConnector1">
+              <a:avLst/>
+            </a:prstGeom>
+            <a:ln w="41275">
+              <a:tailEnd type="triangle"/>
+            </a:ln>
+          </p:spPr>
+          <p:style>
+            <a:lnRef idx="1">
+              <a:schemeClr val="accent1"/>
+            </a:lnRef>
+            <a:fillRef idx="0">
+              <a:schemeClr val="accent1"/>
+            </a:fillRef>
+            <a:effectRef idx="0">
+              <a:schemeClr val="accent1"/>
+            </a:effectRef>
+            <a:fontRef idx="minor">
+              <a:schemeClr val="tx1"/>
+            </a:fontRef>
+          </p:style>
+        </p:cxnSp>
+        <p:cxnSp>
+          <p:nvCxnSpPr>
+            <p:cNvPr id="19" name="Straight Arrow Connector 18"/>
+            <p:cNvCxnSpPr>
+              <a:cxnSpLocks/>
+            </p:cNvCxnSpPr>
+            <p:nvPr/>
+          </p:nvCxnSpPr>
+          <p:spPr>
+            <a:xfrm flipV="1">
+              <a:off x="7662825" y="3477815"/>
+              <a:ext cx="0" cy="925003"/>
+            </a:xfrm>
+            <a:prstGeom prst="straightConnector1">
+              <a:avLst/>
+            </a:prstGeom>
+            <a:ln w="41275">
+              <a:tailEnd type="triangle"/>
+            </a:ln>
+          </p:spPr>
+          <p:style>
+            <a:lnRef idx="1">
+              <a:schemeClr val="accent1"/>
+            </a:lnRef>
+            <a:fillRef idx="0">
+              <a:schemeClr val="accent1"/>
+            </a:fillRef>
+            <a:effectRef idx="0">
+              <a:schemeClr val="accent1"/>
+            </a:effectRef>
+            <a:fontRef idx="minor">
+              <a:schemeClr val="tx1"/>
+            </a:fontRef>
+          </p:style>
+        </p:cxnSp>
+        <p:cxnSp>
+          <p:nvCxnSpPr>
+            <p:cNvPr id="22" name="Straight Arrow Connector 21"/>
+            <p:cNvCxnSpPr>
+              <a:cxnSpLocks/>
+            </p:cNvCxnSpPr>
+            <p:nvPr/>
+          </p:nvCxnSpPr>
+          <p:spPr>
+            <a:xfrm flipV="1">
+              <a:off x="7776774" y="3313677"/>
+              <a:ext cx="853200" cy="1"/>
+            </a:xfrm>
+            <a:prstGeom prst="straightConnector1">
+              <a:avLst/>
+            </a:prstGeom>
+            <a:ln w="41275">
+              <a:tailEnd type="triangle"/>
+            </a:ln>
+          </p:spPr>
+          <p:style>
+            <a:lnRef idx="1">
+              <a:schemeClr val="accent1"/>
+            </a:lnRef>
+            <a:fillRef idx="0">
+              <a:schemeClr val="accent1"/>
+            </a:fillRef>
+            <a:effectRef idx="0">
+              <a:schemeClr val="accent1"/>
+            </a:effectRef>
+            <a:fontRef idx="minor">
+              <a:schemeClr val="tx1"/>
+            </a:fontRef>
+          </p:style>
+        </p:cxnSp>
+        <p:sp>
+          <p:nvSpPr>
+            <p:cNvPr id="25" name="Oval 24"/>
+            <p:cNvSpPr/>
+            <p:nvPr/>
+          </p:nvSpPr>
+          <p:spPr>
+            <a:xfrm>
+              <a:off x="7523811" y="3168023"/>
+              <a:ext cx="287420" cy="291311"/>
+            </a:xfrm>
+            <a:prstGeom prst="ellipse">
+              <a:avLst/>
+            </a:prstGeom>
+            <a:solidFill>
+              <a:schemeClr val="bg1"/>
+            </a:solidFill>
+            <a:ln>
+              <a:solidFill>
+                <a:schemeClr val="tx1"/>
+              </a:solidFill>
+            </a:ln>
+          </p:spPr>
+          <p:style>
+            <a:lnRef idx="2">
+              <a:schemeClr val="accent1">
+                <a:shade val="50000"/>
+              </a:schemeClr>
+            </a:lnRef>
+            <a:fillRef idx="1">
+              <a:schemeClr val="accent1"/>
+            </a:fillRef>
+            <a:effectRef idx="0">
+              <a:schemeClr val="accent1"/>
+            </a:effectRef>
+            <a:fontRef idx="minor">
+              <a:schemeClr val="lt1"/>
+            </a:fontRef>
+          </p:style>
+          <p:txBody>
+            <a:bodyPr rtlCol="0" anchor="ctr"/>
+            <a:lstStyle/>
+            <a:p>
+              <a:pPr algn="ctr"/>
+              <a:endParaRPr lang="en-GB"/>
+            </a:p>
+          </p:txBody>
+        </p:sp>
+        <p:cxnSp>
+          <p:nvCxnSpPr>
+            <p:cNvPr id="27" name="Straight Connector 26"/>
+            <p:cNvCxnSpPr/>
+            <p:nvPr/>
+          </p:nvCxnSpPr>
+          <p:spPr>
+            <a:xfrm>
+              <a:off x="7556560" y="3313678"/>
+              <a:ext cx="224191" cy="1"/>
+            </a:xfrm>
+            <a:prstGeom prst="line">
+              <a:avLst/>
+            </a:prstGeom>
+            <a:ln w="22225">
+              <a:solidFill>
+                <a:schemeClr val="tx1"/>
+              </a:solidFill>
+            </a:ln>
+          </p:spPr>
+          <p:style>
+            <a:lnRef idx="1">
+              <a:schemeClr val="accent1"/>
+            </a:lnRef>
+            <a:fillRef idx="0">
+              <a:schemeClr val="accent1"/>
+            </a:fillRef>
+            <a:effectRef idx="0">
+              <a:schemeClr val="accent1"/>
+            </a:effectRef>
+            <a:fontRef idx="minor">
+              <a:schemeClr val="tx1"/>
+            </a:fontRef>
+          </p:style>
+        </p:cxnSp>
+        <p:cxnSp>
+          <p:nvCxnSpPr>
+            <p:cNvPr id="43" name="Straight Arrow Connector 42"/>
+            <p:cNvCxnSpPr>
+              <a:cxnSpLocks/>
+            </p:cNvCxnSpPr>
+            <p:nvPr/>
+          </p:nvCxnSpPr>
+          <p:spPr>
+            <a:xfrm flipV="1">
+              <a:off x="3744384" y="3317576"/>
+              <a:ext cx="0" cy="1277727"/>
+            </a:xfrm>
+            <a:prstGeom prst="straightConnector1">
+              <a:avLst/>
+            </a:prstGeom>
+            <a:ln w="41275">
+              <a:tailEnd type="none"/>
+            </a:ln>
+          </p:spPr>
+          <p:style>
+            <a:lnRef idx="1">
+              <a:schemeClr val="accent1"/>
+            </a:lnRef>
+            <a:fillRef idx="0">
+              <a:schemeClr val="accent1"/>
+            </a:fillRef>
+            <a:effectRef idx="0">
+              <a:schemeClr val="accent1"/>
+            </a:effectRef>
+            <a:fontRef idx="minor">
+              <a:schemeClr val="tx1"/>
+            </a:fontRef>
+          </p:style>
+        </p:cxnSp>
+        <p:sp>
+          <p:nvSpPr>
+            <p:cNvPr id="46" name="Rectangle 45"/>
+            <p:cNvSpPr/>
+            <p:nvPr/>
+          </p:nvSpPr>
+          <p:spPr>
+            <a:xfrm>
+              <a:off x="2871699" y="5258237"/>
+              <a:ext cx="1638000" cy="584775"/>
+            </a:xfrm>
+            <a:prstGeom prst="rect">
+              <a:avLst/>
+            </a:prstGeom>
+          </p:spPr>
+          <p:txBody>
+            <a:bodyPr wrap="square">
+              <a:spAutoFit/>
+            </a:bodyPr>
+            <a:lstStyle/>
+            <a:p>
+              <a:pPr algn="ctr"/>
+              <a:r>
+                <a:rPr lang="en-GB" sz="1600" dirty="0">
+                  <a:latin typeface="Times" pitchFamily="2" charset="0"/>
+                </a:rPr>
+                <a:t>Normal and abnormal images</a:t>
+              </a:r>
+            </a:p>
+          </p:txBody>
+        </p:sp>
+        <p:sp>
+          <p:nvSpPr>
+            <p:cNvPr id="47" name="Rectangle 46"/>
+            <p:cNvSpPr/>
+            <p:nvPr/>
+          </p:nvSpPr>
+          <p:spPr>
+            <a:xfrm>
+              <a:off x="6815416" y="5243927"/>
+              <a:ext cx="1638996" cy="338554"/>
+            </a:xfrm>
+            <a:prstGeom prst="rect">
+              <a:avLst/>
+            </a:prstGeom>
+          </p:spPr>
+          <p:txBody>
+            <a:bodyPr wrap="square">
+              <a:spAutoFit/>
+            </a:bodyPr>
+            <a:lstStyle/>
+            <a:p>
+              <a:pPr algn="ctr"/>
+              <a:r>
+                <a:rPr lang="en-GB" sz="1600" dirty="0">
+                  <a:latin typeface="Times" pitchFamily="2" charset="0"/>
+                </a:rPr>
+                <a:t>Fake normal</a:t>
+              </a:r>
+            </a:p>
+          </p:txBody>
+        </p:sp>
+      </p:grpSp>
+      <p:sp>
+        <p:nvSpPr>
+          <p:cNvPr id="29" name="Rectangle 28">
+            <a:extLst>
+              <a:ext uri="{FF2B5EF4-FFF2-40B4-BE49-F238E27FC236}">
+                <a16:creationId xmlns:a16="http://schemas.microsoft.com/office/drawing/2014/main" id="{125BFB41-BE60-3644-973B-DE5379925F80}"/>
+              </a:ext>
+            </a:extLst>
+          </p:cNvPr>
+          <p:cNvSpPr/>
+          <p:nvPr/>
+        </p:nvSpPr>
+        <p:spPr>
+          <a:xfrm>
+            <a:off x="9637410" y="1821485"/>
+            <a:ext cx="1900335" cy="369332"/>
+          </a:xfrm>
+          <a:prstGeom prst="rect">
+            <a:avLst/>
+          </a:prstGeom>
+        </p:spPr>
+        <p:txBody>
+          <a:bodyPr wrap="square">
+            <a:spAutoFit/>
+          </a:bodyPr>
+          <a:lstStyle/>
+          <a:p>
+            <a:pPr algn="ctr"/>
+            <a:r>
+              <a:rPr lang="en-GB" dirty="0">
+                <a:latin typeface="Times" pitchFamily="2" charset="0"/>
+              </a:rPr>
+              <a:t>normal</a:t>
+            </a:r>
+            <a:r>
+              <a:rPr lang="en-US" altLang="zh-CN" dirty="0">
+                <a:latin typeface="Times" pitchFamily="2" charset="0"/>
+              </a:rPr>
+              <a:t>/abnormal</a:t>
+            </a:r>
+            <a:endParaRPr lang="en-GB" dirty="0">
+              <a:latin typeface="Times" pitchFamily="2" charset="0"/>
+            </a:endParaRPr>
+          </a:p>
+        </p:txBody>
+      </p:sp>
+      <p:pic>
+        <p:nvPicPr>
+          <p:cNvPr id="18" name="图片 17">
+            <a:extLst>
+              <a:ext uri="{FF2B5EF4-FFF2-40B4-BE49-F238E27FC236}">
+                <a16:creationId xmlns:a16="http://schemas.microsoft.com/office/drawing/2014/main" id="{B6479EB0-6306-E040-8F7C-7C0922B4E206}"/>
+              </a:ext>
+            </a:extLst>
+          </p:cNvPr>
+          <p:cNvPicPr>
+            <a:picLocks noChangeAspect="1"/>
+          </p:cNvPicPr>
+          <p:nvPr/>
+        </p:nvPicPr>
+        <p:blipFill>
+          <a:blip r:embed="rId3"/>
+          <a:stretch>
+            <a:fillRect/>
+          </a:stretch>
+        </p:blipFill>
+        <p:spPr>
+          <a:xfrm>
+            <a:off x="1095054" y="3096978"/>
+            <a:ext cx="812800" cy="812800"/>
+          </a:xfrm>
+          <a:prstGeom prst="rect">
+            <a:avLst/>
+          </a:prstGeom>
+        </p:spPr>
+      </p:pic>
+      <p:pic>
+        <p:nvPicPr>
+          <p:cNvPr id="11" name="图片 10">
+            <a:extLst>
+              <a:ext uri="{FF2B5EF4-FFF2-40B4-BE49-F238E27FC236}">
+                <a16:creationId xmlns:a16="http://schemas.microsoft.com/office/drawing/2014/main" id="{EAFEC114-D2CB-8642-8AD9-05047A46B4C1}"/>
+              </a:ext>
+            </a:extLst>
+          </p:cNvPr>
+          <p:cNvPicPr>
+            <a:picLocks noChangeAspect="1"/>
+          </p:cNvPicPr>
+          <p:nvPr/>
+        </p:nvPicPr>
+        <p:blipFill>
+          <a:blip r:embed="rId4"/>
+          <a:stretch>
+            <a:fillRect/>
+          </a:stretch>
+        </p:blipFill>
+        <p:spPr>
+          <a:xfrm>
+            <a:off x="1019283" y="3168978"/>
+            <a:ext cx="812800" cy="812800"/>
+          </a:xfrm>
+          <a:prstGeom prst="rect">
+            <a:avLst/>
+          </a:prstGeom>
+        </p:spPr>
+      </p:pic>
+      <p:pic>
+        <p:nvPicPr>
+          <p:cNvPr id="42" name="图片 41">
+            <a:extLst>
+              <a:ext uri="{FF2B5EF4-FFF2-40B4-BE49-F238E27FC236}">
+                <a16:creationId xmlns:a16="http://schemas.microsoft.com/office/drawing/2014/main" id="{71AD5EE5-3572-CC4A-B198-CF22B81BF2E0}"/>
+              </a:ext>
+            </a:extLst>
+          </p:cNvPr>
+          <p:cNvPicPr>
+            <a:picLocks noChangeAspect="1"/>
+          </p:cNvPicPr>
+          <p:nvPr/>
+        </p:nvPicPr>
+        <p:blipFill>
+          <a:blip r:embed="rId5"/>
+          <a:stretch>
+            <a:fillRect/>
+          </a:stretch>
+        </p:blipFill>
+        <p:spPr>
+          <a:xfrm>
+            <a:off x="6465368" y="1542238"/>
+            <a:ext cx="812800" cy="812800"/>
+          </a:xfrm>
+          <a:prstGeom prst="rect">
+            <a:avLst/>
+          </a:prstGeom>
+        </p:spPr>
+      </p:pic>
+      <p:pic>
+        <p:nvPicPr>
+          <p:cNvPr id="45" name="图片 44">
+            <a:extLst>
+              <a:ext uri="{FF2B5EF4-FFF2-40B4-BE49-F238E27FC236}">
+                <a16:creationId xmlns:a16="http://schemas.microsoft.com/office/drawing/2014/main" id="{468DC2DA-955A-4146-8FDD-85396C0C2E11}"/>
+              </a:ext>
+            </a:extLst>
+          </p:cNvPr>
+          <p:cNvPicPr>
+            <a:picLocks noChangeAspect="1"/>
+          </p:cNvPicPr>
+          <p:nvPr/>
+        </p:nvPicPr>
+        <p:blipFill>
+          <a:blip r:embed="rId6"/>
+          <a:stretch>
+            <a:fillRect/>
+          </a:stretch>
+        </p:blipFill>
+        <p:spPr>
+          <a:xfrm>
+            <a:off x="4985955" y="3064578"/>
+            <a:ext cx="812800" cy="812800"/>
+          </a:xfrm>
+          <a:prstGeom prst="rect">
+            <a:avLst/>
+          </a:prstGeom>
+        </p:spPr>
+      </p:pic>
+      <p:pic>
+        <p:nvPicPr>
+          <p:cNvPr id="34" name="图片 33">
+            <a:extLst>
+              <a:ext uri="{FF2B5EF4-FFF2-40B4-BE49-F238E27FC236}">
+                <a16:creationId xmlns:a16="http://schemas.microsoft.com/office/drawing/2014/main" id="{C4156051-231D-0740-AB30-5A5B114E1D0F}"/>
+              </a:ext>
+            </a:extLst>
+          </p:cNvPr>
+          <p:cNvPicPr>
+            <a:picLocks noChangeAspect="1"/>
+          </p:cNvPicPr>
+          <p:nvPr/>
+        </p:nvPicPr>
+        <p:blipFill>
+          <a:blip r:embed="rId7"/>
+          <a:stretch>
+            <a:fillRect/>
+          </a:stretch>
+        </p:blipFill>
+        <p:spPr>
+          <a:xfrm>
+            <a:off x="4911236" y="3154578"/>
+            <a:ext cx="812800" cy="812800"/>
+          </a:xfrm>
+          <a:prstGeom prst="rect">
+            <a:avLst/>
+          </a:prstGeom>
+        </p:spPr>
+      </p:pic>
+      <p:pic>
+        <p:nvPicPr>
+          <p:cNvPr id="56" name="图片 55">
+            <a:extLst>
+              <a:ext uri="{FF2B5EF4-FFF2-40B4-BE49-F238E27FC236}">
+                <a16:creationId xmlns:a16="http://schemas.microsoft.com/office/drawing/2014/main" id="{31B54A8B-21E7-8A4E-BCD1-684A08856521}"/>
+              </a:ext>
+            </a:extLst>
+          </p:cNvPr>
+          <p:cNvPicPr>
+            <a:picLocks noChangeAspect="1"/>
+          </p:cNvPicPr>
+          <p:nvPr/>
+        </p:nvPicPr>
+        <p:blipFill>
+          <a:blip r:embed="rId8"/>
+          <a:stretch>
+            <a:fillRect/>
+          </a:stretch>
+        </p:blipFill>
+        <p:spPr>
+          <a:xfrm>
+            <a:off x="6372000" y="1605350"/>
+            <a:ext cx="812800" cy="812800"/>
+          </a:xfrm>
+          <a:prstGeom prst="rect">
+            <a:avLst/>
+          </a:prstGeom>
+        </p:spPr>
+      </p:pic>
+      <p:sp>
+        <p:nvSpPr>
+          <p:cNvPr id="60" name="Rectangle 45">
+            <a:extLst>
+              <a:ext uri="{FF2B5EF4-FFF2-40B4-BE49-F238E27FC236}">
+                <a16:creationId xmlns:a16="http://schemas.microsoft.com/office/drawing/2014/main" id="{DB07F1C8-5AEE-4D44-8BF8-C409C4821622}"/>
+              </a:ext>
+            </a:extLst>
+          </p:cNvPr>
+          <p:cNvSpPr/>
+          <p:nvPr/>
+        </p:nvSpPr>
+        <p:spPr>
+          <a:xfrm>
+            <a:off x="5132655" y="2374060"/>
+            <a:ext cx="3406042" cy="830997"/>
+          </a:xfrm>
+          <a:prstGeom prst="rect">
+            <a:avLst/>
+          </a:prstGeom>
+        </p:spPr>
+        <p:txBody>
+          <a:bodyPr wrap="square">
+            <a:spAutoFit/>
+          </a:bodyPr>
+          <a:lstStyle/>
+          <a:p>
+            <a:pPr algn="ctr"/>
+            <a:r>
+              <a:rPr lang="en-US" altLang="zh-CN" sz="1600" dirty="0">
+                <a:latin typeface="Times" pitchFamily="2" charset="0"/>
+              </a:rPr>
+              <a:t>Difference</a:t>
+            </a:r>
+            <a:r>
+              <a:rPr lang="zh-CN" altLang="en-US" sz="1600" dirty="0">
+                <a:latin typeface="Times" pitchFamily="2" charset="0"/>
+              </a:rPr>
+              <a:t> </a:t>
+            </a:r>
+            <a:r>
+              <a:rPr lang="en-US" altLang="zh-CN" sz="1600" dirty="0">
+                <a:latin typeface="Times" pitchFamily="2" charset="0"/>
+              </a:rPr>
+              <a:t>between</a:t>
+            </a:r>
+            <a:r>
+              <a:rPr lang="zh-CN" altLang="en-US" sz="1600" dirty="0">
+                <a:latin typeface="Times" pitchFamily="2" charset="0"/>
+              </a:rPr>
+              <a:t> </a:t>
+            </a:r>
+            <a:endParaRPr lang="en-US" altLang="zh-CN" sz="1600" dirty="0">
+              <a:latin typeface="Times" pitchFamily="2" charset="0"/>
+            </a:endParaRPr>
+          </a:p>
+          <a:p>
+            <a:pPr algn="ctr"/>
+            <a:r>
+              <a:rPr lang="en-US" altLang="zh-CN" sz="1600" dirty="0">
+                <a:latin typeface="Times" pitchFamily="2" charset="0"/>
+              </a:rPr>
+              <a:t>Encoder-decoder’s</a:t>
+            </a:r>
+            <a:r>
+              <a:rPr lang="zh-CN" altLang="en-US" sz="1600" dirty="0">
+                <a:latin typeface="Times" pitchFamily="2" charset="0"/>
+              </a:rPr>
+              <a:t> </a:t>
+            </a:r>
+            <a:endParaRPr lang="en-US" altLang="zh-CN" sz="1600" dirty="0">
+              <a:latin typeface="Times" pitchFamily="2" charset="0"/>
+            </a:endParaRPr>
+          </a:p>
+          <a:p>
+            <a:pPr algn="ctr"/>
+            <a:r>
+              <a:rPr lang="en-US" altLang="zh-CN" sz="1600" dirty="0">
+                <a:latin typeface="Times" pitchFamily="2" charset="0"/>
+              </a:rPr>
+              <a:t>input</a:t>
+            </a:r>
+            <a:r>
+              <a:rPr lang="zh-CN" altLang="en-US" sz="1600" dirty="0">
+                <a:latin typeface="Times" pitchFamily="2" charset="0"/>
+              </a:rPr>
+              <a:t> </a:t>
+            </a:r>
+            <a:r>
+              <a:rPr lang="en-US" altLang="zh-CN" sz="1600" dirty="0">
+                <a:latin typeface="Times" pitchFamily="2" charset="0"/>
+              </a:rPr>
+              <a:t>and</a:t>
+            </a:r>
+            <a:r>
+              <a:rPr lang="zh-CN" altLang="en-US" sz="1600" dirty="0">
+                <a:latin typeface="Times" pitchFamily="2" charset="0"/>
+              </a:rPr>
+              <a:t> </a:t>
+            </a:r>
+            <a:r>
+              <a:rPr lang="en-US" altLang="zh-CN" sz="1600" dirty="0">
+                <a:latin typeface="Times" pitchFamily="2" charset="0"/>
+              </a:rPr>
+              <a:t>output</a:t>
+            </a:r>
+            <a:endParaRPr lang="en-GB" sz="1600" dirty="0">
+              <a:latin typeface="Times" pitchFamily="2" charset="0"/>
+            </a:endParaRPr>
+          </a:p>
+        </p:txBody>
+      </p:sp>
+      <p:pic>
+        <p:nvPicPr>
+          <p:cNvPr id="3" name="图片 2">
+            <a:extLst>
+              <a:ext uri="{FF2B5EF4-FFF2-40B4-BE49-F238E27FC236}">
+                <a16:creationId xmlns:a16="http://schemas.microsoft.com/office/drawing/2014/main" id="{8FEF5D4A-2C2B-C94D-B732-E7028D6DF1C9}"/>
+              </a:ext>
+            </a:extLst>
+          </p:cNvPr>
+          <p:cNvPicPr>
+            <a:picLocks noChangeAspect="1"/>
+          </p:cNvPicPr>
+          <p:nvPr/>
+        </p:nvPicPr>
+        <p:blipFill>
+          <a:blip r:embed="rId9"/>
+          <a:stretch>
+            <a:fillRect/>
+          </a:stretch>
+        </p:blipFill>
+        <p:spPr>
+          <a:xfrm>
+            <a:off x="6372000" y="1605350"/>
+            <a:ext cx="812800" cy="812800"/>
+          </a:xfrm>
+          <a:prstGeom prst="rect">
+            <a:avLst/>
+          </a:prstGeom>
+        </p:spPr>
+      </p:pic>
+    </p:spTree>
+    <p:extLst>
+      <p:ext uri="{BB962C8B-B14F-4D97-AF65-F5344CB8AC3E}">
+        <p14:creationId xmlns:p14="http://schemas.microsoft.com/office/powerpoint/2010/main" val="410504565"/>
+      </p:ext>
+    </p:extLst>
+  </p:cSld>
+  <p:clrMapOvr>
+    <a:masterClrMapping/>
+  </p:clrMapOvr>
+</p:sld>
+</file>
+
 <file path=ppt/theme/theme1.xml><?xml version="1.0" encoding="utf-8"?>
 <a:theme xmlns:a="http://schemas.openxmlformats.org/drawingml/2006/main" name="Office 主题​​">
   <a:themeElements>
@@ -16359,7 +20810,33 @@
       </a:bgFillStyleLst>
     </a:fmtScheme>
   </a:themeElements>
-  <a:objectDefaults/>
+  <a:objectDefaults>
+    <a:spDef>
+      <a:spPr/>
+      <a:bodyPr rtlCol="0" anchor="ctr"/>
+      <a:lstStyle>
+        <a:defPPr algn="ctr">
+          <a:defRPr kumimoji="1" dirty="0"/>
+        </a:defPPr>
+      </a:lstStyle>
+      <a:style>
+        <a:lnRef idx="2">
+          <a:schemeClr val="accent1">
+            <a:shade val="50000"/>
+          </a:schemeClr>
+        </a:lnRef>
+        <a:fillRef idx="1">
+          <a:schemeClr val="accent1"/>
+        </a:fillRef>
+        <a:effectRef idx="0">
+          <a:schemeClr val="accent1"/>
+        </a:effectRef>
+        <a:fontRef idx="minor">
+          <a:schemeClr val="lt1"/>
+        </a:fontRef>
+      </a:style>
+    </a:spDef>
+  </a:objectDefaults>
   <a:extraClrSchemeLst/>
   <a:extLst>
     <a:ext uri="{05A4C25C-085E-4340-85A3-A5531E510DB2}">

--- a/LaTeX/MacOs系统/figure/all_figures.pptx
+++ b/LaTeX/MacOs系统/figure/all_figures.pptx
@@ -5,7 +5,7 @@
     <p:sldMasterId id="2147483660" r:id="rId1"/>
   </p:sldMasterIdLst>
   <p:notesMasterIdLst>
-    <p:notesMasterId r:id="rId12"/>
+    <p:notesMasterId r:id="rId14"/>
   </p:notesMasterIdLst>
   <p:sldIdLst>
     <p:sldId id="256" r:id="rId2"/>
@@ -18,6 +18,8 @@
     <p:sldId id="401" r:id="rId9"/>
     <p:sldId id="402" r:id="rId10"/>
     <p:sldId id="403" r:id="rId11"/>
+    <p:sldId id="404" r:id="rId12"/>
+    <p:sldId id="405" r:id="rId13"/>
   </p:sldIdLst>
   <p:sldSz cx="12192000" cy="7937500"/>
   <p:notesSz cx="6858000" cy="9144000"/>
@@ -206,7 +208,7 @@
           <a:p>
             <a:fld id="{D2A48B96-639E-45A3-A0BA-2464DFDB1FAA}" type="datetimeFigureOut">
               <a:rPr lang="zh-CN" altLang="en-US" smtClean="0"/>
-              <a:t>2020/2/20</a:t>
+              <a:t>2020/2/22</a:t>
             </a:fld>
             <a:endParaRPr lang="zh-CN" altLang="en-US"/>
           </a:p>
@@ -1201,7 +1203,7 @@
           <a:p>
             <a:fld id="{9860DD9F-B9F0-9442-B928-14853C54059E}" type="datetimeFigureOut">
               <a:rPr kumimoji="1" lang="zh-CN" altLang="en-US" smtClean="0"/>
-              <a:t>2020/2/20</a:t>
+              <a:t>2020/2/22</a:t>
             </a:fld>
             <a:endParaRPr kumimoji="1" lang="zh-CN" altLang="en-US"/>
           </a:p>
@@ -1347,7 +1349,7 @@
           <a:p>
             <a:fld id="{9860DD9F-B9F0-9442-B928-14853C54059E}" type="datetimeFigureOut">
               <a:rPr kumimoji="1" lang="zh-CN" altLang="en-US" smtClean="0"/>
-              <a:t>2020/2/20</a:t>
+              <a:t>2020/2/22</a:t>
             </a:fld>
             <a:endParaRPr kumimoji="1" lang="zh-CN" altLang="en-US"/>
           </a:p>
@@ -1503,7 +1505,7 @@
           <a:p>
             <a:fld id="{9860DD9F-B9F0-9442-B928-14853C54059E}" type="datetimeFigureOut">
               <a:rPr kumimoji="1" lang="zh-CN" altLang="en-US" smtClean="0"/>
-              <a:t>2020/2/20</a:t>
+              <a:t>2020/2/22</a:t>
             </a:fld>
             <a:endParaRPr kumimoji="1" lang="zh-CN" altLang="en-US"/>
           </a:p>
@@ -1649,7 +1651,7 @@
           <a:p>
             <a:fld id="{9860DD9F-B9F0-9442-B928-14853C54059E}" type="datetimeFigureOut">
               <a:rPr kumimoji="1" lang="zh-CN" altLang="en-US" smtClean="0"/>
-              <a:t>2020/2/20</a:t>
+              <a:t>2020/2/22</a:t>
             </a:fld>
             <a:endParaRPr kumimoji="1" lang="zh-CN" altLang="en-US"/>
           </a:p>
@@ -1898,7 +1900,7 @@
           <a:p>
             <a:fld id="{9860DD9F-B9F0-9442-B928-14853C54059E}" type="datetimeFigureOut">
               <a:rPr kumimoji="1" lang="zh-CN" altLang="en-US" smtClean="0"/>
-              <a:t>2020/2/20</a:t>
+              <a:t>2020/2/22</a:t>
             </a:fld>
             <a:endParaRPr kumimoji="1" lang="zh-CN" altLang="en-US"/>
           </a:p>
@@ -2082,7 +2084,7 @@
           <a:p>
             <a:fld id="{9860DD9F-B9F0-9442-B928-14853C54059E}" type="datetimeFigureOut">
               <a:rPr kumimoji="1" lang="zh-CN" altLang="en-US" smtClean="0"/>
-              <a:t>2020/2/20</a:t>
+              <a:t>2020/2/22</a:t>
             </a:fld>
             <a:endParaRPr kumimoji="1" lang="zh-CN" altLang="en-US"/>
           </a:p>
@@ -2411,7 +2413,7 @@
           <a:p>
             <a:fld id="{9860DD9F-B9F0-9442-B928-14853C54059E}" type="datetimeFigureOut">
               <a:rPr kumimoji="1" lang="zh-CN" altLang="en-US" smtClean="0"/>
-              <a:t>2020/2/20</a:t>
+              <a:t>2020/2/22</a:t>
             </a:fld>
             <a:endParaRPr kumimoji="1" lang="zh-CN" altLang="en-US"/>
           </a:p>
@@ -2529,7 +2531,7 @@
           <a:p>
             <a:fld id="{9860DD9F-B9F0-9442-B928-14853C54059E}" type="datetimeFigureOut">
               <a:rPr kumimoji="1" lang="zh-CN" altLang="en-US" smtClean="0"/>
-              <a:t>2020/2/20</a:t>
+              <a:t>2020/2/22</a:t>
             </a:fld>
             <a:endParaRPr kumimoji="1" lang="zh-CN" altLang="en-US"/>
           </a:p>
@@ -2624,7 +2626,7 @@
           <a:p>
             <a:fld id="{9860DD9F-B9F0-9442-B928-14853C54059E}" type="datetimeFigureOut">
               <a:rPr kumimoji="1" lang="zh-CN" altLang="en-US" smtClean="0"/>
-              <a:t>2020/2/20</a:t>
+              <a:t>2020/2/22</a:t>
             </a:fld>
             <a:endParaRPr kumimoji="1" lang="zh-CN" altLang="en-US"/>
           </a:p>
@@ -2882,7 +2884,7 @@
           <a:p>
             <a:fld id="{9860DD9F-B9F0-9442-B928-14853C54059E}" type="datetimeFigureOut">
               <a:rPr kumimoji="1" lang="zh-CN" altLang="en-US" smtClean="0"/>
-              <a:t>2020/2/20</a:t>
+              <a:t>2020/2/22</a:t>
             </a:fld>
             <a:endParaRPr kumimoji="1" lang="zh-CN" altLang="en-US"/>
           </a:p>
@@ -3144,7 +3146,7 @@
           <a:p>
             <a:fld id="{9860DD9F-B9F0-9442-B928-14853C54059E}" type="datetimeFigureOut">
               <a:rPr kumimoji="1" lang="zh-CN" altLang="en-US" smtClean="0"/>
-              <a:t>2020/2/20</a:t>
+              <a:t>2020/2/22</a:t>
             </a:fld>
             <a:endParaRPr kumimoji="1" lang="zh-CN" altLang="en-US"/>
           </a:p>
@@ -3333,7 +3335,7 @@
           <a:p>
             <a:fld id="{9860DD9F-B9F0-9442-B928-14853C54059E}" type="datetimeFigureOut">
               <a:rPr kumimoji="1" lang="zh-CN" altLang="en-US" smtClean="0"/>
-              <a:t>2020/2/20</a:t>
+              <a:t>2020/2/22</a:t>
             </a:fld>
             <a:endParaRPr kumimoji="1" lang="zh-CN" altLang="en-US"/>
           </a:p>
@@ -4534,6 +4536,1774 @@
 </p:sld>
 </file>
 
+<file path=ppt/slides/slide11.xml><?xml version="1.0" encoding="utf-8"?>
+<p:sld xmlns:a="http://schemas.openxmlformats.org/drawingml/2006/main" xmlns:r="http://schemas.openxmlformats.org/officeDocument/2006/relationships" xmlns:p="http://schemas.openxmlformats.org/presentationml/2006/main">
+  <p:cSld>
+    <p:spTree>
+      <p:nvGrpSpPr>
+        <p:cNvPr id="1" name=""/>
+        <p:cNvGrpSpPr/>
+        <p:nvPr/>
+      </p:nvGrpSpPr>
+      <p:grpSpPr>
+        <a:xfrm>
+          <a:off x="0" y="0"/>
+          <a:ext cx="0" cy="0"/>
+          <a:chOff x="0" y="0"/>
+          <a:chExt cx="0" cy="0"/>
+        </a:xfrm>
+      </p:grpSpPr>
+      <p:pic>
+        <p:nvPicPr>
+          <p:cNvPr id="5" name="图片 4">
+            <a:extLst>
+              <a:ext uri="{FF2B5EF4-FFF2-40B4-BE49-F238E27FC236}">
+                <a16:creationId xmlns:a16="http://schemas.microsoft.com/office/drawing/2014/main" id="{AD6F71B3-E4C2-444B-8B3E-F3AB3D5FCE61}"/>
+              </a:ext>
+            </a:extLst>
+          </p:cNvPr>
+          <p:cNvPicPr>
+            <a:picLocks noChangeAspect="1"/>
+          </p:cNvPicPr>
+          <p:nvPr/>
+        </p:nvPicPr>
+        <p:blipFill>
+          <a:blip r:embed="rId2"/>
+          <a:stretch>
+            <a:fillRect/>
+          </a:stretch>
+        </p:blipFill>
+        <p:spPr>
+          <a:xfrm>
+            <a:off x="1497163" y="1311814"/>
+            <a:ext cx="812800" cy="812800"/>
+          </a:xfrm>
+          <a:prstGeom prst="rect">
+            <a:avLst/>
+          </a:prstGeom>
+        </p:spPr>
+      </p:pic>
+      <p:pic>
+        <p:nvPicPr>
+          <p:cNvPr id="7" name="图片 6">
+            <a:extLst>
+              <a:ext uri="{FF2B5EF4-FFF2-40B4-BE49-F238E27FC236}">
+                <a16:creationId xmlns:a16="http://schemas.microsoft.com/office/drawing/2014/main" id="{A5744BDB-3467-4242-965C-3A13E4440080}"/>
+              </a:ext>
+            </a:extLst>
+          </p:cNvPr>
+          <p:cNvPicPr>
+            <a:picLocks noChangeAspect="1"/>
+          </p:cNvPicPr>
+          <p:nvPr/>
+        </p:nvPicPr>
+        <p:blipFill>
+          <a:blip r:embed="rId3"/>
+          <a:stretch>
+            <a:fillRect/>
+          </a:stretch>
+        </p:blipFill>
+        <p:spPr>
+          <a:xfrm>
+            <a:off x="1497070" y="3006864"/>
+            <a:ext cx="812800" cy="812800"/>
+          </a:xfrm>
+          <a:prstGeom prst="rect">
+            <a:avLst/>
+          </a:prstGeom>
+        </p:spPr>
+      </p:pic>
+      <p:pic>
+        <p:nvPicPr>
+          <p:cNvPr id="9" name="图片 8">
+            <a:extLst>
+              <a:ext uri="{FF2B5EF4-FFF2-40B4-BE49-F238E27FC236}">
+                <a16:creationId xmlns:a16="http://schemas.microsoft.com/office/drawing/2014/main" id="{8EA2014E-AB20-484B-81AB-2C4476FE791C}"/>
+              </a:ext>
+            </a:extLst>
+          </p:cNvPr>
+          <p:cNvPicPr>
+            <a:picLocks noChangeAspect="1"/>
+          </p:cNvPicPr>
+          <p:nvPr/>
+        </p:nvPicPr>
+        <p:blipFill>
+          <a:blip r:embed="rId4"/>
+          <a:stretch>
+            <a:fillRect/>
+          </a:stretch>
+        </p:blipFill>
+        <p:spPr>
+          <a:xfrm>
+            <a:off x="2362429" y="2159339"/>
+            <a:ext cx="812800" cy="812800"/>
+          </a:xfrm>
+          <a:prstGeom prst="rect">
+            <a:avLst/>
+          </a:prstGeom>
+        </p:spPr>
+      </p:pic>
+      <p:pic>
+        <p:nvPicPr>
+          <p:cNvPr id="11" name="图片 10">
+            <a:extLst>
+              <a:ext uri="{FF2B5EF4-FFF2-40B4-BE49-F238E27FC236}">
+                <a16:creationId xmlns:a16="http://schemas.microsoft.com/office/drawing/2014/main" id="{A447D9D3-F334-1640-B196-9B8C4FA6873A}"/>
+              </a:ext>
+            </a:extLst>
+          </p:cNvPr>
+          <p:cNvPicPr>
+            <a:picLocks noChangeAspect="1"/>
+          </p:cNvPicPr>
+          <p:nvPr/>
+        </p:nvPicPr>
+        <p:blipFill>
+          <a:blip r:embed="rId5"/>
+          <a:stretch>
+            <a:fillRect/>
+          </a:stretch>
+        </p:blipFill>
+        <p:spPr>
+          <a:xfrm>
+            <a:off x="2362429" y="3006864"/>
+            <a:ext cx="812800" cy="812800"/>
+          </a:xfrm>
+          <a:prstGeom prst="rect">
+            <a:avLst/>
+          </a:prstGeom>
+        </p:spPr>
+      </p:pic>
+      <p:pic>
+        <p:nvPicPr>
+          <p:cNvPr id="13" name="图片 12">
+            <a:extLst>
+              <a:ext uri="{FF2B5EF4-FFF2-40B4-BE49-F238E27FC236}">
+                <a16:creationId xmlns:a16="http://schemas.microsoft.com/office/drawing/2014/main" id="{7C4B6ED8-0E1B-3343-9CDC-BD7EAC180E57}"/>
+              </a:ext>
+            </a:extLst>
+          </p:cNvPr>
+          <p:cNvPicPr>
+            <a:picLocks noChangeAspect="1"/>
+          </p:cNvPicPr>
+          <p:nvPr/>
+        </p:nvPicPr>
+        <p:blipFill>
+          <a:blip r:embed="rId6"/>
+          <a:stretch>
+            <a:fillRect/>
+          </a:stretch>
+        </p:blipFill>
+        <p:spPr>
+          <a:xfrm>
+            <a:off x="2362429" y="1311814"/>
+            <a:ext cx="812800" cy="812800"/>
+          </a:xfrm>
+          <a:prstGeom prst="rect">
+            <a:avLst/>
+          </a:prstGeom>
+        </p:spPr>
+      </p:pic>
+      <p:pic>
+        <p:nvPicPr>
+          <p:cNvPr id="15" name="图片 14">
+            <a:extLst>
+              <a:ext uri="{FF2B5EF4-FFF2-40B4-BE49-F238E27FC236}">
+                <a16:creationId xmlns:a16="http://schemas.microsoft.com/office/drawing/2014/main" id="{1BBB1D78-4F23-FD40-B9A4-F0EF08B56539}"/>
+              </a:ext>
+            </a:extLst>
+          </p:cNvPr>
+          <p:cNvPicPr>
+            <a:picLocks noChangeAspect="1"/>
+          </p:cNvPicPr>
+          <p:nvPr/>
+        </p:nvPicPr>
+        <p:blipFill>
+          <a:blip r:embed="rId7"/>
+          <a:stretch>
+            <a:fillRect/>
+          </a:stretch>
+        </p:blipFill>
+        <p:spPr>
+          <a:xfrm>
+            <a:off x="1497070" y="2159339"/>
+            <a:ext cx="812800" cy="812800"/>
+          </a:xfrm>
+          <a:prstGeom prst="rect">
+            <a:avLst/>
+          </a:prstGeom>
+        </p:spPr>
+      </p:pic>
+      <p:pic>
+        <p:nvPicPr>
+          <p:cNvPr id="21" name="图片 20">
+            <a:extLst>
+              <a:ext uri="{FF2B5EF4-FFF2-40B4-BE49-F238E27FC236}">
+                <a16:creationId xmlns:a16="http://schemas.microsoft.com/office/drawing/2014/main" id="{4E95F0D3-3648-054C-AEFE-247F7FF67E5C}"/>
+              </a:ext>
+            </a:extLst>
+          </p:cNvPr>
+          <p:cNvPicPr>
+            <a:picLocks noChangeAspect="1"/>
+          </p:cNvPicPr>
+          <p:nvPr/>
+        </p:nvPicPr>
+        <p:blipFill>
+          <a:blip r:embed="rId8"/>
+          <a:stretch>
+            <a:fillRect/>
+          </a:stretch>
+        </p:blipFill>
+        <p:spPr>
+          <a:xfrm>
+            <a:off x="4155782" y="3006864"/>
+            <a:ext cx="812800" cy="812800"/>
+          </a:xfrm>
+          <a:prstGeom prst="rect">
+            <a:avLst/>
+          </a:prstGeom>
+        </p:spPr>
+      </p:pic>
+      <p:pic>
+        <p:nvPicPr>
+          <p:cNvPr id="23" name="图片 22">
+            <a:extLst>
+              <a:ext uri="{FF2B5EF4-FFF2-40B4-BE49-F238E27FC236}">
+                <a16:creationId xmlns:a16="http://schemas.microsoft.com/office/drawing/2014/main" id="{953AE9D3-0362-6641-A35D-02605A8B8248}"/>
+              </a:ext>
+            </a:extLst>
+          </p:cNvPr>
+          <p:cNvPicPr>
+            <a:picLocks noChangeAspect="1"/>
+          </p:cNvPicPr>
+          <p:nvPr/>
+        </p:nvPicPr>
+        <p:blipFill>
+          <a:blip r:embed="rId9"/>
+          <a:stretch>
+            <a:fillRect/>
+          </a:stretch>
+        </p:blipFill>
+        <p:spPr>
+          <a:xfrm>
+            <a:off x="3304309" y="3006864"/>
+            <a:ext cx="812800" cy="812800"/>
+          </a:xfrm>
+          <a:prstGeom prst="rect">
+            <a:avLst/>
+          </a:prstGeom>
+        </p:spPr>
+      </p:pic>
+      <p:pic>
+        <p:nvPicPr>
+          <p:cNvPr id="25" name="图片 24">
+            <a:extLst>
+              <a:ext uri="{FF2B5EF4-FFF2-40B4-BE49-F238E27FC236}">
+                <a16:creationId xmlns:a16="http://schemas.microsoft.com/office/drawing/2014/main" id="{6516C430-0BA4-4B43-98E1-E8C15296DA70}"/>
+              </a:ext>
+            </a:extLst>
+          </p:cNvPr>
+          <p:cNvPicPr>
+            <a:picLocks noChangeAspect="1"/>
+          </p:cNvPicPr>
+          <p:nvPr/>
+        </p:nvPicPr>
+        <p:blipFill>
+          <a:blip r:embed="rId10"/>
+          <a:stretch>
+            <a:fillRect/>
+          </a:stretch>
+        </p:blipFill>
+        <p:spPr>
+          <a:xfrm>
+            <a:off x="4155782" y="2159339"/>
+            <a:ext cx="812800" cy="812800"/>
+          </a:xfrm>
+          <a:prstGeom prst="rect">
+            <a:avLst/>
+          </a:prstGeom>
+        </p:spPr>
+      </p:pic>
+      <p:pic>
+        <p:nvPicPr>
+          <p:cNvPr id="27" name="图片 26">
+            <a:extLst>
+              <a:ext uri="{FF2B5EF4-FFF2-40B4-BE49-F238E27FC236}">
+                <a16:creationId xmlns:a16="http://schemas.microsoft.com/office/drawing/2014/main" id="{F6450B2D-E478-AC4E-AC9C-890C1AADC92B}"/>
+              </a:ext>
+            </a:extLst>
+          </p:cNvPr>
+          <p:cNvPicPr>
+            <a:picLocks noChangeAspect="1"/>
+          </p:cNvPicPr>
+          <p:nvPr/>
+        </p:nvPicPr>
+        <p:blipFill>
+          <a:blip r:embed="rId11"/>
+          <a:stretch>
+            <a:fillRect/>
+          </a:stretch>
+        </p:blipFill>
+        <p:spPr>
+          <a:xfrm>
+            <a:off x="3304309" y="2159339"/>
+            <a:ext cx="812800" cy="812800"/>
+          </a:xfrm>
+          <a:prstGeom prst="rect">
+            <a:avLst/>
+          </a:prstGeom>
+        </p:spPr>
+      </p:pic>
+      <p:pic>
+        <p:nvPicPr>
+          <p:cNvPr id="29" name="图片 28">
+            <a:extLst>
+              <a:ext uri="{FF2B5EF4-FFF2-40B4-BE49-F238E27FC236}">
+                <a16:creationId xmlns:a16="http://schemas.microsoft.com/office/drawing/2014/main" id="{73D86A7E-4606-3940-8A3A-AEE7A2F4C361}"/>
+              </a:ext>
+            </a:extLst>
+          </p:cNvPr>
+          <p:cNvPicPr>
+            <a:picLocks noChangeAspect="1"/>
+          </p:cNvPicPr>
+          <p:nvPr/>
+        </p:nvPicPr>
+        <p:blipFill>
+          <a:blip r:embed="rId12"/>
+          <a:stretch>
+            <a:fillRect/>
+          </a:stretch>
+        </p:blipFill>
+        <p:spPr>
+          <a:xfrm>
+            <a:off x="4155782" y="1305401"/>
+            <a:ext cx="812800" cy="812800"/>
+          </a:xfrm>
+          <a:prstGeom prst="rect">
+            <a:avLst/>
+          </a:prstGeom>
+        </p:spPr>
+      </p:pic>
+      <p:pic>
+        <p:nvPicPr>
+          <p:cNvPr id="31" name="图片 30">
+            <a:extLst>
+              <a:ext uri="{FF2B5EF4-FFF2-40B4-BE49-F238E27FC236}">
+                <a16:creationId xmlns:a16="http://schemas.microsoft.com/office/drawing/2014/main" id="{BF143F55-6639-9B41-834C-1C067CED8C42}"/>
+              </a:ext>
+            </a:extLst>
+          </p:cNvPr>
+          <p:cNvPicPr>
+            <a:picLocks noChangeAspect="1"/>
+          </p:cNvPicPr>
+          <p:nvPr/>
+        </p:nvPicPr>
+        <p:blipFill>
+          <a:blip r:embed="rId13"/>
+          <a:stretch>
+            <a:fillRect/>
+          </a:stretch>
+        </p:blipFill>
+        <p:spPr>
+          <a:xfrm>
+            <a:off x="3296592" y="1311814"/>
+            <a:ext cx="812800" cy="812800"/>
+          </a:xfrm>
+          <a:prstGeom prst="rect">
+            <a:avLst/>
+          </a:prstGeom>
+        </p:spPr>
+      </p:pic>
+      <p:sp>
+        <p:nvSpPr>
+          <p:cNvPr id="2" name="矩形 1">
+            <a:extLst>
+              <a:ext uri="{FF2B5EF4-FFF2-40B4-BE49-F238E27FC236}">
+                <a16:creationId xmlns:a16="http://schemas.microsoft.com/office/drawing/2014/main" id="{06AC689E-6C8A-2F48-8867-A78F36906529}"/>
+              </a:ext>
+            </a:extLst>
+          </p:cNvPr>
+          <p:cNvSpPr/>
+          <p:nvPr/>
+        </p:nvSpPr>
+        <p:spPr>
+          <a:xfrm>
+            <a:off x="2946400" y="2500778"/>
+            <a:ext cx="177800" cy="158750"/>
+          </a:xfrm>
+          <a:prstGeom prst="rect">
+            <a:avLst/>
+          </a:prstGeom>
+          <a:noFill/>
+          <a:ln w="10160">
+            <a:solidFill>
+              <a:srgbClr val="FF0000"/>
+            </a:solidFill>
+          </a:ln>
+        </p:spPr>
+        <p:style>
+          <a:lnRef idx="2">
+            <a:schemeClr val="accent1">
+              <a:shade val="50000"/>
+            </a:schemeClr>
+          </a:lnRef>
+          <a:fillRef idx="1">
+            <a:schemeClr val="accent1"/>
+          </a:fillRef>
+          <a:effectRef idx="0">
+            <a:schemeClr val="accent1"/>
+          </a:effectRef>
+          <a:fontRef idx="minor">
+            <a:schemeClr val="lt1"/>
+          </a:fontRef>
+        </p:style>
+        <p:txBody>
+          <a:bodyPr rtlCol="0" anchor="ctr"/>
+          <a:lstStyle/>
+          <a:p>
+            <a:pPr algn="ctr"/>
+            <a:endParaRPr kumimoji="1" lang="zh-CN" altLang="en-US" dirty="0"/>
+          </a:p>
+        </p:txBody>
+      </p:sp>
+      <p:sp>
+        <p:nvSpPr>
+          <p:cNvPr id="16" name="矩形 15">
+            <a:extLst>
+              <a:ext uri="{FF2B5EF4-FFF2-40B4-BE49-F238E27FC236}">
+                <a16:creationId xmlns:a16="http://schemas.microsoft.com/office/drawing/2014/main" id="{358C26B5-7B61-894A-B896-C7A6F81237AE}"/>
+              </a:ext>
+            </a:extLst>
+          </p:cNvPr>
+          <p:cNvSpPr/>
+          <p:nvPr/>
+        </p:nvSpPr>
+        <p:spPr>
+          <a:xfrm>
+            <a:off x="2107710" y="3433058"/>
+            <a:ext cx="177800" cy="158750"/>
+          </a:xfrm>
+          <a:prstGeom prst="rect">
+            <a:avLst/>
+          </a:prstGeom>
+          <a:noFill/>
+          <a:ln w="10160">
+            <a:solidFill>
+              <a:srgbClr val="FF0000"/>
+            </a:solidFill>
+          </a:ln>
+        </p:spPr>
+        <p:style>
+          <a:lnRef idx="2">
+            <a:schemeClr val="accent1">
+              <a:shade val="50000"/>
+            </a:schemeClr>
+          </a:lnRef>
+          <a:fillRef idx="1">
+            <a:schemeClr val="accent1"/>
+          </a:fillRef>
+          <a:effectRef idx="0">
+            <a:schemeClr val="accent1"/>
+          </a:effectRef>
+          <a:fontRef idx="minor">
+            <a:schemeClr val="lt1"/>
+          </a:fontRef>
+        </p:style>
+        <p:txBody>
+          <a:bodyPr rtlCol="0" anchor="ctr"/>
+          <a:lstStyle/>
+          <a:p>
+            <a:pPr algn="ctr"/>
+            <a:endParaRPr kumimoji="1" lang="zh-CN" altLang="en-US" dirty="0"/>
+          </a:p>
+        </p:txBody>
+      </p:sp>
+      <p:sp>
+        <p:nvSpPr>
+          <p:cNvPr id="17" name="矩形 16">
+            <a:extLst>
+              <a:ext uri="{FF2B5EF4-FFF2-40B4-BE49-F238E27FC236}">
+                <a16:creationId xmlns:a16="http://schemas.microsoft.com/office/drawing/2014/main" id="{6E82C6AF-909C-0743-B8F5-56FA655985BB}"/>
+              </a:ext>
+            </a:extLst>
+          </p:cNvPr>
+          <p:cNvSpPr/>
+          <p:nvPr/>
+        </p:nvSpPr>
+        <p:spPr>
+          <a:xfrm>
+            <a:off x="2114736" y="3647466"/>
+            <a:ext cx="177800" cy="158750"/>
+          </a:xfrm>
+          <a:prstGeom prst="rect">
+            <a:avLst/>
+          </a:prstGeom>
+          <a:noFill/>
+          <a:ln w="10160">
+            <a:solidFill>
+              <a:srgbClr val="FF0000"/>
+            </a:solidFill>
+          </a:ln>
+        </p:spPr>
+        <p:style>
+          <a:lnRef idx="2">
+            <a:schemeClr val="accent1">
+              <a:shade val="50000"/>
+            </a:schemeClr>
+          </a:lnRef>
+          <a:fillRef idx="1">
+            <a:schemeClr val="accent1"/>
+          </a:fillRef>
+          <a:effectRef idx="0">
+            <a:schemeClr val="accent1"/>
+          </a:effectRef>
+          <a:fontRef idx="minor">
+            <a:schemeClr val="lt1"/>
+          </a:fontRef>
+        </p:style>
+        <p:txBody>
+          <a:bodyPr rtlCol="0" anchor="ctr"/>
+          <a:lstStyle/>
+          <a:p>
+            <a:pPr algn="ctr"/>
+            <a:endParaRPr kumimoji="1" lang="zh-CN" altLang="en-US" dirty="0"/>
+          </a:p>
+        </p:txBody>
+      </p:sp>
+      <p:sp>
+        <p:nvSpPr>
+          <p:cNvPr id="18" name="矩形 17">
+            <a:extLst>
+              <a:ext uri="{FF2B5EF4-FFF2-40B4-BE49-F238E27FC236}">
+                <a16:creationId xmlns:a16="http://schemas.microsoft.com/office/drawing/2014/main" id="{82B8F425-DF1C-8D45-A7BC-AAD5895A9D79}"/>
+              </a:ext>
+            </a:extLst>
+          </p:cNvPr>
+          <p:cNvSpPr/>
+          <p:nvPr/>
+        </p:nvSpPr>
+        <p:spPr>
+          <a:xfrm>
+            <a:off x="2921141" y="3011424"/>
+            <a:ext cx="247363" cy="308877"/>
+          </a:xfrm>
+          <a:prstGeom prst="rect">
+            <a:avLst/>
+          </a:prstGeom>
+          <a:noFill/>
+          <a:ln w="10160">
+            <a:solidFill>
+              <a:srgbClr val="FF0000"/>
+            </a:solidFill>
+          </a:ln>
+        </p:spPr>
+        <p:style>
+          <a:lnRef idx="2">
+            <a:schemeClr val="accent1">
+              <a:shade val="50000"/>
+            </a:schemeClr>
+          </a:lnRef>
+          <a:fillRef idx="1">
+            <a:schemeClr val="accent1"/>
+          </a:fillRef>
+          <a:effectRef idx="0">
+            <a:schemeClr val="accent1"/>
+          </a:effectRef>
+          <a:fontRef idx="minor">
+            <a:schemeClr val="lt1"/>
+          </a:fontRef>
+        </p:style>
+        <p:txBody>
+          <a:bodyPr rtlCol="0" anchor="ctr"/>
+          <a:lstStyle/>
+          <a:p>
+            <a:pPr algn="ctr"/>
+            <a:endParaRPr kumimoji="1" lang="zh-CN" altLang="en-US" dirty="0"/>
+          </a:p>
+        </p:txBody>
+      </p:sp>
+      <p:sp>
+        <p:nvSpPr>
+          <p:cNvPr id="19" name="矩形 18">
+            <a:extLst>
+              <a:ext uri="{FF2B5EF4-FFF2-40B4-BE49-F238E27FC236}">
+                <a16:creationId xmlns:a16="http://schemas.microsoft.com/office/drawing/2014/main" id="{841C39A8-7751-DA45-98BE-A00EC74FB7A9}"/>
+              </a:ext>
+            </a:extLst>
+          </p:cNvPr>
+          <p:cNvSpPr/>
+          <p:nvPr/>
+        </p:nvSpPr>
+        <p:spPr>
+          <a:xfrm>
+            <a:off x="2414590" y="3104009"/>
+            <a:ext cx="315163" cy="308877"/>
+          </a:xfrm>
+          <a:prstGeom prst="rect">
+            <a:avLst/>
+          </a:prstGeom>
+          <a:noFill/>
+          <a:ln w="10160">
+            <a:solidFill>
+              <a:srgbClr val="FF0000"/>
+            </a:solidFill>
+          </a:ln>
+        </p:spPr>
+        <p:style>
+          <a:lnRef idx="2">
+            <a:schemeClr val="accent1">
+              <a:shade val="50000"/>
+            </a:schemeClr>
+          </a:lnRef>
+          <a:fillRef idx="1">
+            <a:schemeClr val="accent1"/>
+          </a:fillRef>
+          <a:effectRef idx="0">
+            <a:schemeClr val="accent1"/>
+          </a:effectRef>
+          <a:fontRef idx="minor">
+            <a:schemeClr val="lt1"/>
+          </a:fontRef>
+        </p:style>
+        <p:txBody>
+          <a:bodyPr rtlCol="0" anchor="ctr"/>
+          <a:lstStyle/>
+          <a:p>
+            <a:pPr algn="ctr"/>
+            <a:endParaRPr kumimoji="1" lang="zh-CN" altLang="en-US" dirty="0"/>
+          </a:p>
+        </p:txBody>
+      </p:sp>
+      <p:sp>
+        <p:nvSpPr>
+          <p:cNvPr id="20" name="矩形 19">
+            <a:extLst>
+              <a:ext uri="{FF2B5EF4-FFF2-40B4-BE49-F238E27FC236}">
+                <a16:creationId xmlns:a16="http://schemas.microsoft.com/office/drawing/2014/main" id="{8F30D648-182E-EF4E-8EF7-31441C702522}"/>
+              </a:ext>
+            </a:extLst>
+          </p:cNvPr>
+          <p:cNvSpPr/>
+          <p:nvPr/>
+        </p:nvSpPr>
+        <p:spPr>
+          <a:xfrm>
+            <a:off x="1639794" y="2269937"/>
+            <a:ext cx="177800" cy="158750"/>
+          </a:xfrm>
+          <a:prstGeom prst="rect">
+            <a:avLst/>
+          </a:prstGeom>
+          <a:noFill/>
+          <a:ln w="10160">
+            <a:solidFill>
+              <a:srgbClr val="FF0000"/>
+            </a:solidFill>
+          </a:ln>
+        </p:spPr>
+        <p:style>
+          <a:lnRef idx="2">
+            <a:schemeClr val="accent1">
+              <a:shade val="50000"/>
+            </a:schemeClr>
+          </a:lnRef>
+          <a:fillRef idx="1">
+            <a:schemeClr val="accent1"/>
+          </a:fillRef>
+          <a:effectRef idx="0">
+            <a:schemeClr val="accent1"/>
+          </a:effectRef>
+          <a:fontRef idx="minor">
+            <a:schemeClr val="lt1"/>
+          </a:fontRef>
+        </p:style>
+        <p:txBody>
+          <a:bodyPr rtlCol="0" anchor="ctr"/>
+          <a:lstStyle/>
+          <a:p>
+            <a:pPr algn="ctr"/>
+            <a:endParaRPr kumimoji="1" lang="zh-CN" altLang="en-US" dirty="0"/>
+          </a:p>
+        </p:txBody>
+      </p:sp>
+      <p:sp>
+        <p:nvSpPr>
+          <p:cNvPr id="22" name="矩形 21">
+            <a:extLst>
+              <a:ext uri="{FF2B5EF4-FFF2-40B4-BE49-F238E27FC236}">
+                <a16:creationId xmlns:a16="http://schemas.microsoft.com/office/drawing/2014/main" id="{ADBA6EB1-F408-2142-A816-59B76D61F383}"/>
+              </a:ext>
+            </a:extLst>
+          </p:cNvPr>
+          <p:cNvSpPr/>
+          <p:nvPr/>
+        </p:nvSpPr>
+        <p:spPr>
+          <a:xfrm>
+            <a:off x="1626346" y="2666252"/>
+            <a:ext cx="177800" cy="245367"/>
+          </a:xfrm>
+          <a:prstGeom prst="rect">
+            <a:avLst/>
+          </a:prstGeom>
+          <a:noFill/>
+          <a:ln w="10160">
+            <a:solidFill>
+              <a:srgbClr val="FF0000"/>
+            </a:solidFill>
+          </a:ln>
+        </p:spPr>
+        <p:style>
+          <a:lnRef idx="2">
+            <a:schemeClr val="accent1">
+              <a:shade val="50000"/>
+            </a:schemeClr>
+          </a:lnRef>
+          <a:fillRef idx="1">
+            <a:schemeClr val="accent1"/>
+          </a:fillRef>
+          <a:effectRef idx="0">
+            <a:schemeClr val="accent1"/>
+          </a:effectRef>
+          <a:fontRef idx="minor">
+            <a:schemeClr val="lt1"/>
+          </a:fontRef>
+        </p:style>
+        <p:txBody>
+          <a:bodyPr rtlCol="0" anchor="ctr"/>
+          <a:lstStyle/>
+          <a:p>
+            <a:pPr algn="ctr"/>
+            <a:endParaRPr kumimoji="1" lang="zh-CN" altLang="en-US" dirty="0"/>
+          </a:p>
+        </p:txBody>
+      </p:sp>
+      <p:sp>
+        <p:nvSpPr>
+          <p:cNvPr id="24" name="矩形 23">
+            <a:extLst>
+              <a:ext uri="{FF2B5EF4-FFF2-40B4-BE49-F238E27FC236}">
+                <a16:creationId xmlns:a16="http://schemas.microsoft.com/office/drawing/2014/main" id="{41EC175D-324F-2644-8713-BF2DB3553920}"/>
+              </a:ext>
+            </a:extLst>
+          </p:cNvPr>
+          <p:cNvSpPr/>
+          <p:nvPr/>
+        </p:nvSpPr>
+        <p:spPr>
+          <a:xfrm>
+            <a:off x="1537446" y="1320030"/>
+            <a:ext cx="177800" cy="118805"/>
+          </a:xfrm>
+          <a:prstGeom prst="rect">
+            <a:avLst/>
+          </a:prstGeom>
+          <a:noFill/>
+          <a:ln w="10160">
+            <a:solidFill>
+              <a:srgbClr val="FF0000"/>
+            </a:solidFill>
+          </a:ln>
+        </p:spPr>
+        <p:style>
+          <a:lnRef idx="2">
+            <a:schemeClr val="accent1">
+              <a:shade val="50000"/>
+            </a:schemeClr>
+          </a:lnRef>
+          <a:fillRef idx="1">
+            <a:schemeClr val="accent1"/>
+          </a:fillRef>
+          <a:effectRef idx="0">
+            <a:schemeClr val="accent1"/>
+          </a:effectRef>
+          <a:fontRef idx="minor">
+            <a:schemeClr val="lt1"/>
+          </a:fontRef>
+        </p:style>
+        <p:txBody>
+          <a:bodyPr rtlCol="0" anchor="ctr"/>
+          <a:lstStyle/>
+          <a:p>
+            <a:pPr algn="ctr"/>
+            <a:endParaRPr kumimoji="1" lang="zh-CN" altLang="en-US" dirty="0"/>
+          </a:p>
+        </p:txBody>
+      </p:sp>
+      <p:sp>
+        <p:nvSpPr>
+          <p:cNvPr id="26" name="矩形 25">
+            <a:extLst>
+              <a:ext uri="{FF2B5EF4-FFF2-40B4-BE49-F238E27FC236}">
+                <a16:creationId xmlns:a16="http://schemas.microsoft.com/office/drawing/2014/main" id="{30FBD3D5-318D-6242-9C1E-B8588703F71E}"/>
+              </a:ext>
+            </a:extLst>
+          </p:cNvPr>
+          <p:cNvSpPr/>
+          <p:nvPr/>
+        </p:nvSpPr>
+        <p:spPr>
+          <a:xfrm>
+            <a:off x="2928469" y="1401843"/>
+            <a:ext cx="246759" cy="258133"/>
+          </a:xfrm>
+          <a:prstGeom prst="rect">
+            <a:avLst/>
+          </a:prstGeom>
+          <a:noFill/>
+          <a:ln w="10160">
+            <a:solidFill>
+              <a:srgbClr val="FF0000"/>
+            </a:solidFill>
+          </a:ln>
+        </p:spPr>
+        <p:style>
+          <a:lnRef idx="2">
+            <a:schemeClr val="accent1">
+              <a:shade val="50000"/>
+            </a:schemeClr>
+          </a:lnRef>
+          <a:fillRef idx="1">
+            <a:schemeClr val="accent1"/>
+          </a:fillRef>
+          <a:effectRef idx="0">
+            <a:schemeClr val="accent1"/>
+          </a:effectRef>
+          <a:fontRef idx="minor">
+            <a:schemeClr val="lt1"/>
+          </a:fontRef>
+        </p:style>
+        <p:txBody>
+          <a:bodyPr rtlCol="0" anchor="ctr"/>
+          <a:lstStyle/>
+          <a:p>
+            <a:pPr algn="ctr"/>
+            <a:endParaRPr kumimoji="1" lang="zh-CN" altLang="en-US" dirty="0"/>
+          </a:p>
+        </p:txBody>
+      </p:sp>
+      <p:sp>
+        <p:nvSpPr>
+          <p:cNvPr id="28" name="矩形 27">
+            <a:extLst>
+              <a:ext uri="{FF2B5EF4-FFF2-40B4-BE49-F238E27FC236}">
+                <a16:creationId xmlns:a16="http://schemas.microsoft.com/office/drawing/2014/main" id="{05799EF5-4D52-F34F-BD57-07F49ED4EFBB}"/>
+              </a:ext>
+            </a:extLst>
+          </p:cNvPr>
+          <p:cNvSpPr/>
+          <p:nvPr/>
+        </p:nvSpPr>
+        <p:spPr>
+          <a:xfrm>
+            <a:off x="2369801" y="1852633"/>
+            <a:ext cx="299441" cy="258133"/>
+          </a:xfrm>
+          <a:prstGeom prst="rect">
+            <a:avLst/>
+          </a:prstGeom>
+          <a:noFill/>
+          <a:ln w="10160">
+            <a:solidFill>
+              <a:srgbClr val="FF0000"/>
+            </a:solidFill>
+          </a:ln>
+        </p:spPr>
+        <p:style>
+          <a:lnRef idx="2">
+            <a:schemeClr val="accent1">
+              <a:shade val="50000"/>
+            </a:schemeClr>
+          </a:lnRef>
+          <a:fillRef idx="1">
+            <a:schemeClr val="accent1"/>
+          </a:fillRef>
+          <a:effectRef idx="0">
+            <a:schemeClr val="accent1"/>
+          </a:effectRef>
+          <a:fontRef idx="minor">
+            <a:schemeClr val="lt1"/>
+          </a:fontRef>
+        </p:style>
+        <p:txBody>
+          <a:bodyPr rtlCol="0" anchor="ctr"/>
+          <a:lstStyle/>
+          <a:p>
+            <a:pPr algn="ctr"/>
+            <a:endParaRPr kumimoji="1" lang="zh-CN" altLang="en-US" dirty="0"/>
+          </a:p>
+        </p:txBody>
+      </p:sp>
+      <p:sp>
+        <p:nvSpPr>
+          <p:cNvPr id="30" name="矩形 29">
+            <a:extLst>
+              <a:ext uri="{FF2B5EF4-FFF2-40B4-BE49-F238E27FC236}">
+                <a16:creationId xmlns:a16="http://schemas.microsoft.com/office/drawing/2014/main" id="{05763B45-8F7D-AB4C-8F8E-1428F8D95DBD}"/>
+              </a:ext>
+            </a:extLst>
+          </p:cNvPr>
+          <p:cNvSpPr/>
+          <p:nvPr/>
+        </p:nvSpPr>
+        <p:spPr>
+          <a:xfrm>
+            <a:off x="2776822" y="1790742"/>
+            <a:ext cx="164491" cy="212871"/>
+          </a:xfrm>
+          <a:prstGeom prst="rect">
+            <a:avLst/>
+          </a:prstGeom>
+          <a:noFill/>
+          <a:ln w="10160">
+            <a:solidFill>
+              <a:srgbClr val="FF0000"/>
+            </a:solidFill>
+          </a:ln>
+        </p:spPr>
+        <p:style>
+          <a:lnRef idx="2">
+            <a:schemeClr val="accent1">
+              <a:shade val="50000"/>
+            </a:schemeClr>
+          </a:lnRef>
+          <a:fillRef idx="1">
+            <a:schemeClr val="accent1"/>
+          </a:fillRef>
+          <a:effectRef idx="0">
+            <a:schemeClr val="accent1"/>
+          </a:effectRef>
+          <a:fontRef idx="minor">
+            <a:schemeClr val="lt1"/>
+          </a:fontRef>
+        </p:style>
+        <p:txBody>
+          <a:bodyPr rtlCol="0" anchor="ctr"/>
+          <a:lstStyle/>
+          <a:p>
+            <a:pPr algn="ctr"/>
+            <a:endParaRPr kumimoji="1" lang="zh-CN" altLang="en-US" dirty="0"/>
+          </a:p>
+        </p:txBody>
+      </p:sp>
+    </p:spTree>
+    <p:extLst>
+      <p:ext uri="{BB962C8B-B14F-4D97-AF65-F5344CB8AC3E}">
+        <p14:creationId xmlns:p14="http://schemas.microsoft.com/office/powerpoint/2010/main" val="250498534"/>
+      </p:ext>
+    </p:extLst>
+  </p:cSld>
+  <p:clrMapOvr>
+    <a:masterClrMapping/>
+  </p:clrMapOvr>
+</p:sld>
+</file>
+
+<file path=ppt/slides/slide12.xml><?xml version="1.0" encoding="utf-8"?>
+<p:sld xmlns:a="http://schemas.openxmlformats.org/drawingml/2006/main" xmlns:r="http://schemas.openxmlformats.org/officeDocument/2006/relationships" xmlns:p="http://schemas.openxmlformats.org/presentationml/2006/main">
+  <p:cSld>
+    <p:spTree>
+      <p:nvGrpSpPr>
+        <p:cNvPr id="1" name=""/>
+        <p:cNvGrpSpPr/>
+        <p:nvPr/>
+      </p:nvGrpSpPr>
+      <p:grpSpPr>
+        <a:xfrm>
+          <a:off x="0" y="0"/>
+          <a:ext cx="0" cy="0"/>
+          <a:chOff x="0" y="0"/>
+          <a:chExt cx="0" cy="0"/>
+        </a:xfrm>
+      </p:grpSpPr>
+      <p:pic>
+        <p:nvPicPr>
+          <p:cNvPr id="14" name="图片 13">
+            <a:extLst>
+              <a:ext uri="{FF2B5EF4-FFF2-40B4-BE49-F238E27FC236}">
+                <a16:creationId xmlns:a16="http://schemas.microsoft.com/office/drawing/2014/main" id="{EDBA625D-55BA-8947-956D-0E69859560DE}"/>
+              </a:ext>
+            </a:extLst>
+          </p:cNvPr>
+          <p:cNvPicPr>
+            <a:picLocks noChangeAspect="1"/>
+          </p:cNvPicPr>
+          <p:nvPr/>
+        </p:nvPicPr>
+        <p:blipFill>
+          <a:blip r:embed="rId2"/>
+          <a:stretch>
+            <a:fillRect/>
+          </a:stretch>
+        </p:blipFill>
+        <p:spPr>
+          <a:xfrm>
+            <a:off x="2365170" y="4866680"/>
+            <a:ext cx="812800" cy="812800"/>
+          </a:xfrm>
+          <a:prstGeom prst="rect">
+            <a:avLst/>
+          </a:prstGeom>
+        </p:spPr>
+      </p:pic>
+      <p:pic>
+        <p:nvPicPr>
+          <p:cNvPr id="16" name="图片 15">
+            <a:extLst>
+              <a:ext uri="{FF2B5EF4-FFF2-40B4-BE49-F238E27FC236}">
+                <a16:creationId xmlns:a16="http://schemas.microsoft.com/office/drawing/2014/main" id="{E18A909A-37B8-8846-88AF-AE911C29138B}"/>
+              </a:ext>
+            </a:extLst>
+          </p:cNvPr>
+          <p:cNvPicPr>
+            <a:picLocks noChangeAspect="1"/>
+          </p:cNvPicPr>
+          <p:nvPr/>
+        </p:nvPicPr>
+        <p:blipFill>
+          <a:blip r:embed="rId3"/>
+          <a:stretch>
+            <a:fillRect/>
+          </a:stretch>
+        </p:blipFill>
+        <p:spPr>
+          <a:xfrm>
+            <a:off x="2365170" y="5714205"/>
+            <a:ext cx="812800" cy="812800"/>
+          </a:xfrm>
+          <a:prstGeom prst="rect">
+            <a:avLst/>
+          </a:prstGeom>
+        </p:spPr>
+      </p:pic>
+      <p:pic>
+        <p:nvPicPr>
+          <p:cNvPr id="17" name="图片 16">
+            <a:extLst>
+              <a:ext uri="{FF2B5EF4-FFF2-40B4-BE49-F238E27FC236}">
+                <a16:creationId xmlns:a16="http://schemas.microsoft.com/office/drawing/2014/main" id="{D6E68030-9860-2046-98C2-21D828ADBCD5}"/>
+              </a:ext>
+            </a:extLst>
+          </p:cNvPr>
+          <p:cNvPicPr>
+            <a:picLocks noChangeAspect="1"/>
+          </p:cNvPicPr>
+          <p:nvPr/>
+        </p:nvPicPr>
+        <p:blipFill>
+          <a:blip r:embed="rId4"/>
+          <a:stretch>
+            <a:fillRect/>
+          </a:stretch>
+        </p:blipFill>
+        <p:spPr>
+          <a:xfrm>
+            <a:off x="1497070" y="5720618"/>
+            <a:ext cx="812800" cy="812800"/>
+          </a:xfrm>
+          <a:prstGeom prst="rect">
+            <a:avLst/>
+          </a:prstGeom>
+        </p:spPr>
+      </p:pic>
+      <p:pic>
+        <p:nvPicPr>
+          <p:cNvPr id="18" name="图片 17">
+            <a:extLst>
+              <a:ext uri="{FF2B5EF4-FFF2-40B4-BE49-F238E27FC236}">
+                <a16:creationId xmlns:a16="http://schemas.microsoft.com/office/drawing/2014/main" id="{8D0558C9-7D02-494C-AB77-D66DAFBBAE77}"/>
+              </a:ext>
+            </a:extLst>
+          </p:cNvPr>
+          <p:cNvPicPr>
+            <a:picLocks noChangeAspect="1"/>
+          </p:cNvPicPr>
+          <p:nvPr/>
+        </p:nvPicPr>
+        <p:blipFill>
+          <a:blip r:embed="rId5"/>
+          <a:stretch>
+            <a:fillRect/>
+          </a:stretch>
+        </p:blipFill>
+        <p:spPr>
+          <a:xfrm>
+            <a:off x="1497070" y="4866680"/>
+            <a:ext cx="812800" cy="812800"/>
+          </a:xfrm>
+          <a:prstGeom prst="rect">
+            <a:avLst/>
+          </a:prstGeom>
+        </p:spPr>
+      </p:pic>
+      <p:pic>
+        <p:nvPicPr>
+          <p:cNvPr id="19" name="图片 18">
+            <a:extLst>
+              <a:ext uri="{FF2B5EF4-FFF2-40B4-BE49-F238E27FC236}">
+                <a16:creationId xmlns:a16="http://schemas.microsoft.com/office/drawing/2014/main" id="{1C5C3CE3-4CB9-7E4B-A724-98728027D854}"/>
+              </a:ext>
+            </a:extLst>
+          </p:cNvPr>
+          <p:cNvPicPr>
+            <a:picLocks noChangeAspect="1"/>
+          </p:cNvPicPr>
+          <p:nvPr/>
+        </p:nvPicPr>
+        <p:blipFill>
+          <a:blip r:embed="rId6"/>
+          <a:stretch>
+            <a:fillRect/>
+          </a:stretch>
+        </p:blipFill>
+        <p:spPr>
+          <a:xfrm>
+            <a:off x="2365170" y="4012742"/>
+            <a:ext cx="812800" cy="812800"/>
+          </a:xfrm>
+          <a:prstGeom prst="rect">
+            <a:avLst/>
+          </a:prstGeom>
+        </p:spPr>
+      </p:pic>
+      <p:pic>
+        <p:nvPicPr>
+          <p:cNvPr id="20" name="图片 19">
+            <a:extLst>
+              <a:ext uri="{FF2B5EF4-FFF2-40B4-BE49-F238E27FC236}">
+                <a16:creationId xmlns:a16="http://schemas.microsoft.com/office/drawing/2014/main" id="{1D9E6ADE-D040-F945-A154-8212C3792C36}"/>
+              </a:ext>
+            </a:extLst>
+          </p:cNvPr>
+          <p:cNvPicPr>
+            <a:picLocks noChangeAspect="1"/>
+          </p:cNvPicPr>
+          <p:nvPr/>
+        </p:nvPicPr>
+        <p:blipFill>
+          <a:blip r:embed="rId7"/>
+          <a:stretch>
+            <a:fillRect/>
+          </a:stretch>
+        </p:blipFill>
+        <p:spPr>
+          <a:xfrm>
+            <a:off x="1497070" y="4012742"/>
+            <a:ext cx="812800" cy="812800"/>
+          </a:xfrm>
+          <a:prstGeom prst="rect">
+            <a:avLst/>
+          </a:prstGeom>
+        </p:spPr>
+      </p:pic>
+      <p:pic>
+        <p:nvPicPr>
+          <p:cNvPr id="22" name="图片 21">
+            <a:extLst>
+              <a:ext uri="{FF2B5EF4-FFF2-40B4-BE49-F238E27FC236}">
+                <a16:creationId xmlns:a16="http://schemas.microsoft.com/office/drawing/2014/main" id="{0D33EEC2-1C40-F04B-9F95-0FF7CC322311}"/>
+              </a:ext>
+            </a:extLst>
+          </p:cNvPr>
+          <p:cNvPicPr>
+            <a:picLocks noChangeAspect="1"/>
+          </p:cNvPicPr>
+          <p:nvPr/>
+        </p:nvPicPr>
+        <p:blipFill>
+          <a:blip r:embed="rId8"/>
+          <a:stretch>
+            <a:fillRect/>
+          </a:stretch>
+        </p:blipFill>
+        <p:spPr>
+          <a:xfrm>
+            <a:off x="4163408" y="4012742"/>
+            <a:ext cx="812800" cy="812800"/>
+          </a:xfrm>
+          <a:prstGeom prst="rect">
+            <a:avLst/>
+          </a:prstGeom>
+        </p:spPr>
+      </p:pic>
+      <p:pic>
+        <p:nvPicPr>
+          <p:cNvPr id="24" name="图片 23">
+            <a:extLst>
+              <a:ext uri="{FF2B5EF4-FFF2-40B4-BE49-F238E27FC236}">
+                <a16:creationId xmlns:a16="http://schemas.microsoft.com/office/drawing/2014/main" id="{026839C0-E9C4-3148-A22C-E4C7499F2C0A}"/>
+              </a:ext>
+            </a:extLst>
+          </p:cNvPr>
+          <p:cNvPicPr>
+            <a:picLocks noChangeAspect="1"/>
+          </p:cNvPicPr>
+          <p:nvPr/>
+        </p:nvPicPr>
+        <p:blipFill>
+          <a:blip r:embed="rId9"/>
+          <a:stretch>
+            <a:fillRect/>
+          </a:stretch>
+        </p:blipFill>
+        <p:spPr>
+          <a:xfrm>
+            <a:off x="4163408" y="4853740"/>
+            <a:ext cx="812800" cy="812800"/>
+          </a:xfrm>
+          <a:prstGeom prst="rect">
+            <a:avLst/>
+          </a:prstGeom>
+        </p:spPr>
+      </p:pic>
+      <p:pic>
+        <p:nvPicPr>
+          <p:cNvPr id="26" name="图片 25">
+            <a:extLst>
+              <a:ext uri="{FF2B5EF4-FFF2-40B4-BE49-F238E27FC236}">
+                <a16:creationId xmlns:a16="http://schemas.microsoft.com/office/drawing/2014/main" id="{08048546-9B83-A244-88D2-A3C8F6BE9D23}"/>
+              </a:ext>
+            </a:extLst>
+          </p:cNvPr>
+          <p:cNvPicPr>
+            <a:picLocks noChangeAspect="1"/>
+          </p:cNvPicPr>
+          <p:nvPr/>
+        </p:nvPicPr>
+        <p:blipFill>
+          <a:blip r:embed="rId10"/>
+          <a:stretch>
+            <a:fillRect/>
+          </a:stretch>
+        </p:blipFill>
+        <p:spPr>
+          <a:xfrm>
+            <a:off x="4163408" y="5714205"/>
+            <a:ext cx="812800" cy="812800"/>
+          </a:xfrm>
+          <a:prstGeom prst="rect">
+            <a:avLst/>
+          </a:prstGeom>
+        </p:spPr>
+      </p:pic>
+      <p:pic>
+        <p:nvPicPr>
+          <p:cNvPr id="28" name="图片 27">
+            <a:extLst>
+              <a:ext uri="{FF2B5EF4-FFF2-40B4-BE49-F238E27FC236}">
+                <a16:creationId xmlns:a16="http://schemas.microsoft.com/office/drawing/2014/main" id="{8A854BB8-6FB7-BB47-A0BA-82ACFEC610EB}"/>
+              </a:ext>
+            </a:extLst>
+          </p:cNvPr>
+          <p:cNvPicPr>
+            <a:picLocks noChangeAspect="1"/>
+          </p:cNvPicPr>
+          <p:nvPr/>
+        </p:nvPicPr>
+        <p:blipFill>
+          <a:blip r:embed="rId11"/>
+          <a:stretch>
+            <a:fillRect/>
+          </a:stretch>
+        </p:blipFill>
+        <p:spPr>
+          <a:xfrm>
+            <a:off x="3305673" y="5714205"/>
+            <a:ext cx="812800" cy="812800"/>
+          </a:xfrm>
+          <a:prstGeom prst="rect">
+            <a:avLst/>
+          </a:prstGeom>
+        </p:spPr>
+      </p:pic>
+      <p:pic>
+        <p:nvPicPr>
+          <p:cNvPr id="30" name="图片 29">
+            <a:extLst>
+              <a:ext uri="{FF2B5EF4-FFF2-40B4-BE49-F238E27FC236}">
+                <a16:creationId xmlns:a16="http://schemas.microsoft.com/office/drawing/2014/main" id="{A9F9D9B2-A086-674C-AA98-9A4B600DB816}"/>
+              </a:ext>
+            </a:extLst>
+          </p:cNvPr>
+          <p:cNvPicPr>
+            <a:picLocks noChangeAspect="1"/>
+          </p:cNvPicPr>
+          <p:nvPr/>
+        </p:nvPicPr>
+        <p:blipFill>
+          <a:blip r:embed="rId12"/>
+          <a:stretch>
+            <a:fillRect/>
+          </a:stretch>
+        </p:blipFill>
+        <p:spPr>
+          <a:xfrm>
+            <a:off x="3305673" y="4866680"/>
+            <a:ext cx="812800" cy="812800"/>
+          </a:xfrm>
+          <a:prstGeom prst="rect">
+            <a:avLst/>
+          </a:prstGeom>
+        </p:spPr>
+      </p:pic>
+      <p:pic>
+        <p:nvPicPr>
+          <p:cNvPr id="32" name="图片 31">
+            <a:extLst>
+              <a:ext uri="{FF2B5EF4-FFF2-40B4-BE49-F238E27FC236}">
+                <a16:creationId xmlns:a16="http://schemas.microsoft.com/office/drawing/2014/main" id="{1E66D254-7DA8-C64D-9997-B1908982ABEC}"/>
+              </a:ext>
+            </a:extLst>
+          </p:cNvPr>
+          <p:cNvPicPr>
+            <a:picLocks noChangeAspect="1"/>
+          </p:cNvPicPr>
+          <p:nvPr/>
+        </p:nvPicPr>
+        <p:blipFill>
+          <a:blip r:embed="rId13"/>
+          <a:stretch>
+            <a:fillRect/>
+          </a:stretch>
+        </p:blipFill>
+        <p:spPr>
+          <a:xfrm>
+            <a:off x="3305673" y="4019155"/>
+            <a:ext cx="812800" cy="812800"/>
+          </a:xfrm>
+          <a:prstGeom prst="rect">
+            <a:avLst/>
+          </a:prstGeom>
+        </p:spPr>
+      </p:pic>
+      <p:sp>
+        <p:nvSpPr>
+          <p:cNvPr id="15" name="矩形 14">
+            <a:extLst>
+              <a:ext uri="{FF2B5EF4-FFF2-40B4-BE49-F238E27FC236}">
+                <a16:creationId xmlns:a16="http://schemas.microsoft.com/office/drawing/2014/main" id="{5BE6DEE9-3380-E146-B7B0-DB47827A865D}"/>
+              </a:ext>
+            </a:extLst>
+          </p:cNvPr>
+          <p:cNvSpPr/>
+          <p:nvPr/>
+        </p:nvSpPr>
+        <p:spPr>
+          <a:xfrm>
+            <a:off x="1808402" y="6033095"/>
+            <a:ext cx="315163" cy="308877"/>
+          </a:xfrm>
+          <a:prstGeom prst="rect">
+            <a:avLst/>
+          </a:prstGeom>
+          <a:noFill/>
+          <a:ln w="10160">
+            <a:solidFill>
+              <a:srgbClr val="FF0000"/>
+            </a:solidFill>
+          </a:ln>
+        </p:spPr>
+        <p:style>
+          <a:lnRef idx="2">
+            <a:schemeClr val="accent1">
+              <a:shade val="50000"/>
+            </a:schemeClr>
+          </a:lnRef>
+          <a:fillRef idx="1">
+            <a:schemeClr val="accent1"/>
+          </a:fillRef>
+          <a:effectRef idx="0">
+            <a:schemeClr val="accent1"/>
+          </a:effectRef>
+          <a:fontRef idx="minor">
+            <a:schemeClr val="lt1"/>
+          </a:fontRef>
+        </p:style>
+        <p:txBody>
+          <a:bodyPr rtlCol="0" anchor="ctr"/>
+          <a:lstStyle/>
+          <a:p>
+            <a:pPr algn="ctr"/>
+            <a:endParaRPr kumimoji="1" lang="zh-CN" altLang="en-US" dirty="0"/>
+          </a:p>
+        </p:txBody>
+      </p:sp>
+      <p:sp>
+        <p:nvSpPr>
+          <p:cNvPr id="21" name="矩形 20">
+            <a:extLst>
+              <a:ext uri="{FF2B5EF4-FFF2-40B4-BE49-F238E27FC236}">
+                <a16:creationId xmlns:a16="http://schemas.microsoft.com/office/drawing/2014/main" id="{C7F9C012-EEB8-BB4D-9CD4-7AEBE50C0624}"/>
+              </a:ext>
+            </a:extLst>
+          </p:cNvPr>
+          <p:cNvSpPr/>
+          <p:nvPr/>
+        </p:nvSpPr>
+        <p:spPr>
+          <a:xfrm>
+            <a:off x="2030503" y="5237629"/>
+            <a:ext cx="239023" cy="211153"/>
+          </a:xfrm>
+          <a:prstGeom prst="rect">
+            <a:avLst/>
+          </a:prstGeom>
+          <a:noFill/>
+          <a:ln w="10160">
+            <a:solidFill>
+              <a:srgbClr val="FF0000"/>
+            </a:solidFill>
+          </a:ln>
+        </p:spPr>
+        <p:style>
+          <a:lnRef idx="2">
+            <a:schemeClr val="accent1">
+              <a:shade val="50000"/>
+            </a:schemeClr>
+          </a:lnRef>
+          <a:fillRef idx="1">
+            <a:schemeClr val="accent1"/>
+          </a:fillRef>
+          <a:effectRef idx="0">
+            <a:schemeClr val="accent1"/>
+          </a:effectRef>
+          <a:fontRef idx="minor">
+            <a:schemeClr val="lt1"/>
+          </a:fontRef>
+        </p:style>
+        <p:txBody>
+          <a:bodyPr rtlCol="0" anchor="ctr"/>
+          <a:lstStyle/>
+          <a:p>
+            <a:pPr algn="ctr"/>
+            <a:endParaRPr kumimoji="1" lang="zh-CN" altLang="en-US" dirty="0"/>
+          </a:p>
+        </p:txBody>
+      </p:sp>
+      <p:sp>
+        <p:nvSpPr>
+          <p:cNvPr id="23" name="矩形 22">
+            <a:extLst>
+              <a:ext uri="{FF2B5EF4-FFF2-40B4-BE49-F238E27FC236}">
+                <a16:creationId xmlns:a16="http://schemas.microsoft.com/office/drawing/2014/main" id="{6C8FF78E-C9CF-D84D-A264-7A94D05DBF65}"/>
+              </a:ext>
+            </a:extLst>
+          </p:cNvPr>
+          <p:cNvSpPr/>
+          <p:nvPr/>
+        </p:nvSpPr>
+        <p:spPr>
+          <a:xfrm>
+            <a:off x="1788230" y="5257798"/>
+            <a:ext cx="183561" cy="157363"/>
+          </a:xfrm>
+          <a:prstGeom prst="rect">
+            <a:avLst/>
+          </a:prstGeom>
+          <a:noFill/>
+          <a:ln w="10160">
+            <a:solidFill>
+              <a:srgbClr val="FF0000"/>
+            </a:solidFill>
+          </a:ln>
+        </p:spPr>
+        <p:style>
+          <a:lnRef idx="2">
+            <a:schemeClr val="accent1">
+              <a:shade val="50000"/>
+            </a:schemeClr>
+          </a:lnRef>
+          <a:fillRef idx="1">
+            <a:schemeClr val="accent1"/>
+          </a:fillRef>
+          <a:effectRef idx="0">
+            <a:schemeClr val="accent1"/>
+          </a:effectRef>
+          <a:fontRef idx="minor">
+            <a:schemeClr val="lt1"/>
+          </a:fontRef>
+        </p:style>
+        <p:txBody>
+          <a:bodyPr rtlCol="0" anchor="ctr"/>
+          <a:lstStyle/>
+          <a:p>
+            <a:pPr algn="ctr"/>
+            <a:endParaRPr kumimoji="1" lang="zh-CN" altLang="en-US" dirty="0"/>
+          </a:p>
+        </p:txBody>
+      </p:sp>
+      <p:sp>
+        <p:nvSpPr>
+          <p:cNvPr id="25" name="矩形 24">
+            <a:extLst>
+              <a:ext uri="{FF2B5EF4-FFF2-40B4-BE49-F238E27FC236}">
+                <a16:creationId xmlns:a16="http://schemas.microsoft.com/office/drawing/2014/main" id="{2767B412-BB52-314B-9AD6-C584A584ACE5}"/>
+              </a:ext>
+            </a:extLst>
+          </p:cNvPr>
+          <p:cNvSpPr/>
+          <p:nvPr/>
+        </p:nvSpPr>
+        <p:spPr>
+          <a:xfrm>
+            <a:off x="2422613" y="4035322"/>
+            <a:ext cx="293692" cy="211153"/>
+          </a:xfrm>
+          <a:prstGeom prst="rect">
+            <a:avLst/>
+          </a:prstGeom>
+          <a:noFill/>
+          <a:ln w="10160">
+            <a:solidFill>
+              <a:srgbClr val="FF0000"/>
+            </a:solidFill>
+          </a:ln>
+        </p:spPr>
+        <p:style>
+          <a:lnRef idx="2">
+            <a:schemeClr val="accent1">
+              <a:shade val="50000"/>
+            </a:schemeClr>
+          </a:lnRef>
+          <a:fillRef idx="1">
+            <a:schemeClr val="accent1"/>
+          </a:fillRef>
+          <a:effectRef idx="0">
+            <a:schemeClr val="accent1"/>
+          </a:effectRef>
+          <a:fontRef idx="minor">
+            <a:schemeClr val="lt1"/>
+          </a:fontRef>
+        </p:style>
+        <p:txBody>
+          <a:bodyPr rtlCol="0" anchor="ctr"/>
+          <a:lstStyle/>
+          <a:p>
+            <a:pPr algn="ctr"/>
+            <a:endParaRPr kumimoji="1" lang="zh-CN" altLang="en-US" dirty="0"/>
+          </a:p>
+        </p:txBody>
+      </p:sp>
+      <p:sp>
+        <p:nvSpPr>
+          <p:cNvPr id="27" name="矩形 26">
+            <a:extLst>
+              <a:ext uri="{FF2B5EF4-FFF2-40B4-BE49-F238E27FC236}">
+                <a16:creationId xmlns:a16="http://schemas.microsoft.com/office/drawing/2014/main" id="{D354A19F-4270-5243-8C5A-450CB833226F}"/>
+              </a:ext>
+            </a:extLst>
+          </p:cNvPr>
+          <p:cNvSpPr/>
+          <p:nvPr/>
+        </p:nvSpPr>
+        <p:spPr>
+          <a:xfrm>
+            <a:off x="1933280" y="4347184"/>
+            <a:ext cx="183561" cy="157363"/>
+          </a:xfrm>
+          <a:prstGeom prst="rect">
+            <a:avLst/>
+          </a:prstGeom>
+          <a:noFill/>
+          <a:ln w="10160">
+            <a:solidFill>
+              <a:srgbClr val="FF0000"/>
+            </a:solidFill>
+          </a:ln>
+        </p:spPr>
+        <p:style>
+          <a:lnRef idx="2">
+            <a:schemeClr val="accent1">
+              <a:shade val="50000"/>
+            </a:schemeClr>
+          </a:lnRef>
+          <a:fillRef idx="1">
+            <a:schemeClr val="accent1"/>
+          </a:fillRef>
+          <a:effectRef idx="0">
+            <a:schemeClr val="accent1"/>
+          </a:effectRef>
+          <a:fontRef idx="minor">
+            <a:schemeClr val="lt1"/>
+          </a:fontRef>
+        </p:style>
+        <p:txBody>
+          <a:bodyPr rtlCol="0" anchor="ctr"/>
+          <a:lstStyle/>
+          <a:p>
+            <a:pPr algn="ctr"/>
+            <a:endParaRPr kumimoji="1" lang="zh-CN" altLang="en-US" dirty="0"/>
+          </a:p>
+        </p:txBody>
+      </p:sp>
+      <p:sp>
+        <p:nvSpPr>
+          <p:cNvPr id="29" name="矩形 28">
+            <a:extLst>
+              <a:ext uri="{FF2B5EF4-FFF2-40B4-BE49-F238E27FC236}">
+                <a16:creationId xmlns:a16="http://schemas.microsoft.com/office/drawing/2014/main" id="{20AD4649-B37F-A043-BE13-B5527040CAFC}"/>
+              </a:ext>
+            </a:extLst>
+          </p:cNvPr>
+          <p:cNvSpPr/>
+          <p:nvPr/>
+        </p:nvSpPr>
+        <p:spPr>
+          <a:xfrm>
+            <a:off x="2632721" y="4898984"/>
+            <a:ext cx="183561" cy="157363"/>
+          </a:xfrm>
+          <a:prstGeom prst="rect">
+            <a:avLst/>
+          </a:prstGeom>
+          <a:noFill/>
+          <a:ln w="10160">
+            <a:solidFill>
+              <a:srgbClr val="FF0000"/>
+            </a:solidFill>
+          </a:ln>
+        </p:spPr>
+        <p:style>
+          <a:lnRef idx="2">
+            <a:schemeClr val="accent1">
+              <a:shade val="50000"/>
+            </a:schemeClr>
+          </a:lnRef>
+          <a:fillRef idx="1">
+            <a:schemeClr val="accent1"/>
+          </a:fillRef>
+          <a:effectRef idx="0">
+            <a:schemeClr val="accent1"/>
+          </a:effectRef>
+          <a:fontRef idx="minor">
+            <a:schemeClr val="lt1"/>
+          </a:fontRef>
+        </p:style>
+        <p:txBody>
+          <a:bodyPr rtlCol="0" anchor="ctr"/>
+          <a:lstStyle/>
+          <a:p>
+            <a:pPr algn="ctr"/>
+            <a:endParaRPr kumimoji="1" lang="zh-CN" altLang="en-US" dirty="0"/>
+          </a:p>
+        </p:txBody>
+      </p:sp>
+      <p:sp>
+        <p:nvSpPr>
+          <p:cNvPr id="31" name="矩形 30">
+            <a:extLst>
+              <a:ext uri="{FF2B5EF4-FFF2-40B4-BE49-F238E27FC236}">
+                <a16:creationId xmlns:a16="http://schemas.microsoft.com/office/drawing/2014/main" id="{169DF69A-AE14-D748-8AA1-F2AAAF492B7E}"/>
+              </a:ext>
+            </a:extLst>
+          </p:cNvPr>
+          <p:cNvSpPr/>
+          <p:nvPr/>
+        </p:nvSpPr>
+        <p:spPr>
+          <a:xfrm>
+            <a:off x="2497850" y="5795599"/>
+            <a:ext cx="148319" cy="134556"/>
+          </a:xfrm>
+          <a:prstGeom prst="rect">
+            <a:avLst/>
+          </a:prstGeom>
+          <a:noFill/>
+          <a:ln w="10160">
+            <a:solidFill>
+              <a:srgbClr val="FF0000"/>
+            </a:solidFill>
+          </a:ln>
+        </p:spPr>
+        <p:style>
+          <a:lnRef idx="2">
+            <a:schemeClr val="accent1">
+              <a:shade val="50000"/>
+            </a:schemeClr>
+          </a:lnRef>
+          <a:fillRef idx="1">
+            <a:schemeClr val="accent1"/>
+          </a:fillRef>
+          <a:effectRef idx="0">
+            <a:schemeClr val="accent1"/>
+          </a:effectRef>
+          <a:fontRef idx="minor">
+            <a:schemeClr val="lt1"/>
+          </a:fontRef>
+        </p:style>
+        <p:txBody>
+          <a:bodyPr rtlCol="0" anchor="ctr"/>
+          <a:lstStyle/>
+          <a:p>
+            <a:pPr algn="ctr"/>
+            <a:endParaRPr kumimoji="1" lang="zh-CN" altLang="en-US" dirty="0"/>
+          </a:p>
+        </p:txBody>
+      </p:sp>
+      <p:sp>
+        <p:nvSpPr>
+          <p:cNvPr id="33" name="矩形 32">
+            <a:extLst>
+              <a:ext uri="{FF2B5EF4-FFF2-40B4-BE49-F238E27FC236}">
+                <a16:creationId xmlns:a16="http://schemas.microsoft.com/office/drawing/2014/main" id="{E44F4174-4CAB-1945-9995-CB2BC2E2F797}"/>
+              </a:ext>
+            </a:extLst>
+          </p:cNvPr>
+          <p:cNvSpPr/>
+          <p:nvPr/>
+        </p:nvSpPr>
+        <p:spPr>
+          <a:xfrm>
+            <a:off x="2690882" y="6335248"/>
+            <a:ext cx="148319" cy="134556"/>
+          </a:xfrm>
+          <a:prstGeom prst="rect">
+            <a:avLst/>
+          </a:prstGeom>
+          <a:noFill/>
+          <a:ln w="10160">
+            <a:solidFill>
+              <a:srgbClr val="FF0000"/>
+            </a:solidFill>
+          </a:ln>
+        </p:spPr>
+        <p:style>
+          <a:lnRef idx="2">
+            <a:schemeClr val="accent1">
+              <a:shade val="50000"/>
+            </a:schemeClr>
+          </a:lnRef>
+          <a:fillRef idx="1">
+            <a:schemeClr val="accent1"/>
+          </a:fillRef>
+          <a:effectRef idx="0">
+            <a:schemeClr val="accent1"/>
+          </a:effectRef>
+          <a:fontRef idx="minor">
+            <a:schemeClr val="lt1"/>
+          </a:fontRef>
+        </p:style>
+        <p:txBody>
+          <a:bodyPr rtlCol="0" anchor="ctr"/>
+          <a:lstStyle/>
+          <a:p>
+            <a:pPr algn="ctr"/>
+            <a:endParaRPr kumimoji="1" lang="zh-CN" altLang="en-US" dirty="0"/>
+          </a:p>
+        </p:txBody>
+      </p:sp>
+    </p:spTree>
+    <p:extLst>
+      <p:ext uri="{BB962C8B-B14F-4D97-AF65-F5344CB8AC3E}">
+        <p14:creationId xmlns:p14="http://schemas.microsoft.com/office/powerpoint/2010/main" val="1611749927"/>
+      </p:ext>
+    </p:extLst>
+  </p:cSld>
+  <p:clrMapOvr>
+    <a:masterClrMapping/>
+  </p:clrMapOvr>
+</p:sld>
+</file>
+
 <file path=ppt/slides/slide2.xml><?xml version="1.0" encoding="utf-8"?>
 <p:sld xmlns:a="http://schemas.openxmlformats.org/drawingml/2006/main" xmlns:r="http://schemas.openxmlformats.org/officeDocument/2006/relationships" xmlns:p="http://schemas.openxmlformats.org/presentationml/2006/main">
   <p:cSld>
@@ -10692,7 +12462,7 @@
         </p:nvSpPr>
         <p:spPr>
           <a:xfrm>
-            <a:off x="842062" y="1490630"/>
+            <a:off x="842062" y="1490400"/>
             <a:ext cx="216000" cy="144000"/>
           </a:xfrm>
           <a:prstGeom prst="rightArrow">
@@ -14569,55 +16339,6 @@
       </mc:AlternateContent>
       <p:sp>
         <p:nvSpPr>
-          <p:cNvPr id="84" name="右箭头 83">
-            <a:extLst>
-              <a:ext uri="{FF2B5EF4-FFF2-40B4-BE49-F238E27FC236}">
-                <a16:creationId xmlns:a16="http://schemas.microsoft.com/office/drawing/2014/main" id="{30E2BF01-4263-1A47-B471-2CB7EBA25E12}"/>
-              </a:ext>
-            </a:extLst>
-          </p:cNvPr>
-          <p:cNvSpPr/>
-          <p:nvPr/>
-        </p:nvSpPr>
-        <p:spPr>
-          <a:xfrm>
-            <a:off x="9279119" y="1433412"/>
-            <a:ext cx="216000" cy="144000"/>
-          </a:xfrm>
-          <a:prstGeom prst="rightArrow">
-            <a:avLst/>
-          </a:prstGeom>
-          <a:solidFill>
-            <a:srgbClr val="FFC000"/>
-          </a:solidFill>
-        </p:spPr>
-        <p:style>
-          <a:lnRef idx="2">
-            <a:schemeClr val="accent1">
-              <a:shade val="50000"/>
-            </a:schemeClr>
-          </a:lnRef>
-          <a:fillRef idx="1">
-            <a:schemeClr val="accent1"/>
-          </a:fillRef>
-          <a:effectRef idx="0">
-            <a:schemeClr val="accent1"/>
-          </a:effectRef>
-          <a:fontRef idx="minor">
-            <a:schemeClr val="lt1"/>
-          </a:fontRef>
-        </p:style>
-        <p:txBody>
-          <a:bodyPr rtlCol="0" anchor="ctr"/>
-          <a:lstStyle/>
-          <a:p>
-            <a:pPr algn="ctr"/>
-            <a:endParaRPr kumimoji="1" lang="zh-CN" altLang="en-US"/>
-          </a:p>
-        </p:txBody>
-      </p:sp>
-      <p:sp>
-        <p:nvSpPr>
           <p:cNvPr id="85" name="矩形 84">
             <a:extLst>
               <a:ext uri="{FF2B5EF4-FFF2-40B4-BE49-F238E27FC236}">
@@ -14682,7 +16403,7 @@
         </p:nvSpPr>
         <p:spPr>
           <a:xfrm>
-            <a:off x="9610827" y="1437764"/>
+            <a:off x="9610827" y="1490400"/>
             <a:ext cx="216000" cy="144000"/>
           </a:xfrm>
           <a:prstGeom prst="rightArrow">
@@ -14731,8 +16452,8 @@
         </p:nvSpPr>
         <p:spPr>
           <a:xfrm>
-            <a:off x="9834594" y="569026"/>
-            <a:ext cx="72000" cy="1897199"/>
+            <a:off x="9834594" y="586279"/>
+            <a:ext cx="36000" cy="1897199"/>
           </a:xfrm>
           <a:prstGeom prst="rect">
             <a:avLst/>
@@ -14810,7 +16531,7 @@
                         <a:rPr kumimoji="1" lang="en-US" altLang="zh-CN" sz="1400" b="0" i="1" smtClean="0">
                           <a:latin typeface="Cambria Math" panose="02040503050406030204" pitchFamily="18" charset="0"/>
                         </a:rPr>
-                        <m:t>1</m:t>
+                        <m:t>3</m:t>
                       </m:r>
                     </m:oMath>
                   </m:oMathPara>
@@ -17866,8 +19587,8 @@
             </p:nvSpPr>
             <p:spPr>
               <a:xfrm>
-                <a:off x="8989095" y="352800"/>
-                <a:ext cx="423514" cy="307777"/>
+                <a:off x="8935308" y="352800"/>
+                <a:ext cx="522900" cy="307777"/>
               </a:xfrm>
               <a:prstGeom prst="rect">
                 <a:avLst/>
@@ -17891,7 +19612,7 @@
                         <a:rPr kumimoji="1" lang="en-US" altLang="zh-CN" sz="1400" b="0" i="1" smtClean="0">
                           <a:latin typeface="Cambria Math" panose="02040503050406030204" pitchFamily="18" charset="0"/>
                         </a:rPr>
-                        <m:t>64</m:t>
+                        <m:t>128</m:t>
                       </m:r>
                     </m:oMath>
                   </m:oMathPara>
@@ -17918,8 +19639,8 @@
             </p:nvSpPr>
             <p:spPr>
               <a:xfrm>
-                <a:off x="8989095" y="352800"/>
-                <a:ext cx="423514" cy="307777"/>
+                <a:off x="8935308" y="352800"/>
+                <a:ext cx="522900" cy="307777"/>
               </a:xfrm>
               <a:prstGeom prst="rect">
                 <a:avLst/>
@@ -17962,8 +19683,8 @@
             </p:nvSpPr>
             <p:spPr>
               <a:xfrm>
-                <a:off x="9410434" y="334871"/>
-                <a:ext cx="324128" cy="307777"/>
+                <a:off x="9356647" y="334871"/>
+                <a:ext cx="423514" cy="307777"/>
               </a:xfrm>
               <a:prstGeom prst="rect">
                 <a:avLst/>
@@ -17987,7 +19708,7 @@
                         <a:rPr kumimoji="1" lang="en-US" altLang="zh-CN" sz="1400" b="0" i="1" smtClean="0">
                           <a:latin typeface="Cambria Math" panose="02040503050406030204" pitchFamily="18" charset="0"/>
                         </a:rPr>
-                        <m:t>3</m:t>
+                        <m:t>64</m:t>
                       </m:r>
                     </m:oMath>
                   </m:oMathPara>
@@ -18014,8 +19735,8 @@
             </p:nvSpPr>
             <p:spPr>
               <a:xfrm>
-                <a:off x="9410434" y="334871"/>
-                <a:ext cx="324128" cy="307777"/>
+                <a:off x="9356647" y="334871"/>
+                <a:ext cx="423514" cy="307777"/>
               </a:xfrm>
               <a:prstGeom prst="rect">
                 <a:avLst/>
@@ -18058,7 +19779,7 @@
             </p:nvSpPr>
             <p:spPr>
               <a:xfrm>
-                <a:off x="9724197" y="352800"/>
+                <a:off x="9706944" y="352800"/>
                 <a:ext cx="324128" cy="307777"/>
               </a:xfrm>
               <a:prstGeom prst="rect">
@@ -18110,7 +19831,7 @@
             </p:nvSpPr>
             <p:spPr>
               <a:xfrm>
-                <a:off x="9724197" y="352800"/>
+                <a:off x="9706944" y="352800"/>
                 <a:ext cx="324128" cy="307777"/>
               </a:xfrm>
               <a:prstGeom prst="rect">
@@ -18118,6 +19839,301 @@
               </a:prstGeom>
               <a:blipFill>
                 <a:blip r:embed="rId45"/>
+                <a:stretch>
+                  <a:fillRect/>
+                </a:stretch>
+              </a:blipFill>
+            </p:spPr>
+            <p:txBody>
+              <a:bodyPr/>
+              <a:lstStyle/>
+              <a:p>
+                <a:r>
+                  <a:rPr lang="zh-CN" altLang="en-US">
+                    <a:noFill/>
+                  </a:rPr>
+                  <a:t> </a:t>
+                </a:r>
+              </a:p>
+            </p:txBody>
+          </p:sp>
+        </mc:Fallback>
+      </mc:AlternateContent>
+      <p:sp>
+        <p:nvSpPr>
+          <p:cNvPr id="127" name="右箭头 126">
+            <a:extLst>
+              <a:ext uri="{FF2B5EF4-FFF2-40B4-BE49-F238E27FC236}">
+                <a16:creationId xmlns:a16="http://schemas.microsoft.com/office/drawing/2014/main" id="{0D65245A-EFEB-2D46-830D-16A0A7FAC0CE}"/>
+              </a:ext>
+            </a:extLst>
+          </p:cNvPr>
+          <p:cNvSpPr/>
+          <p:nvPr/>
+        </p:nvSpPr>
+        <p:spPr>
+          <a:xfrm rot="10800000" flipH="1">
+            <a:off x="1139179" y="1506812"/>
+            <a:ext cx="7956000" cy="82800"/>
+          </a:xfrm>
+          <a:prstGeom prst="rightArrow">
+            <a:avLst/>
+          </a:prstGeom>
+          <a:solidFill>
+            <a:schemeClr val="bg2"/>
+          </a:solidFill>
+        </p:spPr>
+        <p:style>
+          <a:lnRef idx="2">
+            <a:schemeClr val="accent1">
+              <a:shade val="50000"/>
+            </a:schemeClr>
+          </a:lnRef>
+          <a:fillRef idx="1">
+            <a:schemeClr val="accent1"/>
+          </a:fillRef>
+          <a:effectRef idx="0">
+            <a:schemeClr val="accent1"/>
+          </a:effectRef>
+          <a:fontRef idx="minor">
+            <a:schemeClr val="lt1"/>
+          </a:fontRef>
+        </p:style>
+        <p:txBody>
+          <a:bodyPr rtlCol="0" anchor="ctr"/>
+          <a:lstStyle/>
+          <a:p>
+            <a:pPr algn="ctr"/>
+            <a:endParaRPr kumimoji="1" lang="zh-CN" altLang="en-US"/>
+          </a:p>
+        </p:txBody>
+      </p:sp>
+      <p:sp>
+        <p:nvSpPr>
+          <p:cNvPr id="128" name="右箭头 127">
+            <a:extLst>
+              <a:ext uri="{FF2B5EF4-FFF2-40B4-BE49-F238E27FC236}">
+                <a16:creationId xmlns:a16="http://schemas.microsoft.com/office/drawing/2014/main" id="{DBA37ECD-169F-6D42-B82D-02D2E9D12FB4}"/>
+              </a:ext>
+            </a:extLst>
+          </p:cNvPr>
+          <p:cNvSpPr/>
+          <p:nvPr/>
+        </p:nvSpPr>
+        <p:spPr>
+          <a:xfrm>
+            <a:off x="9888735" y="1490400"/>
+            <a:ext cx="216000" cy="144000"/>
+          </a:xfrm>
+          <a:prstGeom prst="rightArrow">
+            <a:avLst/>
+          </a:prstGeom>
+          <a:solidFill>
+            <a:srgbClr val="7030A0"/>
+          </a:solidFill>
+        </p:spPr>
+        <p:style>
+          <a:lnRef idx="2">
+            <a:schemeClr val="accent1">
+              <a:shade val="50000"/>
+            </a:schemeClr>
+          </a:lnRef>
+          <a:fillRef idx="1">
+            <a:schemeClr val="accent1"/>
+          </a:fillRef>
+          <a:effectRef idx="0">
+            <a:schemeClr val="accent1"/>
+          </a:effectRef>
+          <a:fontRef idx="minor">
+            <a:schemeClr val="lt1"/>
+          </a:fontRef>
+        </p:style>
+        <p:txBody>
+          <a:bodyPr rtlCol="0" anchor="ctr"/>
+          <a:lstStyle/>
+          <a:p>
+            <a:pPr algn="ctr"/>
+            <a:endParaRPr kumimoji="1" lang="zh-CN" altLang="en-US"/>
+          </a:p>
+        </p:txBody>
+      </p:sp>
+      <p:sp>
+        <p:nvSpPr>
+          <p:cNvPr id="129" name="矩形 128">
+            <a:extLst>
+              <a:ext uri="{FF2B5EF4-FFF2-40B4-BE49-F238E27FC236}">
+                <a16:creationId xmlns:a16="http://schemas.microsoft.com/office/drawing/2014/main" id="{BC2742B7-7509-614F-BB74-4A2BB9150F3B}"/>
+              </a:ext>
+            </a:extLst>
+          </p:cNvPr>
+          <p:cNvSpPr/>
+          <p:nvPr/>
+        </p:nvSpPr>
+        <p:spPr>
+          <a:xfrm>
+            <a:off x="10130431" y="577993"/>
+            <a:ext cx="36000" cy="1897199"/>
+          </a:xfrm>
+          <a:prstGeom prst="rect">
+            <a:avLst/>
+          </a:prstGeom>
+          <a:solidFill>
+            <a:schemeClr val="accent5">
+              <a:lumMod val="20000"/>
+              <a:lumOff val="80000"/>
+            </a:schemeClr>
+          </a:solidFill>
+        </p:spPr>
+        <p:style>
+          <a:lnRef idx="2">
+            <a:schemeClr val="accent1">
+              <a:shade val="50000"/>
+            </a:schemeClr>
+          </a:lnRef>
+          <a:fillRef idx="1">
+            <a:schemeClr val="accent1"/>
+          </a:fillRef>
+          <a:effectRef idx="0">
+            <a:schemeClr val="accent1"/>
+          </a:effectRef>
+          <a:fontRef idx="minor">
+            <a:schemeClr val="lt1"/>
+          </a:fontRef>
+        </p:style>
+        <p:txBody>
+          <a:bodyPr rtlCol="0" anchor="ctr"/>
+          <a:lstStyle/>
+          <a:p>
+            <a:pPr algn="ctr"/>
+            <a:endParaRPr kumimoji="1" lang="zh-CN" altLang="en-US"/>
+          </a:p>
+        </p:txBody>
+      </p:sp>
+      <p:sp>
+        <p:nvSpPr>
+          <p:cNvPr id="130" name="右箭头 129">
+            <a:extLst>
+              <a:ext uri="{FF2B5EF4-FFF2-40B4-BE49-F238E27FC236}">
+                <a16:creationId xmlns:a16="http://schemas.microsoft.com/office/drawing/2014/main" id="{D4D68EDD-AC54-D340-82D4-AAEFFF885697}"/>
+              </a:ext>
+            </a:extLst>
+          </p:cNvPr>
+          <p:cNvSpPr/>
+          <p:nvPr/>
+        </p:nvSpPr>
+        <p:spPr>
+          <a:xfrm>
+            <a:off x="9280986" y="1490400"/>
+            <a:ext cx="216000" cy="144000"/>
+          </a:xfrm>
+          <a:prstGeom prst="rightArrow">
+            <a:avLst/>
+          </a:prstGeom>
+          <a:solidFill>
+            <a:srgbClr val="00B0F0"/>
+          </a:solidFill>
+        </p:spPr>
+        <p:style>
+          <a:lnRef idx="2">
+            <a:schemeClr val="accent1">
+              <a:shade val="50000"/>
+            </a:schemeClr>
+          </a:lnRef>
+          <a:fillRef idx="1">
+            <a:schemeClr val="accent1"/>
+          </a:fillRef>
+          <a:effectRef idx="0">
+            <a:schemeClr val="accent1"/>
+          </a:effectRef>
+          <a:fontRef idx="minor">
+            <a:schemeClr val="lt1"/>
+          </a:fontRef>
+        </p:style>
+        <p:txBody>
+          <a:bodyPr rtlCol="0" anchor="ctr"/>
+          <a:lstStyle/>
+          <a:p>
+            <a:pPr algn="ctr"/>
+            <a:endParaRPr kumimoji="1" lang="zh-CN" altLang="en-US"/>
+          </a:p>
+        </p:txBody>
+      </p:sp>
+      <mc:AlternateContent xmlns:mc="http://schemas.openxmlformats.org/markup-compatibility/2006" xmlns:a14="http://schemas.microsoft.com/office/drawing/2010/main">
+        <mc:Choice Requires="a14">
+          <p:sp>
+            <p:nvSpPr>
+              <p:cNvPr id="131" name="文本框 130">
+                <a:extLst>
+                  <a:ext uri="{FF2B5EF4-FFF2-40B4-BE49-F238E27FC236}">
+                    <a16:creationId xmlns:a16="http://schemas.microsoft.com/office/drawing/2014/main" id="{D88CD96E-D54D-7F43-8B4F-E6F109D09765}"/>
+                  </a:ext>
+                </a:extLst>
+              </p:cNvPr>
+              <p:cNvSpPr txBox="1"/>
+              <p:nvPr/>
+            </p:nvSpPr>
+            <p:spPr>
+              <a:xfrm>
+                <a:off x="10004129" y="361768"/>
+                <a:ext cx="324128" cy="307777"/>
+              </a:xfrm>
+              <a:prstGeom prst="rect">
+                <a:avLst/>
+              </a:prstGeom>
+              <a:noFill/>
+            </p:spPr>
+            <p:txBody>
+              <a:bodyPr wrap="none" rtlCol="0">
+                <a:spAutoFit/>
+              </a:bodyPr>
+              <a:lstStyle/>
+              <a:p>
+                <a:pPr/>
+                <a14:m>
+                  <m:oMathPara xmlns:m="http://schemas.openxmlformats.org/officeDocument/2006/math">
+                    <m:oMathParaPr>
+                      <m:jc m:val="centerGroup"/>
+                    </m:oMathParaPr>
+                    <m:oMath xmlns:m="http://schemas.openxmlformats.org/officeDocument/2006/math">
+                      <m:r>
+                        <a:rPr kumimoji="1" lang="en-US" altLang="zh-CN" sz="1400" b="0" i="1" smtClean="0">
+                          <a:latin typeface="Cambria Math" panose="02040503050406030204" pitchFamily="18" charset="0"/>
+                        </a:rPr>
+                        <m:t>3</m:t>
+                      </m:r>
+                    </m:oMath>
+                  </m:oMathPara>
+                </a14:m>
+                <a:endParaRPr kumimoji="1" lang="en-US" altLang="zh-CN" sz="1400" b="0" dirty="0"/>
+              </a:p>
+            </p:txBody>
+          </p:sp>
+        </mc:Choice>
+        <mc:Fallback xmlns="">
+          <p:sp>
+            <p:nvSpPr>
+              <p:cNvPr id="131" name="文本框 130">
+                <a:extLst>
+                  <a:ext uri="{FF2B5EF4-FFF2-40B4-BE49-F238E27FC236}">
+                    <a16:creationId xmlns:a16="http://schemas.microsoft.com/office/drawing/2014/main" id="{D88CD96E-D54D-7F43-8B4F-E6F109D09765}"/>
+                  </a:ext>
+                </a:extLst>
+              </p:cNvPr>
+              <p:cNvSpPr txBox="1">
+                <a:spLocks noRot="1" noChangeAspect="1" noMove="1" noResize="1" noEditPoints="1" noAdjustHandles="1" noChangeArrowheads="1" noChangeShapeType="1" noTextEdit="1"/>
+              </p:cNvSpPr>
+              <p:nvPr/>
+            </p:nvSpPr>
+            <p:spPr>
+              <a:xfrm>
+                <a:off x="10004129" y="361768"/>
+                <a:ext cx="324128" cy="307777"/>
+              </a:xfrm>
+              <a:prstGeom prst="rect">
+                <a:avLst/>
+              </a:prstGeom>
+              <a:blipFill>
+                <a:blip r:embed="rId46"/>
                 <a:stretch>
                   <a:fillRect/>
                 </a:stretch>
